--- a/Resources/encrypted_messages_project.pptx
+++ b/Resources/encrypted_messages_project.pptx
@@ -128,6 +128,11 @@
       </a:defRPr>
     </a:lvl9pPr>
   </p:defaultTextStyle>
+  <p:extLst>
+    <p:ext uri="{EFAFB233-063F-42B5-8137-9DF3F51BA10A}">
+      <p15:sldGuideLst xmlns:p15="http://schemas.microsoft.com/office/powerpoint/2012/main"/>
+    </p:ext>
+  </p:extLst>
 </p:presentation>
 </file>
 
@@ -213,7 +218,7 @@
           <a:p>
             <a:fld id="{EC53AC68-5164-E645-BF27-3C922E5116BD}" type="datetimeFigureOut">
               <a:rPr lang="en-US" smtClean="0"/>
-              <a:t>11/21/20</a:t>
+              <a:t>11/22/20</a:t>
             </a:fld>
             <a:endParaRPr lang="en-US"/>
           </a:p>
@@ -1131,7 +1136,7 @@
           <a:p>
             <a:fld id="{34BC7144-1F43-624A-A02A-67B931D4F8CF}" type="datetimeFigureOut">
               <a:rPr lang="en-US" smtClean="0"/>
-              <a:t>11/20/20</a:t>
+              <a:t>11/22/20</a:t>
             </a:fld>
             <a:endParaRPr lang="en-US"/>
           </a:p>
@@ -1329,7 +1334,7 @@
           <a:p>
             <a:fld id="{34BC7144-1F43-624A-A02A-67B931D4F8CF}" type="datetimeFigureOut">
               <a:rPr lang="en-US" smtClean="0"/>
-              <a:t>11/20/20</a:t>
+              <a:t>11/22/20</a:t>
             </a:fld>
             <a:endParaRPr lang="en-US"/>
           </a:p>
@@ -1537,7 +1542,7 @@
           <a:p>
             <a:fld id="{34BC7144-1F43-624A-A02A-67B931D4F8CF}" type="datetimeFigureOut">
               <a:rPr lang="en-US" smtClean="0"/>
-              <a:t>11/20/20</a:t>
+              <a:t>11/22/20</a:t>
             </a:fld>
             <a:endParaRPr lang="en-US"/>
           </a:p>
@@ -1735,7 +1740,7 @@
           <a:p>
             <a:fld id="{34BC7144-1F43-624A-A02A-67B931D4F8CF}" type="datetimeFigureOut">
               <a:rPr lang="en-US" smtClean="0"/>
-              <a:t>11/20/20</a:t>
+              <a:t>11/22/20</a:t>
             </a:fld>
             <a:endParaRPr lang="en-US"/>
           </a:p>
@@ -2010,7 +2015,7 @@
           <a:p>
             <a:fld id="{34BC7144-1F43-624A-A02A-67B931D4F8CF}" type="datetimeFigureOut">
               <a:rPr lang="en-US" smtClean="0"/>
-              <a:t>11/20/20</a:t>
+              <a:t>11/22/20</a:t>
             </a:fld>
             <a:endParaRPr lang="en-US"/>
           </a:p>
@@ -2275,7 +2280,7 @@
           <a:p>
             <a:fld id="{34BC7144-1F43-624A-A02A-67B931D4F8CF}" type="datetimeFigureOut">
               <a:rPr lang="en-US" smtClean="0"/>
-              <a:t>11/20/20</a:t>
+              <a:t>11/22/20</a:t>
             </a:fld>
             <a:endParaRPr lang="en-US"/>
           </a:p>
@@ -2687,7 +2692,7 @@
           <a:p>
             <a:fld id="{34BC7144-1F43-624A-A02A-67B931D4F8CF}" type="datetimeFigureOut">
               <a:rPr lang="en-US" smtClean="0"/>
-              <a:t>11/20/20</a:t>
+              <a:t>11/22/20</a:t>
             </a:fld>
             <a:endParaRPr lang="en-US"/>
           </a:p>
@@ -2828,7 +2833,7 @@
           <a:p>
             <a:fld id="{34BC7144-1F43-624A-A02A-67B931D4F8CF}" type="datetimeFigureOut">
               <a:rPr lang="en-US" smtClean="0"/>
-              <a:t>11/20/20</a:t>
+              <a:t>11/22/20</a:t>
             </a:fld>
             <a:endParaRPr lang="en-US"/>
           </a:p>
@@ -2941,7 +2946,7 @@
           <a:p>
             <a:fld id="{34BC7144-1F43-624A-A02A-67B931D4F8CF}" type="datetimeFigureOut">
               <a:rPr lang="en-US" smtClean="0"/>
-              <a:t>11/20/20</a:t>
+              <a:t>11/22/20</a:t>
             </a:fld>
             <a:endParaRPr lang="en-US"/>
           </a:p>
@@ -3252,7 +3257,7 @@
           <a:p>
             <a:fld id="{34BC7144-1F43-624A-A02A-67B931D4F8CF}" type="datetimeFigureOut">
               <a:rPr lang="en-US" smtClean="0"/>
-              <a:t>11/20/20</a:t>
+              <a:t>11/22/20</a:t>
             </a:fld>
             <a:endParaRPr lang="en-US"/>
           </a:p>
@@ -3540,7 +3545,7 @@
           <a:p>
             <a:fld id="{34BC7144-1F43-624A-A02A-67B931D4F8CF}" type="datetimeFigureOut">
               <a:rPr lang="en-US" smtClean="0"/>
-              <a:t>11/20/20</a:t>
+              <a:t>11/22/20</a:t>
             </a:fld>
             <a:endParaRPr lang="en-US"/>
           </a:p>
@@ -3784,7 +3789,7 @@
           <a:p>
             <a:fld id="{34BC7144-1F43-624A-A02A-67B931D4F8CF}" type="datetimeFigureOut">
               <a:rPr lang="en-US" smtClean="0"/>
-              <a:t>11/20/20</a:t>
+              <a:t>11/22/20</a:t>
             </a:fld>
             <a:endParaRPr lang="en-US"/>
           </a:p>
@@ -11669,7 +11674,7 @@
       </p:par>
     </p:tnLst>
     <p:bldLst>
-      <p:bldP spid="3" grpId="0"/>
+      <p:bldP spid="3" grpId="0" animBg="1"/>
     </p:bldLst>
   </p:timing>
 </p:sld>
@@ -20100,8 +20105,8 @@
   <p:clrMapOvr>
     <a:masterClrMapping/>
   </p:clrMapOvr>
-  <mc:AlternateContent xmlns:mc="http://schemas.openxmlformats.org/markup-compatibility/2006">
-    <mc:Choice xmlns:p14="http://schemas.microsoft.com/office/powerpoint/2010/main" Requires="p14">
+  <mc:AlternateContent xmlns:mc="http://schemas.openxmlformats.org/markup-compatibility/2006" xmlns:p14="http://schemas.microsoft.com/office/powerpoint/2010/main">
+    <mc:Choice Requires="p14">
       <p:timing>
         <p:tnLst>
           <p:par>
@@ -20591,7 +20596,7 @@
         </p:tnLst>
       </p:timing>
     </mc:Choice>
-    <mc:Fallback>
+    <mc:Fallback xmlns="">
       <p:timing>
         <p:tnLst>
           <p:par>
@@ -26546,7 +26551,7 @@
       </p:par>
     </p:tnLst>
     <p:bldLst>
-      <p:bldP spid="9" grpId="0"/>
+      <p:bldP spid="9" grpId="0" animBg="1"/>
     </p:bldLst>
   </p:timing>
 </p:sld>

--- a/Resources/encrypted_messages_project.pptx
+++ b/Resources/encrypted_messages_project.pptx
@@ -5,7 +5,7 @@
     <p:sldMasterId id="2147483648" r:id="rId1"/>
   </p:sldMasterIdLst>
   <p:notesMasterIdLst>
-    <p:notesMasterId r:id="rId24"/>
+    <p:notesMasterId r:id="rId28"/>
   </p:notesMasterIdLst>
   <p:sldIdLst>
     <p:sldId id="277" r:id="rId2"/>
@@ -30,6 +30,10 @@
     <p:sldId id="285" r:id="rId21"/>
     <p:sldId id="282" r:id="rId22"/>
     <p:sldId id="286" r:id="rId23"/>
+    <p:sldId id="287" r:id="rId24"/>
+    <p:sldId id="288" r:id="rId25"/>
+    <p:sldId id="289" r:id="rId26"/>
+    <p:sldId id="290" r:id="rId27"/>
   </p:sldIdLst>
   <p:sldSz cx="12192000" cy="6858000"/>
   <p:notesSz cx="6858000" cy="9144000"/>
@@ -5979,6 +5983,62 @@
           </a:p>
         </p:txBody>
       </p:sp>
+      <p:sp>
+        <p:nvSpPr>
+          <p:cNvPr id="16" name="TextBox 15">
+            <a:extLst>
+              <a:ext uri="{FF2B5EF4-FFF2-40B4-BE49-F238E27FC236}">
+                <a16:creationId xmlns:a16="http://schemas.microsoft.com/office/drawing/2014/main" id="{D08C7021-8941-AA4C-9DDD-63B2F4B84F2A}"/>
+              </a:ext>
+            </a:extLst>
+          </p:cNvPr>
+          <p:cNvSpPr txBox="1"/>
+          <p:nvPr/>
+        </p:nvSpPr>
+        <p:spPr>
+          <a:xfrm>
+            <a:off x="155111" y="4671152"/>
+            <a:ext cx="2433853" cy="923330"/>
+          </a:xfrm>
+          <a:prstGeom prst="rect">
+            <a:avLst/>
+          </a:prstGeom>
+          <a:noFill/>
+        </p:spPr>
+        <p:txBody>
+          <a:bodyPr wrap="square" rtlCol="0">
+            <a:spAutoFit/>
+          </a:bodyPr>
+          <a:lstStyle/>
+          <a:p>
+            <a:r>
+              <a:rPr lang="en-US" dirty="0">
+                <a:solidFill>
+                  <a:schemeClr val="bg1"/>
+                </a:solidFill>
+              </a:rPr>
+              <a:t>API call: None</a:t>
+            </a:r>
+          </a:p>
+          <a:p>
+            <a:endParaRPr lang="en-US" dirty="0">
+              <a:solidFill>
+                <a:schemeClr val="bg1"/>
+              </a:solidFill>
+            </a:endParaRPr>
+          </a:p>
+          <a:p>
+            <a:r>
+              <a:rPr lang="en-US" dirty="0">
+                <a:solidFill>
+                  <a:schemeClr val="bg1"/>
+                </a:solidFill>
+              </a:rPr>
+              <a:t>Uses local crypto class</a:t>
+            </a:r>
+          </a:p>
+        </p:txBody>
+      </p:sp>
     </p:spTree>
     <p:extLst>
       <p:ext uri="{BB962C8B-B14F-4D97-AF65-F5344CB8AC3E}">
@@ -7349,6 +7409,90 @@
               </a:rPr>
               <a:t>MESSAGE PASSING PROJECT</a:t>
             </a:r>
+          </a:p>
+        </p:txBody>
+      </p:sp>
+      <p:sp>
+        <p:nvSpPr>
+          <p:cNvPr id="24" name="TextBox 23">
+            <a:extLst>
+              <a:ext uri="{FF2B5EF4-FFF2-40B4-BE49-F238E27FC236}">
+                <a16:creationId xmlns:a16="http://schemas.microsoft.com/office/drawing/2014/main" id="{D59DD69E-EA10-B542-B4D5-A2E2B44DA57A}"/>
+              </a:ext>
+            </a:extLst>
+          </p:cNvPr>
+          <p:cNvSpPr txBox="1"/>
+          <p:nvPr/>
+        </p:nvSpPr>
+        <p:spPr>
+          <a:xfrm>
+            <a:off x="91158" y="6102914"/>
+            <a:ext cx="5287222" cy="369332"/>
+          </a:xfrm>
+          <a:prstGeom prst="rect">
+            <a:avLst/>
+          </a:prstGeom>
+          <a:noFill/>
+        </p:spPr>
+        <p:txBody>
+          <a:bodyPr wrap="square" rtlCol="0">
+            <a:spAutoFit/>
+          </a:bodyPr>
+          <a:lstStyle/>
+          <a:p>
+            <a:r>
+              <a:rPr lang="en-US" dirty="0">
+                <a:solidFill>
+                  <a:srgbClr val="FA6703"/>
+                </a:solidFill>
+              </a:rPr>
+              <a:t>API call: http://</a:t>
+            </a:r>
+            <a:r>
+              <a:rPr lang="en-US" dirty="0" err="1">
+                <a:solidFill>
+                  <a:srgbClr val="FA6703"/>
+                </a:solidFill>
+              </a:rPr>
+              <a:t>msubackend.xyz</a:t>
+            </a:r>
+            <a:r>
+              <a:rPr lang="en-US" dirty="0">
+                <a:solidFill>
+                  <a:srgbClr val="FA6703"/>
+                </a:solidFill>
+              </a:rPr>
+              <a:t>/</a:t>
+            </a:r>
+            <a:r>
+              <a:rPr lang="en-US" dirty="0" err="1">
+                <a:solidFill>
+                  <a:srgbClr val="FA6703"/>
+                </a:solidFill>
+              </a:rPr>
+              <a:t>api</a:t>
+            </a:r>
+            <a:r>
+              <a:rPr lang="en-US" dirty="0">
+                <a:solidFill>
+                  <a:srgbClr val="FA6703"/>
+                </a:solidFill>
+              </a:rPr>
+              <a:t>/?route=</a:t>
+            </a:r>
+            <a:r>
+              <a:rPr lang="en-US" dirty="0" err="1">
+                <a:solidFill>
+                  <a:srgbClr val="FA6703"/>
+                </a:solidFill>
+              </a:rPr>
+              <a:t>postUser</a:t>
+            </a:r>
+            <a:endParaRPr lang="en-US" dirty="0">
+              <a:solidFill>
+                <a:srgbClr val="FA6703"/>
+              </a:solidFill>
+            </a:endParaRPr>
           </a:p>
         </p:txBody>
       </p:sp>
@@ -8824,6 +8968,90 @@
               </a:rPr>
               <a:t>MESSAGE PASSING PROJECT</a:t>
             </a:r>
+          </a:p>
+        </p:txBody>
+      </p:sp>
+      <p:sp>
+        <p:nvSpPr>
+          <p:cNvPr id="26" name="TextBox 25">
+            <a:extLst>
+              <a:ext uri="{FF2B5EF4-FFF2-40B4-BE49-F238E27FC236}">
+                <a16:creationId xmlns:a16="http://schemas.microsoft.com/office/drawing/2014/main" id="{C3CE3ACC-1205-B744-B654-5A5A5921A90A}"/>
+              </a:ext>
+            </a:extLst>
+          </p:cNvPr>
+          <p:cNvSpPr txBox="1"/>
+          <p:nvPr/>
+        </p:nvSpPr>
+        <p:spPr>
+          <a:xfrm>
+            <a:off x="91158" y="6102914"/>
+            <a:ext cx="5287222" cy="369332"/>
+          </a:xfrm>
+          <a:prstGeom prst="rect">
+            <a:avLst/>
+          </a:prstGeom>
+          <a:noFill/>
+        </p:spPr>
+        <p:txBody>
+          <a:bodyPr wrap="square" rtlCol="0">
+            <a:spAutoFit/>
+          </a:bodyPr>
+          <a:lstStyle/>
+          <a:p>
+            <a:r>
+              <a:rPr lang="en-US" dirty="0">
+                <a:solidFill>
+                  <a:srgbClr val="FA6703"/>
+                </a:solidFill>
+              </a:rPr>
+              <a:t>API call: http://</a:t>
+            </a:r>
+            <a:r>
+              <a:rPr lang="en-US" dirty="0" err="1">
+                <a:solidFill>
+                  <a:srgbClr val="FA6703"/>
+                </a:solidFill>
+              </a:rPr>
+              <a:t>msubackend.xyz</a:t>
+            </a:r>
+            <a:r>
+              <a:rPr lang="en-US" dirty="0">
+                <a:solidFill>
+                  <a:srgbClr val="FA6703"/>
+                </a:solidFill>
+              </a:rPr>
+              <a:t>/</a:t>
+            </a:r>
+            <a:r>
+              <a:rPr lang="en-US" dirty="0" err="1">
+                <a:solidFill>
+                  <a:srgbClr val="FA6703"/>
+                </a:solidFill>
+              </a:rPr>
+              <a:t>api</a:t>
+            </a:r>
+            <a:r>
+              <a:rPr lang="en-US" dirty="0">
+                <a:solidFill>
+                  <a:srgbClr val="FA6703"/>
+                </a:solidFill>
+              </a:rPr>
+              <a:t>/?route=</a:t>
+            </a:r>
+            <a:r>
+              <a:rPr lang="en-US" dirty="0" err="1">
+                <a:solidFill>
+                  <a:srgbClr val="FA6703"/>
+                </a:solidFill>
+              </a:rPr>
+              <a:t>postUser</a:t>
+            </a:r>
+            <a:endParaRPr lang="en-US" dirty="0">
+              <a:solidFill>
+                <a:srgbClr val="FA6703"/>
+              </a:solidFill>
+            </a:endParaRPr>
           </a:p>
         </p:txBody>
       </p:sp>
@@ -10374,6 +10602,90 @@
           </a:p>
         </p:txBody>
       </p:sp>
+      <p:sp>
+        <p:nvSpPr>
+          <p:cNvPr id="26" name="TextBox 25">
+            <a:extLst>
+              <a:ext uri="{FF2B5EF4-FFF2-40B4-BE49-F238E27FC236}">
+                <a16:creationId xmlns:a16="http://schemas.microsoft.com/office/drawing/2014/main" id="{14401D0F-5AA9-3749-800C-53E8A9B0973D}"/>
+              </a:ext>
+            </a:extLst>
+          </p:cNvPr>
+          <p:cNvSpPr txBox="1"/>
+          <p:nvPr/>
+        </p:nvSpPr>
+        <p:spPr>
+          <a:xfrm>
+            <a:off x="91158" y="6102914"/>
+            <a:ext cx="5287222" cy="369332"/>
+          </a:xfrm>
+          <a:prstGeom prst="rect">
+            <a:avLst/>
+          </a:prstGeom>
+          <a:noFill/>
+        </p:spPr>
+        <p:txBody>
+          <a:bodyPr wrap="square" rtlCol="0">
+            <a:spAutoFit/>
+          </a:bodyPr>
+          <a:lstStyle/>
+          <a:p>
+            <a:r>
+              <a:rPr lang="en-US" dirty="0">
+                <a:solidFill>
+                  <a:srgbClr val="FA6703"/>
+                </a:solidFill>
+              </a:rPr>
+              <a:t>API call: http://</a:t>
+            </a:r>
+            <a:r>
+              <a:rPr lang="en-US" dirty="0" err="1">
+                <a:solidFill>
+                  <a:srgbClr val="FA6703"/>
+                </a:solidFill>
+              </a:rPr>
+              <a:t>msubackend.xyz</a:t>
+            </a:r>
+            <a:r>
+              <a:rPr lang="en-US" dirty="0">
+                <a:solidFill>
+                  <a:srgbClr val="FA6703"/>
+                </a:solidFill>
+              </a:rPr>
+              <a:t>/</a:t>
+            </a:r>
+            <a:r>
+              <a:rPr lang="en-US" dirty="0" err="1">
+                <a:solidFill>
+                  <a:srgbClr val="FA6703"/>
+                </a:solidFill>
+              </a:rPr>
+              <a:t>api</a:t>
+            </a:r>
+            <a:r>
+              <a:rPr lang="en-US" dirty="0">
+                <a:solidFill>
+                  <a:srgbClr val="FA6703"/>
+                </a:solidFill>
+              </a:rPr>
+              <a:t>/?route=</a:t>
+            </a:r>
+            <a:r>
+              <a:rPr lang="en-US" dirty="0" err="1">
+                <a:solidFill>
+                  <a:srgbClr val="FA6703"/>
+                </a:solidFill>
+              </a:rPr>
+              <a:t>postUser</a:t>
+            </a:r>
+            <a:endParaRPr lang="en-US" dirty="0">
+              <a:solidFill>
+                <a:srgbClr val="FA6703"/>
+              </a:solidFill>
+            </a:endParaRPr>
+          </a:p>
+        </p:txBody>
+      </p:sp>
     </p:spTree>
     <p:extLst>
       <p:ext uri="{BB962C8B-B14F-4D97-AF65-F5344CB8AC3E}">
@@ -11507,6 +11819,90 @@
               </a:rPr>
               <a:t>MESSAGE PASSING PROJECT</a:t>
             </a:r>
+          </a:p>
+        </p:txBody>
+      </p:sp>
+      <p:sp>
+        <p:nvSpPr>
+          <p:cNvPr id="26" name="TextBox 25">
+            <a:extLst>
+              <a:ext uri="{FF2B5EF4-FFF2-40B4-BE49-F238E27FC236}">
+                <a16:creationId xmlns:a16="http://schemas.microsoft.com/office/drawing/2014/main" id="{A22AFF5E-ABDB-1D43-B0F3-3982594F7780}"/>
+              </a:ext>
+            </a:extLst>
+          </p:cNvPr>
+          <p:cNvSpPr txBox="1"/>
+          <p:nvPr/>
+        </p:nvSpPr>
+        <p:spPr>
+          <a:xfrm>
+            <a:off x="91157" y="6102914"/>
+            <a:ext cx="5538461" cy="369332"/>
+          </a:xfrm>
+          <a:prstGeom prst="rect">
+            <a:avLst/>
+          </a:prstGeom>
+          <a:noFill/>
+        </p:spPr>
+        <p:txBody>
+          <a:bodyPr wrap="square" rtlCol="0">
+            <a:spAutoFit/>
+          </a:bodyPr>
+          <a:lstStyle/>
+          <a:p>
+            <a:r>
+              <a:rPr lang="en-US" dirty="0">
+                <a:solidFill>
+                  <a:srgbClr val="FA6703"/>
+                </a:solidFill>
+              </a:rPr>
+              <a:t>API call: http://</a:t>
+            </a:r>
+            <a:r>
+              <a:rPr lang="en-US" dirty="0" err="1">
+                <a:solidFill>
+                  <a:srgbClr val="FA6703"/>
+                </a:solidFill>
+              </a:rPr>
+              <a:t>msubackend.xyz</a:t>
+            </a:r>
+            <a:r>
+              <a:rPr lang="en-US" dirty="0">
+                <a:solidFill>
+                  <a:srgbClr val="FA6703"/>
+                </a:solidFill>
+              </a:rPr>
+              <a:t>/</a:t>
+            </a:r>
+            <a:r>
+              <a:rPr lang="en-US" dirty="0" err="1">
+                <a:solidFill>
+                  <a:srgbClr val="FA6703"/>
+                </a:solidFill>
+              </a:rPr>
+              <a:t>api</a:t>
+            </a:r>
+            <a:r>
+              <a:rPr lang="en-US" dirty="0">
+                <a:solidFill>
+                  <a:srgbClr val="FA6703"/>
+                </a:solidFill>
+              </a:rPr>
+              <a:t>/?route=</a:t>
+            </a:r>
+            <a:r>
+              <a:rPr lang="en-US" dirty="0" err="1">
+                <a:solidFill>
+                  <a:srgbClr val="FA6703"/>
+                </a:solidFill>
+              </a:rPr>
+              <a:t>postPubKey</a:t>
+            </a:r>
+            <a:endParaRPr lang="en-US" dirty="0">
+              <a:solidFill>
+                <a:srgbClr val="FA6703"/>
+              </a:solidFill>
+            </a:endParaRPr>
           </a:p>
         </p:txBody>
       </p:sp>
@@ -12923,6 +13319,90 @@
           </a:p>
         </p:txBody>
       </p:sp>
+      <p:sp>
+        <p:nvSpPr>
+          <p:cNvPr id="28" name="TextBox 27">
+            <a:extLst>
+              <a:ext uri="{FF2B5EF4-FFF2-40B4-BE49-F238E27FC236}">
+                <a16:creationId xmlns:a16="http://schemas.microsoft.com/office/drawing/2014/main" id="{05575114-022A-EC4A-A5C1-77B4971F80A7}"/>
+              </a:ext>
+            </a:extLst>
+          </p:cNvPr>
+          <p:cNvSpPr txBox="1"/>
+          <p:nvPr/>
+        </p:nvSpPr>
+        <p:spPr>
+          <a:xfrm>
+            <a:off x="91157" y="6102914"/>
+            <a:ext cx="5538461" cy="369332"/>
+          </a:xfrm>
+          <a:prstGeom prst="rect">
+            <a:avLst/>
+          </a:prstGeom>
+          <a:noFill/>
+        </p:spPr>
+        <p:txBody>
+          <a:bodyPr wrap="square" rtlCol="0">
+            <a:spAutoFit/>
+          </a:bodyPr>
+          <a:lstStyle/>
+          <a:p>
+            <a:r>
+              <a:rPr lang="en-US" dirty="0">
+                <a:solidFill>
+                  <a:srgbClr val="FA6703"/>
+                </a:solidFill>
+              </a:rPr>
+              <a:t>API call: http://</a:t>
+            </a:r>
+            <a:r>
+              <a:rPr lang="en-US" dirty="0" err="1">
+                <a:solidFill>
+                  <a:srgbClr val="FA6703"/>
+                </a:solidFill>
+              </a:rPr>
+              <a:t>msubackend.xyz</a:t>
+            </a:r>
+            <a:r>
+              <a:rPr lang="en-US" dirty="0">
+                <a:solidFill>
+                  <a:srgbClr val="FA6703"/>
+                </a:solidFill>
+              </a:rPr>
+              <a:t>/</a:t>
+            </a:r>
+            <a:r>
+              <a:rPr lang="en-US" dirty="0" err="1">
+                <a:solidFill>
+                  <a:srgbClr val="FA6703"/>
+                </a:solidFill>
+              </a:rPr>
+              <a:t>api</a:t>
+            </a:r>
+            <a:r>
+              <a:rPr lang="en-US" dirty="0">
+                <a:solidFill>
+                  <a:srgbClr val="FA6703"/>
+                </a:solidFill>
+              </a:rPr>
+              <a:t>/?route=</a:t>
+            </a:r>
+            <a:r>
+              <a:rPr lang="en-US" dirty="0" err="1">
+                <a:solidFill>
+                  <a:srgbClr val="FA6703"/>
+                </a:solidFill>
+              </a:rPr>
+              <a:t>postPubKey</a:t>
+            </a:r>
+            <a:endParaRPr lang="en-US" dirty="0">
+              <a:solidFill>
+                <a:srgbClr val="FA6703"/>
+              </a:solidFill>
+            </a:endParaRPr>
+          </a:p>
+        </p:txBody>
+      </p:sp>
     </p:spTree>
     <p:extLst>
       <p:ext uri="{BB962C8B-B14F-4D97-AF65-F5344CB8AC3E}">
@@ -14164,6 +14644,90 @@
               </a:rPr>
               <a:t>MESSAGE PASSING PROJECT</a:t>
             </a:r>
+          </a:p>
+        </p:txBody>
+      </p:sp>
+      <p:sp>
+        <p:nvSpPr>
+          <p:cNvPr id="20" name="TextBox 19">
+            <a:extLst>
+              <a:ext uri="{FF2B5EF4-FFF2-40B4-BE49-F238E27FC236}">
+                <a16:creationId xmlns:a16="http://schemas.microsoft.com/office/drawing/2014/main" id="{967D85C0-2501-2540-98F5-B472173BFB58}"/>
+              </a:ext>
+            </a:extLst>
+          </p:cNvPr>
+          <p:cNvSpPr txBox="1"/>
+          <p:nvPr/>
+        </p:nvSpPr>
+        <p:spPr>
+          <a:xfrm>
+            <a:off x="91157" y="6102914"/>
+            <a:ext cx="5538461" cy="369332"/>
+          </a:xfrm>
+          <a:prstGeom prst="rect">
+            <a:avLst/>
+          </a:prstGeom>
+          <a:noFill/>
+        </p:spPr>
+        <p:txBody>
+          <a:bodyPr wrap="square" rtlCol="0">
+            <a:spAutoFit/>
+          </a:bodyPr>
+          <a:lstStyle/>
+          <a:p>
+            <a:r>
+              <a:rPr lang="en-US" dirty="0">
+                <a:solidFill>
+                  <a:srgbClr val="FA6703"/>
+                </a:solidFill>
+              </a:rPr>
+              <a:t>API call: http://</a:t>
+            </a:r>
+            <a:r>
+              <a:rPr lang="en-US" dirty="0" err="1">
+                <a:solidFill>
+                  <a:srgbClr val="FA6703"/>
+                </a:solidFill>
+              </a:rPr>
+              <a:t>msubackend.xyz</a:t>
+            </a:r>
+            <a:r>
+              <a:rPr lang="en-US" dirty="0">
+                <a:solidFill>
+                  <a:srgbClr val="FA6703"/>
+                </a:solidFill>
+              </a:rPr>
+              <a:t>/</a:t>
+            </a:r>
+            <a:r>
+              <a:rPr lang="en-US" dirty="0" err="1">
+                <a:solidFill>
+                  <a:srgbClr val="FA6703"/>
+                </a:solidFill>
+              </a:rPr>
+              <a:t>api</a:t>
+            </a:r>
+            <a:r>
+              <a:rPr lang="en-US" dirty="0">
+                <a:solidFill>
+                  <a:srgbClr val="FA6703"/>
+                </a:solidFill>
+              </a:rPr>
+              <a:t>/?route=</a:t>
+            </a:r>
+            <a:r>
+              <a:rPr lang="en-US" dirty="0" err="1">
+                <a:solidFill>
+                  <a:srgbClr val="FA6703"/>
+                </a:solidFill>
+              </a:rPr>
+              <a:t>postPubKey</a:t>
+            </a:r>
+            <a:endParaRPr lang="en-US" dirty="0">
+              <a:solidFill>
+                <a:srgbClr val="FA6703"/>
+              </a:solidFill>
+            </a:endParaRPr>
           </a:p>
         </p:txBody>
       </p:sp>
@@ -19437,7 +20001,7 @@
           <p:nvPr/>
         </p:nvPicPr>
         <p:blipFill>
-          <a:blip r:embed="rId4"/>
+          <a:blip r:embed="rId2"/>
           <a:stretch>
             <a:fillRect/>
           </a:stretch>
@@ -19467,7 +20031,7 @@
           <p:nvPr/>
         </p:nvPicPr>
         <p:blipFill>
-          <a:blip r:embed="rId5"/>
+          <a:blip r:embed="rId3"/>
           <a:stretch>
             <a:fillRect/>
           </a:stretch>
@@ -19497,7 +20061,7 @@
           <p:nvPr/>
         </p:nvPicPr>
         <p:blipFill>
-          <a:blip r:embed="rId6"/>
+          <a:blip r:embed="rId4"/>
           <a:stretch>
             <a:fillRect/>
           </a:stretch>
@@ -19633,7 +20197,7 @@
             <p:nvPr/>
           </p:nvPicPr>
           <p:blipFill>
-            <a:blip r:embed="rId7"/>
+            <a:blip r:embed="rId5"/>
             <a:stretch>
               <a:fillRect/>
             </a:stretch>
@@ -19663,7 +20227,7 @@
             <p:nvPr/>
           </p:nvPicPr>
           <p:blipFill>
-            <a:blip r:embed="rId8"/>
+            <a:blip r:embed="rId6"/>
             <a:stretch>
               <a:fillRect/>
             </a:stretch>
@@ -19714,7 +20278,7 @@
             <p:nvPr/>
           </p:nvPicPr>
           <p:blipFill>
-            <a:blip r:embed="rId9"/>
+            <a:blip r:embed="rId7"/>
             <a:stretch>
               <a:fillRect/>
             </a:stretch>
@@ -19744,7 +20308,7 @@
             <p:nvPr/>
           </p:nvPicPr>
           <p:blipFill>
-            <a:blip r:embed="rId10"/>
+            <a:blip r:embed="rId8"/>
             <a:stretch>
               <a:fillRect/>
             </a:stretch>
@@ -19775,7 +20339,7 @@
           <p:nvPr/>
         </p:nvPicPr>
         <p:blipFill>
-          <a:blip r:embed="rId7"/>
+          <a:blip r:embed="rId5"/>
           <a:stretch>
             <a:fillRect/>
           </a:stretch>
@@ -19805,7 +20369,7 @@
           <p:nvPr/>
         </p:nvPicPr>
         <p:blipFill>
-          <a:blip r:embed="rId9"/>
+          <a:blip r:embed="rId7"/>
           <a:stretch>
             <a:fillRect/>
           </a:stretch>
@@ -19991,10 +20555,10 @@
           <p:nvPr/>
         </p:nvPicPr>
         <p:blipFill>
-          <a:blip r:embed="rId11">
+          <a:blip r:embed="rId9">
             <a:extLst>
               <a:ext uri="{96DAC541-7B7A-43D3-8B79-37D633B846F1}">
-                <asvg:svgBlip xmlns:asvg="http://schemas.microsoft.com/office/drawing/2016/SVG/main" r:embed="rId12"/>
+                <asvg:svgBlip xmlns:asvg="http://schemas.microsoft.com/office/drawing/2016/SVG/main" r:embed="rId10"/>
               </a:ext>
             </a:extLst>
           </a:blip>
@@ -20027,10 +20591,10 @@
           <p:nvPr/>
         </p:nvPicPr>
         <p:blipFill>
-          <a:blip r:embed="rId13">
+          <a:blip r:embed="rId11">
             <a:extLst>
               <a:ext uri="{96DAC541-7B7A-43D3-8B79-37D633B846F1}">
-                <asvg:svgBlip xmlns:asvg="http://schemas.microsoft.com/office/drawing/2016/SVG/main" r:embed="rId14"/>
+                <asvg:svgBlip xmlns:asvg="http://schemas.microsoft.com/office/drawing/2016/SVG/main" r:embed="rId12"/>
               </a:ext>
             </a:extLst>
           </a:blip>
@@ -20042,53 +20606,6 @@
           <a:xfrm>
             <a:off x="4285607" y="2496050"/>
             <a:ext cx="457671" cy="457671"/>
-          </a:xfrm>
-          <a:prstGeom prst="rect">
-            <a:avLst/>
-          </a:prstGeom>
-        </p:spPr>
-      </p:pic>
-      <p:pic>
-        <p:nvPicPr>
-          <p:cNvPr id="13" name="Audio Recording Nov 21, 2020 at 6:22:45 PM" descr="Audio Recording Nov 21, 2020 at 6:22:45 PM">
-            <a:hlinkClick r:id="" action="ppaction://media"/>
-            <a:extLst>
-              <a:ext uri="{FF2B5EF4-FFF2-40B4-BE49-F238E27FC236}">
-                <a16:creationId xmlns:a16="http://schemas.microsoft.com/office/drawing/2014/main" id="{964EB4D6-5DE5-3E45-8879-07D3CDE2D157}"/>
-              </a:ext>
-            </a:extLst>
-          </p:cNvPr>
-          <p:cNvPicPr>
-            <a:picLocks noChangeAspect="1"/>
-          </p:cNvPicPr>
-          <p:nvPr>
-            <a:audioFile r:link="rId2"/>
-            <p:extLst>
-              <p:ext uri="{DAA4B4D4-6D71-4841-9C94-3DE7FCFB9230}">
-                <p14:media xmlns:p14="http://schemas.microsoft.com/office/powerpoint/2010/main" r:embed="rId1">
-                  <p14:bmkLst>
-                    <p14:bmk name="Bookmark 1" time="463.4379"/>
-                    <p14:bmk name="Bookmark 2" time="1469.4531"/>
-                    <p14:bmk name="Bookmark 3" time="2511.051"/>
-                    <p14:bmk name="Bookmark 4" time="3644.5589"/>
-                    <p14:bmk name="Bookmark 5" time="4665.9123"/>
-                    <p14:bmk name="Bookmark 6" time="5666.0348"/>
-                  </p14:bmkLst>
-                </p14:media>
-              </p:ext>
-            </p:extLst>
-          </p:nvPr>
-        </p:nvPicPr>
-        <p:blipFill>
-          <a:blip r:embed="rId15"/>
-          <a:stretch>
-            <a:fillRect/>
-          </a:stretch>
-        </p:blipFill>
-        <p:spPr>
-          <a:xfrm>
-            <a:off x="524250" y="1162804"/>
-            <a:ext cx="812800" cy="812800"/>
           </a:xfrm>
           <a:prstGeom prst="rect">
             <a:avLst/>
@@ -20105,592 +20622,3845 @@
   <p:clrMapOvr>
     <a:masterClrMapping/>
   </p:clrMapOvr>
-  <mc:AlternateContent xmlns:mc="http://schemas.openxmlformats.org/markup-compatibility/2006" xmlns:p14="http://schemas.microsoft.com/office/powerpoint/2010/main">
-    <mc:Choice Requires="p14">
-      <p:timing>
-        <p:tnLst>
-          <p:par>
-            <p:cTn id="1" dur="indefinite" restart="never" nodeType="tmRoot">
-              <p:childTnLst>
-                <p:seq concurrent="1" nextAc="seek">
-                  <p:cTn id="2" dur="indefinite" nodeType="mainSeq">
-                    <p:childTnLst>
-                      <p:par>
-                        <p:cTn id="3" fill="hold">
-                          <p:stCondLst>
-                            <p:cond delay="indefinite"/>
-                            <p:cond evt="onBegin" delay="0">
-                              <p:tn val="2"/>
-                            </p:cond>
-                          </p:stCondLst>
-                          <p:childTnLst>
-                            <p:par>
-                              <p:cTn id="4" fill="hold">
-                                <p:stCondLst>
-                                  <p:cond delay="0"/>
-                                </p:stCondLst>
-                                <p:childTnLst>
-                                  <p:par>
-                                    <p:cTn id="5" presetID="1" presetClass="mediacall" presetSubtype="0" fill="hold" nodeType="withEffect">
-                                      <p:stCondLst>
-                                        <p:cond delay="0"/>
-                                      </p:stCondLst>
-                                      <p:childTnLst>
-                                        <p:cmd type="call" cmd="playFrom(0.0)">
-                                          <p:cBhvr>
-                                            <p:cTn id="6" dur="5760" fill="hold"/>
-                                            <p:tgtEl>
-                                              <p:spTgt spid="13"/>
-                                            </p:tgtEl>
-                                          </p:cBhvr>
-                                        </p:cmd>
-                                      </p:childTnLst>
-                                    </p:cTn>
-                                  </p:par>
-                                </p:childTnLst>
-                              </p:cTn>
-                            </p:par>
-                          </p:childTnLst>
-                        </p:cTn>
-                      </p:par>
-                    </p:childTnLst>
-                  </p:cTn>
-                  <p:prevCondLst>
-                    <p:cond evt="onPrev" delay="0">
-                      <p:tgtEl>
-                        <p:sldTgt/>
-                      </p:tgtEl>
-                    </p:cond>
-                  </p:prevCondLst>
-                  <p:nextCondLst>
-                    <p:cond evt="onNext" delay="0">
-                      <p:tgtEl>
-                        <p:sldTgt/>
-                      </p:tgtEl>
-                    </p:cond>
-                  </p:nextCondLst>
-                </p:seq>
-                <p:audio>
-                  <p:cMediaNode vol="80000" mute="1">
-                    <p:cTn id="7" repeatCount="indefinite" fill="hold" display="0">
+  <p:timing>
+    <p:tnLst>
+      <p:par>
+        <p:cTn id="1" dur="indefinite" restart="never" nodeType="tmRoot">
+          <p:childTnLst>
+            <p:seq concurrent="1" nextAc="seek">
+              <p:cTn id="2" dur="indefinite" nodeType="mainSeq">
+                <p:childTnLst>
+                  <p:par>
+                    <p:cTn id="3" fill="hold">
                       <p:stCondLst>
                         <p:cond delay="indefinite"/>
                       </p:stCondLst>
-                      <p:endCondLst>
-                        <p:cond evt="onStopAudio" delay="0">
-                          <p:tgtEl>
-                            <p:sldTgt/>
-                          </p:tgtEl>
-                        </p:cond>
-                        <p:cond evt="onNext" delay="0">
-                          <p:tgtEl>
-                            <p:sldTgt/>
-                          </p:tgtEl>
-                        </p:cond>
-                      </p:endCondLst>
+                      <p:childTnLst>
+                        <p:par>
+                          <p:cTn id="4" fill="hold">
+                            <p:stCondLst>
+                              <p:cond delay="0"/>
+                            </p:stCondLst>
+                            <p:childTnLst>
+                              <p:par>
+                                <p:cTn id="5" presetID="1" presetClass="entr" presetSubtype="0" fill="hold" nodeType="clickEffect">
+                                  <p:stCondLst>
+                                    <p:cond delay="0"/>
+                                  </p:stCondLst>
+                                  <p:childTnLst>
+                                    <p:set>
+                                      <p:cBhvr>
+                                        <p:cTn id="6" dur="1" fill="hold">
+                                          <p:stCondLst>
+                                            <p:cond delay="0"/>
+                                          </p:stCondLst>
+                                        </p:cTn>
+                                        <p:tgtEl>
+                                          <p:spTgt spid="8"/>
+                                        </p:tgtEl>
+                                        <p:attrNameLst>
+                                          <p:attrName>style.visibility</p:attrName>
+                                        </p:attrNameLst>
+                                      </p:cBhvr>
+                                      <p:to>
+                                        <p:strVal val="visible"/>
+                                      </p:to>
+                                    </p:set>
+                                  </p:childTnLst>
+                                </p:cTn>
+                              </p:par>
+                            </p:childTnLst>
+                          </p:cTn>
+                        </p:par>
+                        <p:par>
+                          <p:cTn id="7" fill="hold">
+                            <p:stCondLst>
+                              <p:cond delay="0"/>
+                            </p:stCondLst>
+                            <p:childTnLst>
+                              <p:par>
+                                <p:cTn id="8" presetID="0" presetClass="path" presetSubtype="0" accel="50000" decel="50000" fill="hold" nodeType="afterEffect">
+                                  <p:stCondLst>
+                                    <p:cond delay="0"/>
+                                  </p:stCondLst>
+                                  <p:childTnLst>
+                                    <p:animMotion origin="layout" path="M -0.00039 -0.00856 L -0.00039 -0.00856 C 0.00378 -0.01389 0.00729 -0.02153 0.01224 -0.02453 L 0.0237 -0.03125 L 0.03138 -0.03588 L 0.03516 -0.03796 C 0.03646 -0.03958 0.03763 -0.04143 0.03893 -0.04259 C 0.04011 -0.04375 0.04154 -0.04375 0.04271 -0.04491 C 0.05586 -0.05787 0.04558 -0.05092 0.05417 -0.05602 C 0.05547 -0.05764 0.05664 -0.05949 0.05808 -0.06065 C 0.06042 -0.0625 0.06563 -0.06504 0.06563 -0.06504 C 0.07435 -0.07546 0.07032 -0.07245 0.07709 -0.07639 C 0.08308 -0.08703 0.07943 -0.08148 0.08854 -0.09236 C 0.08985 -0.09375 0.09089 -0.09583 0.09232 -0.09676 L 0.1 -0.10139 C 0.10599 -0.10856 0.10235 -0.10486 0.11133 -0.11041 L 0.11524 -0.1125 C 0.11654 -0.11342 0.11784 -0.11366 0.11901 -0.11481 C 0.12396 -0.1206 0.12136 -0.11852 0.1267 -0.12153 L 0.14193 -0.10347 L 0.14571 -0.09907 C 0.14701 -0.09745 0.14805 -0.09537 0.14948 -0.09444 L 0.15716 -0.09004 C 0.15847 -0.08935 0.1599 -0.08912 0.16094 -0.08773 L 0.16862 -0.0787 C 0.16992 -0.07731 0.17097 -0.075 0.1724 -0.0743 L 0.18008 -0.06967 C 0.18255 -0.06666 0.18477 -0.06227 0.18763 -0.06065 C 0.19584 -0.05578 0.19336 -0.05949 0.19662 -0.05393 " pathEditMode="relative" ptsTypes="AAAAAAAAAAAAAAAAAAAAAAAAAAAAA">
+                                      <p:cBhvr>
+                                        <p:cTn id="9" dur="1000" fill="hold"/>
+                                        <p:tgtEl>
+                                          <p:spTgt spid="8"/>
+                                        </p:tgtEl>
+                                        <p:attrNameLst>
+                                          <p:attrName>ppt_x</p:attrName>
+                                          <p:attrName>ppt_y</p:attrName>
+                                        </p:attrNameLst>
+                                      </p:cBhvr>
+                                    </p:animMotion>
+                                  </p:childTnLst>
+                                </p:cTn>
+                              </p:par>
+                            </p:childTnLst>
+                          </p:cTn>
+                        </p:par>
+                        <p:par>
+                          <p:cTn id="10" fill="hold">
+                            <p:stCondLst>
+                              <p:cond delay="1000"/>
+                            </p:stCondLst>
+                            <p:childTnLst>
+                              <p:par>
+                                <p:cTn id="11" presetID="1" presetClass="exit" presetSubtype="0" fill="hold" nodeType="afterEffect">
+                                  <p:stCondLst>
+                                    <p:cond delay="0"/>
+                                  </p:stCondLst>
+                                  <p:childTnLst>
+                                    <p:set>
+                                      <p:cBhvr>
+                                        <p:cTn id="12" dur="1" fill="hold">
+                                          <p:stCondLst>
+                                            <p:cond delay="0"/>
+                                          </p:stCondLst>
+                                        </p:cTn>
+                                        <p:tgtEl>
+                                          <p:spTgt spid="8"/>
+                                        </p:tgtEl>
+                                        <p:attrNameLst>
+                                          <p:attrName>style.visibility</p:attrName>
+                                        </p:attrNameLst>
+                                      </p:cBhvr>
+                                      <p:to>
+                                        <p:strVal val="hidden"/>
+                                      </p:to>
+                                    </p:set>
+                                  </p:childTnLst>
+                                </p:cTn>
+                              </p:par>
+                            </p:childTnLst>
+                          </p:cTn>
+                        </p:par>
+                        <p:par>
+                          <p:cTn id="13" fill="hold">
+                            <p:stCondLst>
+                              <p:cond delay="1000"/>
+                            </p:stCondLst>
+                            <p:childTnLst>
+                              <p:par>
+                                <p:cTn id="14" presetID="1" presetClass="entr" presetSubtype="0" fill="hold" nodeType="afterEffect">
+                                  <p:stCondLst>
+                                    <p:cond delay="0"/>
+                                  </p:stCondLst>
+                                  <p:childTnLst>
+                                    <p:set>
+                                      <p:cBhvr>
+                                        <p:cTn id="15" dur="1" fill="hold">
+                                          <p:stCondLst>
+                                            <p:cond delay="0"/>
+                                          </p:stCondLst>
+                                        </p:cTn>
+                                        <p:tgtEl>
+                                          <p:spTgt spid="6"/>
+                                        </p:tgtEl>
+                                        <p:attrNameLst>
+                                          <p:attrName>style.visibility</p:attrName>
+                                        </p:attrNameLst>
+                                      </p:cBhvr>
+                                      <p:to>
+                                        <p:strVal val="visible"/>
+                                      </p:to>
+                                    </p:set>
+                                  </p:childTnLst>
+                                </p:cTn>
+                              </p:par>
+                            </p:childTnLst>
+                          </p:cTn>
+                        </p:par>
+                        <p:par>
+                          <p:cTn id="16" fill="hold">
+                            <p:stCondLst>
+                              <p:cond delay="1000"/>
+                            </p:stCondLst>
+                            <p:childTnLst>
+                              <p:par>
+                                <p:cTn id="17" presetID="0" presetClass="path" presetSubtype="0" accel="50000" decel="50000" fill="hold" nodeType="afterEffect">
+                                  <p:stCondLst>
+                                    <p:cond delay="0"/>
+                                  </p:stCondLst>
+                                  <p:childTnLst>
+                                    <p:animMotion origin="layout" path="M 0.00274 0.00625 L 0.00274 0.00625 C -0.00156 0.00093 -0.00638 -0.003 -0.01003 -0.00949 L -0.02526 -0.0368 C -0.02656 -0.03888 -0.02734 -0.04236 -0.02904 -0.04351 C -0.03034 -0.04421 -0.03177 -0.04467 -0.03294 -0.04583 C -0.04596 -0.05879 -0.03568 -0.05185 -0.0444 -0.05694 C -0.04557 -0.05856 -0.04674 -0.06041 -0.04818 -0.06157 C -0.05065 -0.06342 -0.05351 -0.06342 -0.05573 -0.06597 C -0.05703 -0.06759 -0.0582 -0.06944 -0.05963 -0.0706 C -0.06198 -0.07245 -0.06719 -0.075 -0.06719 -0.075 C -0.06979 -0.0743 -0.0724 -0.0743 -0.07487 -0.07291 C -0.0763 -0.07199 -0.07734 -0.06944 -0.07865 -0.06828 C -0.07982 -0.06736 -0.08125 -0.06689 -0.08242 -0.06597 C -0.08372 -0.06458 -0.0849 -0.06273 -0.08633 -0.06157 C -0.0875 -0.06041 -0.08893 -0.06041 -0.0901 -0.05925 C -0.09271 -0.05671 -0.09479 -0.05208 -0.09766 -0.05023 C -0.09896 -0.04953 -0.10039 -0.04907 -0.10156 -0.04791 C -0.11458 -0.03495 -0.1043 -0.04189 -0.11289 -0.0368 C -0.12174 -0.02638 -0.11771 -0.02939 -0.12435 -0.02546 L -0.13203 -0.01643 C -0.13333 -0.01481 -0.13476 -0.01365 -0.13581 -0.0118 C -0.13711 -0.00949 -0.13815 -0.00694 -0.13958 -0.00509 C -0.14206 -0.00162 -0.14505 0.00024 -0.14726 0.00394 C -0.15195 0.0125 -0.14935 0.00973 -0.15482 0.01297 L -0.17773 0.04005 C -0.17904 0.04167 -0.18008 0.04375 -0.18151 0.04468 L -0.18919 0.04908 L -0.19674 0.05834 " pathEditMode="relative" ptsTypes="AAAAAAAAAAAAAAAAAAAAAAAAAAAAA">
+                                      <p:cBhvr>
+                                        <p:cTn id="18" dur="1000" fill="hold"/>
+                                        <p:tgtEl>
+                                          <p:spTgt spid="6"/>
+                                        </p:tgtEl>
+                                        <p:attrNameLst>
+                                          <p:attrName>ppt_x</p:attrName>
+                                          <p:attrName>ppt_y</p:attrName>
+                                        </p:attrNameLst>
+                                      </p:cBhvr>
+                                    </p:animMotion>
+                                  </p:childTnLst>
+                                </p:cTn>
+                              </p:par>
+                            </p:childTnLst>
+                          </p:cTn>
+                        </p:par>
+                        <p:par>
+                          <p:cTn id="19" fill="hold">
+                            <p:stCondLst>
+                              <p:cond delay="2000"/>
+                            </p:stCondLst>
+                            <p:childTnLst>
+                              <p:par>
+                                <p:cTn id="20" presetID="1" presetClass="exit" presetSubtype="0" fill="hold" nodeType="afterEffect">
+                                  <p:stCondLst>
+                                    <p:cond delay="0"/>
+                                  </p:stCondLst>
+                                  <p:childTnLst>
+                                    <p:set>
+                                      <p:cBhvr>
+                                        <p:cTn id="21" dur="1" fill="hold">
+                                          <p:stCondLst>
+                                            <p:cond delay="0"/>
+                                          </p:stCondLst>
+                                        </p:cTn>
+                                        <p:tgtEl>
+                                          <p:spTgt spid="6"/>
+                                        </p:tgtEl>
+                                        <p:attrNameLst>
+                                          <p:attrName>style.visibility</p:attrName>
+                                        </p:attrNameLst>
+                                      </p:cBhvr>
+                                      <p:to>
+                                        <p:strVal val="hidden"/>
+                                      </p:to>
+                                    </p:set>
+                                  </p:childTnLst>
+                                </p:cTn>
+                              </p:par>
+                            </p:childTnLst>
+                          </p:cTn>
+                        </p:par>
+                      </p:childTnLst>
                     </p:cTn>
-                    <p:tgtEl>
-                      <p:spTgt spid="13"/>
-                    </p:tgtEl>
-                  </p:cMediaNode>
-                </p:audio>
-                <p:seq concurrent="1" nextAc="seek">
-                  <p:cTn id="8" restart="whenNotActive" fill="hold" evtFilter="cancelBubble" nodeType="interactiveSeq">
-                    <p:stCondLst>
-                      <p:cond evt="onMediaBookmark" delay="0">
-                        <p:tgtEl>
-                          <p14:bmkTgt spid="13" bmkName="Bookmark 1"/>
-                        </p:tgtEl>
-                      </p:cond>
-                    </p:stCondLst>
-                    <p:endSync evt="end" delay="0">
-                      <p:rtn val="all"/>
-                    </p:endSync>
-                    <p:childTnLst>
-                      <p:par>
-                        <p:cTn id="9" fill="hold">
-                          <p:stCondLst>
-                            <p:cond delay="0"/>
-                          </p:stCondLst>
-                          <p:childTnLst>
-                            <p:par>
-                              <p:cTn id="10" fill="hold">
-                                <p:stCondLst>
-                                  <p:cond delay="0"/>
-                                </p:stCondLst>
-                                <p:childTnLst>
-                                  <p:par>
-                                    <p:cTn id="11" presetID="1" presetClass="entr" presetSubtype="0" fill="hold" nodeType="clickEffect">
-                                      <p:stCondLst>
-                                        <p:cond delay="0"/>
-                                      </p:stCondLst>
-                                      <p:childTnLst>
-                                        <p:set>
-                                          <p:cBhvr>
-                                            <p:cTn id="12" dur="1" fill="hold">
-                                              <p:stCondLst>
-                                                <p:cond delay="0"/>
-                                              </p:stCondLst>
-                                            </p:cTn>
-                                            <p:tgtEl>
-                                              <p:spTgt spid="8"/>
-                                            </p:tgtEl>
-                                            <p:attrNameLst>
-                                              <p:attrName>style.visibility</p:attrName>
-                                            </p:attrNameLst>
-                                          </p:cBhvr>
-                                          <p:to>
-                                            <p:strVal val="visible"/>
-                                          </p:to>
-                                        </p:set>
-                                      </p:childTnLst>
-                                    </p:cTn>
-                                  </p:par>
-                                </p:childTnLst>
-                              </p:cTn>
-                            </p:par>
-                          </p:childTnLst>
-                        </p:cTn>
-                      </p:par>
-                    </p:childTnLst>
-                  </p:cTn>
-                  <p:nextCondLst>
-                    <p:cond evt="onMediaBookmark" delay="0">
-                      <p:tgtEl>
-                        <p14:bmkTgt spid="13" bmkName="Bookmark 1"/>
-                      </p:tgtEl>
-                    </p:cond>
-                  </p:nextCondLst>
-                </p:seq>
-                <p:seq concurrent="1" nextAc="seek">
-                  <p:cTn id="13" restart="whenNotActive" fill="hold" evtFilter="cancelBubble" nodeType="interactiveSeq">
-                    <p:stCondLst>
-                      <p:cond evt="onMediaBookmark" delay="0">
-                        <p:tgtEl>
-                          <p14:bmkTgt spid="13" bmkName="Bookmark 2"/>
-                        </p:tgtEl>
-                      </p:cond>
-                    </p:stCondLst>
-                    <p:endSync evt="end" delay="0">
-                      <p:rtn val="all"/>
-                    </p:endSync>
-                    <p:childTnLst>
-                      <p:par>
-                        <p:cTn id="14" fill="hold">
-                          <p:stCondLst>
-                            <p:cond delay="0"/>
-                          </p:stCondLst>
-                          <p:childTnLst>
-                            <p:par>
-                              <p:cTn id="15" fill="hold">
-                                <p:stCondLst>
-                                  <p:cond delay="0"/>
-                                </p:stCondLst>
-                                <p:childTnLst>
-                                  <p:par>
-                                    <p:cTn id="16" presetID="0" presetClass="path" presetSubtype="0" accel="50000" decel="50000" fill="hold" nodeType="clickEffect">
-                                      <p:stCondLst>
-                                        <p:cond delay="0"/>
-                                      </p:stCondLst>
-                                      <p:childTnLst>
-                                        <p:animMotion origin="layout" path="M -0.00039 -0.00856 L -0.00039 -0.00856 C 0.00378 -0.01389 0.00729 -0.02153 0.01224 -0.02453 L 0.0237 -0.03125 L 0.03138 -0.03588 L 0.03516 -0.03796 C 0.03646 -0.03958 0.03763 -0.04143 0.03893 -0.04259 C 0.04011 -0.04375 0.04154 -0.04375 0.04271 -0.04491 C 0.05586 -0.05787 0.04558 -0.05092 0.05417 -0.05602 C 0.05547 -0.05764 0.05664 -0.05949 0.05808 -0.06065 C 0.06042 -0.0625 0.06563 -0.06504 0.06563 -0.06504 C 0.07435 -0.07546 0.07032 -0.07245 0.07709 -0.07639 C 0.08308 -0.08703 0.07943 -0.08148 0.08854 -0.09236 C 0.08985 -0.09375 0.09089 -0.09583 0.09232 -0.09676 L 0.1 -0.10139 C 0.10599 -0.10856 0.10235 -0.10486 0.11133 -0.11041 L 0.11524 -0.1125 C 0.11654 -0.11342 0.11784 -0.11366 0.11901 -0.11481 C 0.12396 -0.1206 0.12136 -0.11852 0.1267 -0.12153 L 0.14193 -0.10347 L 0.14571 -0.09907 C 0.14701 -0.09745 0.14805 -0.09537 0.14948 -0.09444 L 0.15716 -0.09004 C 0.15847 -0.08935 0.1599 -0.08912 0.16094 -0.08773 L 0.16862 -0.0787 C 0.16992 -0.07731 0.17097 -0.075 0.1724 -0.0743 L 0.18008 -0.06967 C 0.18255 -0.06666 0.18477 -0.06227 0.18763 -0.06065 C 0.19584 -0.05578 0.19336 -0.05949 0.19662 -0.05393 " pathEditMode="relative" ptsTypes="AAAAAAAAAAAAAAAAAAAAAAAAAAAAA">
-                                          <p:cBhvr>
-                                            <p:cTn id="17" dur="1000" fill="hold"/>
-                                            <p:tgtEl>
-                                              <p:spTgt spid="8"/>
-                                            </p:tgtEl>
-                                            <p:attrNameLst>
-                                              <p:attrName>ppt_x</p:attrName>
-                                              <p:attrName>ppt_y</p:attrName>
-                                            </p:attrNameLst>
-                                          </p:cBhvr>
-                                        </p:animMotion>
-                                      </p:childTnLst>
-                                    </p:cTn>
-                                  </p:par>
-                                </p:childTnLst>
-                              </p:cTn>
-                            </p:par>
-                          </p:childTnLst>
-                        </p:cTn>
-                      </p:par>
-                    </p:childTnLst>
-                  </p:cTn>
-                  <p:nextCondLst>
-                    <p:cond evt="onMediaBookmark" delay="0">
-                      <p:tgtEl>
-                        <p14:bmkTgt spid="13" bmkName="Bookmark 2"/>
-                      </p:tgtEl>
-                    </p:cond>
-                  </p:nextCondLst>
-                </p:seq>
-                <p:seq concurrent="1" nextAc="seek">
-                  <p:cTn id="18" restart="whenNotActive" fill="hold" evtFilter="cancelBubble" nodeType="interactiveSeq">
-                    <p:stCondLst>
-                      <p:cond evt="onMediaBookmark" delay="0">
-                        <p:tgtEl>
-                          <p14:bmkTgt spid="13" bmkName="Bookmark 3"/>
-                        </p:tgtEl>
-                      </p:cond>
-                    </p:stCondLst>
-                    <p:endSync evt="end" delay="0">
-                      <p:rtn val="all"/>
-                    </p:endSync>
-                    <p:childTnLst>
-                      <p:par>
-                        <p:cTn id="19" fill="hold">
-                          <p:stCondLst>
-                            <p:cond delay="0"/>
-                          </p:stCondLst>
-                          <p:childTnLst>
-                            <p:par>
-                              <p:cTn id="20" fill="hold">
-                                <p:stCondLst>
-                                  <p:cond delay="0"/>
-                                </p:stCondLst>
-                                <p:childTnLst>
-                                  <p:par>
-                                    <p:cTn id="21" presetID="1" presetClass="exit" presetSubtype="0" fill="hold" nodeType="clickEffect">
-                                      <p:stCondLst>
-                                        <p:cond delay="0"/>
-                                      </p:stCondLst>
-                                      <p:childTnLst>
-                                        <p:set>
-                                          <p:cBhvr>
-                                            <p:cTn id="22" dur="1" fill="hold">
-                                              <p:stCondLst>
-                                                <p:cond delay="0"/>
-                                              </p:stCondLst>
-                                            </p:cTn>
-                                            <p:tgtEl>
-                                              <p:spTgt spid="8"/>
-                                            </p:tgtEl>
-                                            <p:attrNameLst>
-                                              <p:attrName>style.visibility</p:attrName>
-                                            </p:attrNameLst>
-                                          </p:cBhvr>
-                                          <p:to>
-                                            <p:strVal val="hidden"/>
-                                          </p:to>
-                                        </p:set>
-                                      </p:childTnLst>
-                                    </p:cTn>
-                                  </p:par>
-                                </p:childTnLst>
-                              </p:cTn>
-                            </p:par>
-                          </p:childTnLst>
-                        </p:cTn>
-                      </p:par>
-                    </p:childTnLst>
-                  </p:cTn>
-                  <p:nextCondLst>
-                    <p:cond evt="onMediaBookmark" delay="0">
-                      <p:tgtEl>
-                        <p14:bmkTgt spid="13" bmkName="Bookmark 3"/>
-                      </p:tgtEl>
-                    </p:cond>
-                  </p:nextCondLst>
-                </p:seq>
-                <p:seq concurrent="1" nextAc="seek">
-                  <p:cTn id="23" restart="whenNotActive" fill="hold" evtFilter="cancelBubble" nodeType="interactiveSeq">
-                    <p:stCondLst>
-                      <p:cond evt="onMediaBookmark" delay="0">
-                        <p:tgtEl>
-                          <p14:bmkTgt spid="13" bmkName="Bookmark 4"/>
-                        </p:tgtEl>
-                      </p:cond>
-                    </p:stCondLst>
-                    <p:endSync evt="end" delay="0">
-                      <p:rtn val="all"/>
-                    </p:endSync>
-                    <p:childTnLst>
-                      <p:par>
-                        <p:cTn id="24" fill="hold">
-                          <p:stCondLst>
-                            <p:cond delay="0"/>
-                          </p:stCondLst>
-                          <p:childTnLst>
-                            <p:par>
-                              <p:cTn id="25" fill="hold">
-                                <p:stCondLst>
-                                  <p:cond delay="0"/>
-                                </p:stCondLst>
-                                <p:childTnLst>
-                                  <p:par>
-                                    <p:cTn id="26" presetID="1" presetClass="entr" presetSubtype="0" fill="hold" nodeType="clickEffect">
-                                      <p:stCondLst>
-                                        <p:cond delay="0"/>
-                                      </p:stCondLst>
-                                      <p:childTnLst>
-                                        <p:set>
-                                          <p:cBhvr>
-                                            <p:cTn id="27" dur="1" fill="hold">
-                                              <p:stCondLst>
-                                                <p:cond delay="0"/>
-                                              </p:stCondLst>
-                                            </p:cTn>
-                                            <p:tgtEl>
-                                              <p:spTgt spid="6"/>
-                                            </p:tgtEl>
-                                            <p:attrNameLst>
-                                              <p:attrName>style.visibility</p:attrName>
-                                            </p:attrNameLst>
-                                          </p:cBhvr>
-                                          <p:to>
-                                            <p:strVal val="visible"/>
-                                          </p:to>
-                                        </p:set>
-                                      </p:childTnLst>
-                                    </p:cTn>
-                                  </p:par>
-                                </p:childTnLst>
-                              </p:cTn>
-                            </p:par>
-                          </p:childTnLst>
-                        </p:cTn>
-                      </p:par>
-                    </p:childTnLst>
-                  </p:cTn>
-                  <p:nextCondLst>
-                    <p:cond evt="onMediaBookmark" delay="0">
-                      <p:tgtEl>
-                        <p14:bmkTgt spid="13" bmkName="Bookmark 4"/>
-                      </p:tgtEl>
-                    </p:cond>
-                  </p:nextCondLst>
-                </p:seq>
-                <p:seq concurrent="1" nextAc="seek">
-                  <p:cTn id="28" restart="whenNotActive" fill="hold" evtFilter="cancelBubble" nodeType="interactiveSeq">
-                    <p:stCondLst>
-                      <p:cond evt="onMediaBookmark" delay="0">
-                        <p:tgtEl>
-                          <p14:bmkTgt spid="13" bmkName="Bookmark 5"/>
-                        </p:tgtEl>
-                      </p:cond>
-                    </p:stCondLst>
-                    <p:endSync evt="end" delay="0">
-                      <p:rtn val="all"/>
-                    </p:endSync>
-                    <p:childTnLst>
-                      <p:par>
-                        <p:cTn id="29" fill="hold">
-                          <p:stCondLst>
-                            <p:cond delay="0"/>
-                          </p:stCondLst>
-                          <p:childTnLst>
-                            <p:par>
-                              <p:cTn id="30" fill="hold">
-                                <p:stCondLst>
-                                  <p:cond delay="0"/>
-                                </p:stCondLst>
-                                <p:childTnLst>
-                                  <p:par>
-                                    <p:cTn id="31" presetID="0" presetClass="path" presetSubtype="0" accel="50000" decel="50000" fill="hold" nodeType="clickEffect">
-                                      <p:stCondLst>
-                                        <p:cond delay="0"/>
-                                      </p:stCondLst>
-                                      <p:childTnLst>
-                                        <p:animMotion origin="layout" path="M 0.00274 0.00625 L 0.00274 0.00625 C -0.00156 0.00093 -0.00638 -0.003 -0.01003 -0.00949 L -0.02526 -0.0368 C -0.02656 -0.03888 -0.02734 -0.04236 -0.02904 -0.04351 C -0.03034 -0.04421 -0.03177 -0.04467 -0.03294 -0.04583 C -0.04596 -0.05879 -0.03568 -0.05185 -0.0444 -0.05694 C -0.04557 -0.05856 -0.04674 -0.06041 -0.04818 -0.06157 C -0.05065 -0.06342 -0.05351 -0.06342 -0.05573 -0.06597 C -0.05703 -0.06759 -0.0582 -0.06944 -0.05963 -0.0706 C -0.06198 -0.07245 -0.06719 -0.075 -0.06719 -0.075 C -0.06979 -0.0743 -0.0724 -0.0743 -0.07487 -0.07291 C -0.0763 -0.07199 -0.07734 -0.06944 -0.07865 -0.06828 C -0.07982 -0.06736 -0.08125 -0.06689 -0.08242 -0.06597 C -0.08372 -0.06458 -0.0849 -0.06273 -0.08633 -0.06157 C -0.0875 -0.06041 -0.08893 -0.06041 -0.0901 -0.05925 C -0.09271 -0.05671 -0.09479 -0.05208 -0.09766 -0.05023 C -0.09896 -0.04953 -0.10039 -0.04907 -0.10156 -0.04791 C -0.11458 -0.03495 -0.1043 -0.04189 -0.11289 -0.0368 C -0.12174 -0.02638 -0.11771 -0.02939 -0.12435 -0.02546 L -0.13203 -0.01643 C -0.13333 -0.01481 -0.13476 -0.01365 -0.13581 -0.0118 C -0.13711 -0.00949 -0.13815 -0.00694 -0.13958 -0.00509 C -0.14206 -0.00162 -0.14505 0.00024 -0.14726 0.00394 C -0.15195 0.0125 -0.14935 0.00973 -0.15482 0.01297 L -0.17773 0.04005 C -0.17904 0.04167 -0.18008 0.04375 -0.18151 0.04468 L -0.18919 0.04908 L -0.19674 0.05834 " pathEditMode="relative" ptsTypes="AAAAAAAAAAAAAAAAAAAAAAAAAAAAA">
-                                          <p:cBhvr>
-                                            <p:cTn id="32" dur="1000" fill="hold"/>
-                                            <p:tgtEl>
-                                              <p:spTgt spid="6"/>
-                                            </p:tgtEl>
-                                            <p:attrNameLst>
-                                              <p:attrName>ppt_x</p:attrName>
-                                              <p:attrName>ppt_y</p:attrName>
-                                            </p:attrNameLst>
-                                          </p:cBhvr>
-                                        </p:animMotion>
-                                      </p:childTnLst>
-                                    </p:cTn>
-                                  </p:par>
-                                </p:childTnLst>
-                              </p:cTn>
-                            </p:par>
-                          </p:childTnLst>
-                        </p:cTn>
-                      </p:par>
-                    </p:childTnLst>
-                  </p:cTn>
-                  <p:nextCondLst>
-                    <p:cond evt="onMediaBookmark" delay="0">
-                      <p:tgtEl>
-                        <p14:bmkTgt spid="13" bmkName="Bookmark 5"/>
-                      </p:tgtEl>
-                    </p:cond>
-                  </p:nextCondLst>
-                </p:seq>
-                <p:seq concurrent="1" nextAc="seek">
-                  <p:cTn id="33" restart="whenNotActive" fill="hold" evtFilter="cancelBubble" nodeType="interactiveSeq">
-                    <p:stCondLst>
-                      <p:cond evt="onMediaBookmark" delay="0">
-                        <p:tgtEl>
-                          <p14:bmkTgt spid="13" bmkName="Bookmark 6"/>
-                        </p:tgtEl>
-                      </p:cond>
-                    </p:stCondLst>
-                    <p:endSync evt="end" delay="0">
-                      <p:rtn val="all"/>
-                    </p:endSync>
-                    <p:childTnLst>
-                      <p:par>
-                        <p:cTn id="34" fill="hold">
-                          <p:stCondLst>
-                            <p:cond delay="0"/>
-                          </p:stCondLst>
-                          <p:childTnLst>
-                            <p:par>
-                              <p:cTn id="35" fill="hold">
-                                <p:stCondLst>
-                                  <p:cond delay="0"/>
-                                </p:stCondLst>
-                                <p:childTnLst>
-                                  <p:par>
-                                    <p:cTn id="36" presetID="1" presetClass="exit" presetSubtype="0" fill="hold" nodeType="clickEffect">
-                                      <p:stCondLst>
-                                        <p:cond delay="0"/>
-                                      </p:stCondLst>
-                                      <p:childTnLst>
-                                        <p:set>
-                                          <p:cBhvr>
-                                            <p:cTn id="37" dur="1" fill="hold">
-                                              <p:stCondLst>
-                                                <p:cond delay="0"/>
-                                              </p:stCondLst>
-                                            </p:cTn>
-                                            <p:tgtEl>
-                                              <p:spTgt spid="6"/>
-                                            </p:tgtEl>
-                                            <p:attrNameLst>
-                                              <p:attrName>style.visibility</p:attrName>
-                                            </p:attrNameLst>
-                                          </p:cBhvr>
-                                          <p:to>
-                                            <p:strVal val="hidden"/>
-                                          </p:to>
-                                        </p:set>
-                                      </p:childTnLst>
-                                    </p:cTn>
-                                  </p:par>
-                                </p:childTnLst>
-                              </p:cTn>
-                            </p:par>
-                          </p:childTnLst>
-                        </p:cTn>
-                      </p:par>
-                    </p:childTnLst>
-                  </p:cTn>
-                  <p:nextCondLst>
-                    <p:cond evt="onMediaBookmark" delay="0">
-                      <p:tgtEl>
-                        <p14:bmkTgt spid="13" bmkName="Bookmark 6"/>
-                      </p:tgtEl>
-                    </p:cond>
-                  </p:nextCondLst>
-                </p:seq>
-              </p:childTnLst>
-            </p:cTn>
-          </p:par>
-        </p:tnLst>
-      </p:timing>
-    </mc:Choice>
-    <mc:Fallback xmlns="">
-      <p:timing>
-        <p:tnLst>
-          <p:par>
-            <p:cTn id="1" dur="indefinite" restart="never" nodeType="tmRoot">
-              <p:childTnLst>
-                <p:seq concurrent="1" nextAc="seek">
-                  <p:cTn id="2" dur="indefinite" nodeType="mainSeq">
-                    <p:childTnLst>
-                      <p:par>
-                        <p:cTn id="3" fill="hold">
-                          <p:stCondLst>
-                            <p:cond delay="indefinite"/>
-                            <p:cond evt="onBegin" delay="0">
-                              <p:tn val="2"/>
-                            </p:cond>
-                          </p:stCondLst>
-                          <p:childTnLst>
-                            <p:par>
-                              <p:cTn id="4" fill="hold">
-                                <p:stCondLst>
-                                  <p:cond delay="0"/>
-                                </p:stCondLst>
-                                <p:childTnLst>
-                                  <p:par>
-                                    <p:cTn id="5" presetID="1" presetClass="mediacall" presetSubtype="0" fill="hold" nodeType="withEffect">
-                                      <p:stCondLst>
-                                        <p:cond delay="0"/>
-                                      </p:stCondLst>
-                                      <p:childTnLst>
-                                        <p:cmd type="call" cmd="playFrom(0.0)">
-                                          <p:cBhvr>
-                                            <p:cTn id="6" dur="5760" fill="hold"/>
-                                            <p:tgtEl>
-                                              <p:spTgt spid="13"/>
-                                            </p:tgtEl>
-                                          </p:cBhvr>
-                                        </p:cmd>
-                                      </p:childTnLst>
-                                    </p:cTn>
-                                  </p:par>
-                                </p:childTnLst>
-                              </p:cTn>
-                            </p:par>
-                          </p:childTnLst>
-                        </p:cTn>
-                      </p:par>
-                    </p:childTnLst>
-                  </p:cTn>
-                  <p:prevCondLst>
-                    <p:cond evt="onPrev" delay="0">
-                      <p:tgtEl>
-                        <p:sldTgt/>
-                      </p:tgtEl>
-                    </p:cond>
-                  </p:prevCondLst>
-                  <p:nextCondLst>
-                    <p:cond evt="onNext" delay="0">
-                      <p:tgtEl>
-                        <p:sldTgt/>
-                      </p:tgtEl>
-                    </p:cond>
-                  </p:nextCondLst>
-                </p:seq>
-                <p:audio>
-                  <p:cMediaNode vol="80000" mute="1">
-                    <p:cTn id="7" repeatCount="indefinite" fill="hold" display="0">
+                  </p:par>
+                </p:childTnLst>
+              </p:cTn>
+              <p:prevCondLst>
+                <p:cond evt="onPrev" delay="0">
+                  <p:tgtEl>
+                    <p:sldTgt/>
+                  </p:tgtEl>
+                </p:cond>
+              </p:prevCondLst>
+              <p:nextCondLst>
+                <p:cond evt="onNext" delay="0">
+                  <p:tgtEl>
+                    <p:sldTgt/>
+                  </p:tgtEl>
+                </p:cond>
+              </p:nextCondLst>
+            </p:seq>
+          </p:childTnLst>
+        </p:cTn>
+      </p:par>
+    </p:tnLst>
+  </p:timing>
+</p:sld>
+</file>
+
+<file path=ppt/slides/slide23.xml><?xml version="1.0" encoding="utf-8"?>
+<p:sld xmlns:a="http://schemas.openxmlformats.org/drawingml/2006/main" xmlns:r="http://schemas.openxmlformats.org/officeDocument/2006/relationships" xmlns:p="http://schemas.openxmlformats.org/presentationml/2006/main">
+  <p:cSld>
+    <p:spTree>
+      <p:nvGrpSpPr>
+        <p:cNvPr id="1" name=""/>
+        <p:cNvGrpSpPr/>
+        <p:nvPr/>
+      </p:nvGrpSpPr>
+      <p:grpSpPr>
+        <a:xfrm>
+          <a:off x="0" y="0"/>
+          <a:ext cx="0" cy="0"/>
+          <a:chOff x="0" y="0"/>
+          <a:chExt cx="0" cy="0"/>
+        </a:xfrm>
+      </p:grpSpPr>
+      <p:pic>
+        <p:nvPicPr>
+          <p:cNvPr id="5" name="Picture 4">
+            <a:extLst>
+              <a:ext uri="{FF2B5EF4-FFF2-40B4-BE49-F238E27FC236}">
+                <a16:creationId xmlns:a16="http://schemas.microsoft.com/office/drawing/2014/main" id="{BF1C3891-4C34-4943-B756-142B614DB025}"/>
+              </a:ext>
+            </a:extLst>
+          </p:cNvPr>
+          <p:cNvPicPr>
+            <a:picLocks noChangeAspect="1"/>
+          </p:cNvPicPr>
+          <p:nvPr/>
+        </p:nvPicPr>
+        <p:blipFill>
+          <a:blip r:embed="rId2"/>
+          <a:stretch>
+            <a:fillRect/>
+          </a:stretch>
+        </p:blipFill>
+        <p:spPr>
+          <a:xfrm>
+            <a:off x="2403941" y="1781074"/>
+            <a:ext cx="6721728" cy="4587846"/>
+          </a:xfrm>
+          <a:prstGeom prst="rect">
+            <a:avLst/>
+          </a:prstGeom>
+        </p:spPr>
+      </p:pic>
+      <p:pic>
+        <p:nvPicPr>
+          <p:cNvPr id="15" name="Picture 14">
+            <a:extLst>
+              <a:ext uri="{FF2B5EF4-FFF2-40B4-BE49-F238E27FC236}">
+                <a16:creationId xmlns:a16="http://schemas.microsoft.com/office/drawing/2014/main" id="{12445B90-F3BB-C94E-B35C-DA619D0A91EA}"/>
+              </a:ext>
+            </a:extLst>
+          </p:cNvPr>
+          <p:cNvPicPr>
+            <a:picLocks noChangeAspect="1"/>
+          </p:cNvPicPr>
+          <p:nvPr/>
+        </p:nvPicPr>
+        <p:blipFill>
+          <a:blip r:embed="rId3"/>
+          <a:stretch>
+            <a:fillRect/>
+          </a:stretch>
+        </p:blipFill>
+        <p:spPr>
+          <a:xfrm>
+            <a:off x="6872755" y="2462963"/>
+            <a:ext cx="209860" cy="228109"/>
+          </a:xfrm>
+          <a:prstGeom prst="rect">
+            <a:avLst/>
+          </a:prstGeom>
+        </p:spPr>
+      </p:pic>
+      <p:pic>
+        <p:nvPicPr>
+          <p:cNvPr id="16" name="Picture 15">
+            <a:extLst>
+              <a:ext uri="{FF2B5EF4-FFF2-40B4-BE49-F238E27FC236}">
+                <a16:creationId xmlns:a16="http://schemas.microsoft.com/office/drawing/2014/main" id="{0213F761-8D20-774B-A736-622557DC9AC9}"/>
+              </a:ext>
+            </a:extLst>
+          </p:cNvPr>
+          <p:cNvPicPr>
+            <a:picLocks noChangeAspect="1"/>
+          </p:cNvPicPr>
+          <p:nvPr/>
+        </p:nvPicPr>
+        <p:blipFill>
+          <a:blip r:embed="rId4"/>
+          <a:stretch>
+            <a:fillRect/>
+          </a:stretch>
+        </p:blipFill>
+        <p:spPr>
+          <a:xfrm>
+            <a:off x="7082615" y="2577018"/>
+            <a:ext cx="209860" cy="228109"/>
+          </a:xfrm>
+          <a:prstGeom prst="rect">
+            <a:avLst/>
+          </a:prstGeom>
+        </p:spPr>
+      </p:pic>
+      <p:cxnSp>
+        <p:nvCxnSpPr>
+          <p:cNvPr id="10" name="Straight Connector 9">
+            <a:extLst>
+              <a:ext uri="{FF2B5EF4-FFF2-40B4-BE49-F238E27FC236}">
+                <a16:creationId xmlns:a16="http://schemas.microsoft.com/office/drawing/2014/main" id="{8704A948-76D0-B242-BEB4-2AC67301109D}"/>
+              </a:ext>
+            </a:extLst>
+          </p:cNvPr>
+          <p:cNvCxnSpPr>
+            <a:cxnSpLocks/>
+          </p:cNvCxnSpPr>
+          <p:nvPr/>
+        </p:nvCxnSpPr>
+        <p:spPr>
+          <a:xfrm>
+            <a:off x="3560327" y="2758532"/>
+            <a:ext cx="690635" cy="364836"/>
+          </a:xfrm>
+          <a:prstGeom prst="line">
+            <a:avLst/>
+          </a:prstGeom>
+          <a:ln w="12700">
+            <a:solidFill>
+              <a:srgbClr val="FF0000"/>
+            </a:solidFill>
+          </a:ln>
+        </p:spPr>
+        <p:style>
+          <a:lnRef idx="1">
+            <a:schemeClr val="accent1"/>
+          </a:lnRef>
+          <a:fillRef idx="0">
+            <a:schemeClr val="accent1"/>
+          </a:fillRef>
+          <a:effectRef idx="0">
+            <a:schemeClr val="accent1"/>
+          </a:effectRef>
+          <a:fontRef idx="minor">
+            <a:schemeClr val="tx1"/>
+          </a:fontRef>
+        </p:style>
+      </p:cxnSp>
+      <p:cxnSp>
+        <p:nvCxnSpPr>
+          <p:cNvPr id="19" name="Straight Connector 18">
+            <a:extLst>
+              <a:ext uri="{FF2B5EF4-FFF2-40B4-BE49-F238E27FC236}">
+                <a16:creationId xmlns:a16="http://schemas.microsoft.com/office/drawing/2014/main" id="{3F05DA07-0306-1B4A-A486-A33071584EED}"/>
+              </a:ext>
+            </a:extLst>
+          </p:cNvPr>
+          <p:cNvCxnSpPr>
+            <a:cxnSpLocks/>
+          </p:cNvCxnSpPr>
+          <p:nvPr/>
+        </p:nvCxnSpPr>
+        <p:spPr>
+          <a:xfrm>
+            <a:off x="6842227" y="4797196"/>
+            <a:ext cx="690635" cy="364836"/>
+          </a:xfrm>
+          <a:prstGeom prst="line">
+            <a:avLst/>
+          </a:prstGeom>
+          <a:ln w="12700">
+            <a:solidFill>
+              <a:srgbClr val="FF0000"/>
+            </a:solidFill>
+          </a:ln>
+        </p:spPr>
+        <p:style>
+          <a:lnRef idx="1">
+            <a:schemeClr val="accent1"/>
+          </a:lnRef>
+          <a:fillRef idx="0">
+            <a:schemeClr val="accent1"/>
+          </a:fillRef>
+          <a:effectRef idx="0">
+            <a:schemeClr val="accent1"/>
+          </a:effectRef>
+          <a:fontRef idx="minor">
+            <a:schemeClr val="tx1"/>
+          </a:fontRef>
+        </p:style>
+      </p:cxnSp>
+      <p:grpSp>
+        <p:nvGrpSpPr>
+          <p:cNvPr id="11" name="Group 10">
+            <a:extLst>
+              <a:ext uri="{FF2B5EF4-FFF2-40B4-BE49-F238E27FC236}">
+                <a16:creationId xmlns:a16="http://schemas.microsoft.com/office/drawing/2014/main" id="{D2142EB4-B5C8-D146-873C-C50E79275674}"/>
+              </a:ext>
+            </a:extLst>
+          </p:cNvPr>
+          <p:cNvGrpSpPr/>
+          <p:nvPr/>
+        </p:nvGrpSpPr>
+        <p:grpSpPr>
+          <a:xfrm>
+            <a:off x="4593289" y="3558761"/>
+            <a:ext cx="202750" cy="253436"/>
+            <a:chOff x="3886796" y="1428973"/>
+            <a:chExt cx="328366" cy="519866"/>
+          </a:xfrm>
+        </p:grpSpPr>
+        <p:pic>
+          <p:nvPicPr>
+            <p:cNvPr id="12" name="Picture 11">
+              <a:extLst>
+                <a:ext uri="{FF2B5EF4-FFF2-40B4-BE49-F238E27FC236}">
+                  <a16:creationId xmlns:a16="http://schemas.microsoft.com/office/drawing/2014/main" id="{997AA0CD-B4A2-9D4B-B1CC-05021EEF7784}"/>
+                </a:ext>
+              </a:extLst>
+            </p:cNvPr>
+            <p:cNvPicPr>
+              <a:picLocks noChangeAspect="1"/>
+            </p:cNvPicPr>
+            <p:nvPr/>
+          </p:nvPicPr>
+          <p:blipFill>
+            <a:blip r:embed="rId5"/>
+            <a:stretch>
+              <a:fillRect/>
+            </a:stretch>
+          </p:blipFill>
+          <p:spPr>
+            <a:xfrm>
+              <a:off x="3886796" y="1428973"/>
+              <a:ext cx="250306" cy="519866"/>
+            </a:xfrm>
+            <a:prstGeom prst="rect">
+              <a:avLst/>
+            </a:prstGeom>
+          </p:spPr>
+        </p:pic>
+        <p:pic>
+          <p:nvPicPr>
+            <p:cNvPr id="17" name="Picture 16">
+              <a:extLst>
+                <a:ext uri="{FF2B5EF4-FFF2-40B4-BE49-F238E27FC236}">
+                  <a16:creationId xmlns:a16="http://schemas.microsoft.com/office/drawing/2014/main" id="{43F75FF4-305A-A242-9FE3-D1D4E09F9B58}"/>
+                </a:ext>
+              </a:extLst>
+            </p:cNvPr>
+            <p:cNvPicPr>
+              <a:picLocks noChangeAspect="1"/>
+            </p:cNvPicPr>
+            <p:nvPr/>
+          </p:nvPicPr>
+          <p:blipFill>
+            <a:blip r:embed="rId6"/>
+            <a:stretch>
+              <a:fillRect/>
+            </a:stretch>
+          </p:blipFill>
+          <p:spPr>
+            <a:xfrm>
+              <a:off x="4092498" y="1764052"/>
+              <a:ext cx="122664" cy="167856"/>
+            </a:xfrm>
+            <a:prstGeom prst="rect">
+              <a:avLst/>
+            </a:prstGeom>
+          </p:spPr>
+        </p:pic>
+      </p:grpSp>
+      <p:grpSp>
+        <p:nvGrpSpPr>
+          <p:cNvPr id="21" name="Group 20">
+            <a:extLst>
+              <a:ext uri="{FF2B5EF4-FFF2-40B4-BE49-F238E27FC236}">
+                <a16:creationId xmlns:a16="http://schemas.microsoft.com/office/drawing/2014/main" id="{6E3DB72D-5505-1648-A959-F19C24FE454F}"/>
+              </a:ext>
+            </a:extLst>
+          </p:cNvPr>
+          <p:cNvGrpSpPr/>
+          <p:nvPr/>
+        </p:nvGrpSpPr>
+        <p:grpSpPr>
+          <a:xfrm>
+            <a:off x="7961351" y="5543585"/>
+            <a:ext cx="170963" cy="278746"/>
+            <a:chOff x="9788059" y="1412042"/>
+            <a:chExt cx="316138" cy="519866"/>
+          </a:xfrm>
+        </p:grpSpPr>
+        <p:pic>
+          <p:nvPicPr>
+            <p:cNvPr id="22" name="Picture 21">
+              <a:extLst>
+                <a:ext uri="{FF2B5EF4-FFF2-40B4-BE49-F238E27FC236}">
+                  <a16:creationId xmlns:a16="http://schemas.microsoft.com/office/drawing/2014/main" id="{47F7FAC6-4C2E-D64F-9B4B-E0024C8AF2BF}"/>
+                </a:ext>
+              </a:extLst>
+            </p:cNvPr>
+            <p:cNvPicPr>
+              <a:picLocks noChangeAspect="1"/>
+            </p:cNvPicPr>
+            <p:nvPr/>
+          </p:nvPicPr>
+          <p:blipFill>
+            <a:blip r:embed="rId7"/>
+            <a:stretch>
+              <a:fillRect/>
+            </a:stretch>
+          </p:blipFill>
+          <p:spPr>
+            <a:xfrm>
+              <a:off x="9788059" y="1412042"/>
+              <a:ext cx="250306" cy="519866"/>
+            </a:xfrm>
+            <a:prstGeom prst="rect">
+              <a:avLst/>
+            </a:prstGeom>
+          </p:spPr>
+        </p:pic>
+        <p:pic>
+          <p:nvPicPr>
+            <p:cNvPr id="23" name="Picture 22">
+              <a:extLst>
+                <a:ext uri="{FF2B5EF4-FFF2-40B4-BE49-F238E27FC236}">
+                  <a16:creationId xmlns:a16="http://schemas.microsoft.com/office/drawing/2014/main" id="{D3C2BAC6-0EA8-A447-B9CB-57D25178211D}"/>
+                </a:ext>
+              </a:extLst>
+            </p:cNvPr>
+            <p:cNvPicPr>
+              <a:picLocks noChangeAspect="1"/>
+            </p:cNvPicPr>
+            <p:nvPr/>
+          </p:nvPicPr>
+          <p:blipFill>
+            <a:blip r:embed="rId8"/>
+            <a:stretch>
+              <a:fillRect/>
+            </a:stretch>
+          </p:blipFill>
+          <p:spPr>
+            <a:xfrm>
+              <a:off x="9967672" y="1744662"/>
+              <a:ext cx="136525" cy="186824"/>
+            </a:xfrm>
+            <a:prstGeom prst="rect">
+              <a:avLst/>
+            </a:prstGeom>
+          </p:spPr>
+        </p:pic>
+      </p:grpSp>
+      <p:pic>
+        <p:nvPicPr>
+          <p:cNvPr id="26" name="Picture 25">
+            <a:extLst>
+              <a:ext uri="{FF2B5EF4-FFF2-40B4-BE49-F238E27FC236}">
+                <a16:creationId xmlns:a16="http://schemas.microsoft.com/office/drawing/2014/main" id="{659C8BBA-A6C3-1F47-BE68-91DABCD3EDF3}"/>
+              </a:ext>
+            </a:extLst>
+          </p:cNvPr>
+          <p:cNvPicPr>
+            <a:picLocks noChangeAspect="1"/>
+          </p:cNvPicPr>
+          <p:nvPr/>
+        </p:nvPicPr>
+        <p:blipFill>
+          <a:blip r:embed="rId5"/>
+          <a:stretch>
+            <a:fillRect/>
+          </a:stretch>
+        </p:blipFill>
+        <p:spPr>
+          <a:xfrm>
+            <a:off x="6939050" y="2724886"/>
+            <a:ext cx="77269" cy="160482"/>
+          </a:xfrm>
+          <a:prstGeom prst="rect">
+            <a:avLst/>
+          </a:prstGeom>
+        </p:spPr>
+      </p:pic>
+      <p:pic>
+        <p:nvPicPr>
+          <p:cNvPr id="27" name="Picture 26">
+            <a:extLst>
+              <a:ext uri="{FF2B5EF4-FFF2-40B4-BE49-F238E27FC236}">
+                <a16:creationId xmlns:a16="http://schemas.microsoft.com/office/drawing/2014/main" id="{1CB4A070-D041-4C4E-91F4-09916818AC8A}"/>
+              </a:ext>
+            </a:extLst>
+          </p:cNvPr>
+          <p:cNvPicPr>
+            <a:picLocks noChangeAspect="1"/>
+          </p:cNvPicPr>
+          <p:nvPr/>
+        </p:nvPicPr>
+        <p:blipFill>
+          <a:blip r:embed="rId7"/>
+          <a:stretch>
+            <a:fillRect/>
+          </a:stretch>
+        </p:blipFill>
+        <p:spPr>
+          <a:xfrm>
+            <a:off x="7138141" y="2816577"/>
+            <a:ext cx="98805" cy="205210"/>
+          </a:xfrm>
+          <a:prstGeom prst="rect">
+            <a:avLst/>
+          </a:prstGeom>
+        </p:spPr>
+      </p:pic>
+      <p:sp>
+        <p:nvSpPr>
+          <p:cNvPr id="20" name="TextBox 19">
+            <a:extLst>
+              <a:ext uri="{FF2B5EF4-FFF2-40B4-BE49-F238E27FC236}">
+                <a16:creationId xmlns:a16="http://schemas.microsoft.com/office/drawing/2014/main" id="{B3F21F26-F996-1D42-BB9B-905DE2529413}"/>
+              </a:ext>
+            </a:extLst>
+          </p:cNvPr>
+          <p:cNvSpPr txBox="1"/>
+          <p:nvPr/>
+        </p:nvSpPr>
+        <p:spPr>
+          <a:xfrm>
+            <a:off x="4560260" y="3024730"/>
+            <a:ext cx="689612" cy="261610"/>
+          </a:xfrm>
+          <a:prstGeom prst="rect">
+            <a:avLst/>
+          </a:prstGeom>
+          <a:noFill/>
+        </p:spPr>
+        <p:txBody>
+          <a:bodyPr wrap="none" rtlCol="0">
+            <a:spAutoFit/>
+          </a:bodyPr>
+          <a:lstStyle/>
+          <a:p>
+            <a:r>
+              <a:rPr lang="en-US" sz="1100" b="1" dirty="0">
+                <a:solidFill>
+                  <a:schemeClr val="bg1"/>
+                </a:solidFill>
+              </a:rPr>
+              <a:t>1009287</a:t>
+            </a:r>
+          </a:p>
+        </p:txBody>
+      </p:sp>
+      <p:sp>
+        <p:nvSpPr>
+          <p:cNvPr id="24" name="TextBox 23">
+            <a:extLst>
+              <a:ext uri="{FF2B5EF4-FFF2-40B4-BE49-F238E27FC236}">
+                <a16:creationId xmlns:a16="http://schemas.microsoft.com/office/drawing/2014/main" id="{D63B2800-0A3C-474F-9517-EFEEAE1322A0}"/>
+              </a:ext>
+            </a:extLst>
+          </p:cNvPr>
+          <p:cNvSpPr txBox="1"/>
+          <p:nvPr/>
+        </p:nvSpPr>
+        <p:spPr>
+          <a:xfrm>
+            <a:off x="7750592" y="5057096"/>
+            <a:ext cx="689612" cy="261610"/>
+          </a:xfrm>
+          <a:prstGeom prst="rect">
+            <a:avLst/>
+          </a:prstGeom>
+          <a:noFill/>
+        </p:spPr>
+        <p:txBody>
+          <a:bodyPr wrap="none" rtlCol="0">
+            <a:spAutoFit/>
+          </a:bodyPr>
+          <a:lstStyle/>
+          <a:p>
+            <a:r>
+              <a:rPr lang="en-US" sz="1100" b="1" dirty="0">
+                <a:solidFill>
+                  <a:schemeClr val="bg1"/>
+                </a:solidFill>
+              </a:rPr>
+              <a:t>1339500</a:t>
+            </a:r>
+          </a:p>
+        </p:txBody>
+      </p:sp>
+      <p:sp>
+        <p:nvSpPr>
+          <p:cNvPr id="28" name="TextBox 27">
+            <a:extLst>
+              <a:ext uri="{FF2B5EF4-FFF2-40B4-BE49-F238E27FC236}">
+                <a16:creationId xmlns:a16="http://schemas.microsoft.com/office/drawing/2014/main" id="{165B2BF9-37A1-654F-A756-4C2C7B986690}"/>
+              </a:ext>
+            </a:extLst>
+          </p:cNvPr>
+          <p:cNvSpPr txBox="1"/>
+          <p:nvPr/>
+        </p:nvSpPr>
+        <p:spPr>
+          <a:xfrm>
+            <a:off x="0" y="482505"/>
+            <a:ext cx="2632772" cy="461665"/>
+          </a:xfrm>
+          <a:prstGeom prst="rect">
+            <a:avLst/>
+          </a:prstGeom>
+          <a:noFill/>
+        </p:spPr>
+        <p:txBody>
+          <a:bodyPr wrap="none" rtlCol="0">
+            <a:spAutoFit/>
+          </a:bodyPr>
+          <a:lstStyle/>
+          <a:p>
+            <a:r>
+              <a:rPr lang="en-US" sz="2400" dirty="0">
+                <a:solidFill>
+                  <a:schemeClr val="bg1"/>
+                </a:solidFill>
+              </a:rPr>
+              <a:t>RECEIVE MESSAGES</a:t>
+            </a:r>
+          </a:p>
+        </p:txBody>
+      </p:sp>
+      <p:sp>
+        <p:nvSpPr>
+          <p:cNvPr id="29" name="TextBox 28">
+            <a:extLst>
+              <a:ext uri="{FF2B5EF4-FFF2-40B4-BE49-F238E27FC236}">
+                <a16:creationId xmlns:a16="http://schemas.microsoft.com/office/drawing/2014/main" id="{F46B668A-A047-544C-815F-F61CA45B1304}"/>
+              </a:ext>
+            </a:extLst>
+          </p:cNvPr>
+          <p:cNvSpPr txBox="1"/>
+          <p:nvPr/>
+        </p:nvSpPr>
+        <p:spPr>
+          <a:xfrm>
+            <a:off x="0" y="15498"/>
+            <a:ext cx="3681521" cy="461665"/>
+          </a:xfrm>
+          <a:prstGeom prst="rect">
+            <a:avLst/>
+          </a:prstGeom>
+          <a:noFill/>
+        </p:spPr>
+        <p:txBody>
+          <a:bodyPr wrap="none" rtlCol="0">
+            <a:spAutoFit/>
+          </a:bodyPr>
+          <a:lstStyle/>
+          <a:p>
+            <a:r>
+              <a:rPr lang="en-US" sz="2400" dirty="0">
+                <a:solidFill>
+                  <a:schemeClr val="bg1"/>
+                </a:solidFill>
+              </a:rPr>
+              <a:t>MESSAGE PASSING PROJECT</a:t>
+            </a:r>
+          </a:p>
+        </p:txBody>
+      </p:sp>
+      <p:pic>
+        <p:nvPicPr>
+          <p:cNvPr id="6" name="Graphic 5" descr="Marketing">
+            <a:extLst>
+              <a:ext uri="{FF2B5EF4-FFF2-40B4-BE49-F238E27FC236}">
+                <a16:creationId xmlns:a16="http://schemas.microsoft.com/office/drawing/2014/main" id="{A95A875C-C4CB-8341-929B-A3D3E403738D}"/>
+              </a:ext>
+            </a:extLst>
+          </p:cNvPr>
+          <p:cNvPicPr>
+            <a:picLocks noChangeAspect="1"/>
+          </p:cNvPicPr>
+          <p:nvPr/>
+        </p:nvPicPr>
+        <p:blipFill>
+          <a:blip r:embed="rId9">
+            <a:extLst>
+              <a:ext uri="{96DAC541-7B7A-43D3-8B79-37D633B846F1}">
+                <asvg:svgBlip xmlns:asvg="http://schemas.microsoft.com/office/drawing/2016/SVG/main" r:embed="rId10"/>
+              </a:ext>
+            </a:extLst>
+          </a:blip>
+          <a:stretch>
+            <a:fillRect/>
+          </a:stretch>
+        </p:blipFill>
+        <p:spPr>
+          <a:xfrm flipH="1">
+            <a:off x="6642936" y="2166622"/>
+            <a:ext cx="439679" cy="478627"/>
+          </a:xfrm>
+          <a:prstGeom prst="rect">
+            <a:avLst/>
+          </a:prstGeom>
+        </p:spPr>
+      </p:pic>
+      <p:pic>
+        <p:nvPicPr>
+          <p:cNvPr id="8" name="Graphic 7" descr="Question mark">
+            <a:extLst>
+              <a:ext uri="{FF2B5EF4-FFF2-40B4-BE49-F238E27FC236}">
+                <a16:creationId xmlns:a16="http://schemas.microsoft.com/office/drawing/2014/main" id="{73C5FE55-DD48-4D43-A93E-28E6890BF1B5}"/>
+              </a:ext>
+            </a:extLst>
+          </p:cNvPr>
+          <p:cNvPicPr>
+            <a:picLocks noChangeAspect="1"/>
+          </p:cNvPicPr>
+          <p:nvPr/>
+        </p:nvPicPr>
+        <p:blipFill>
+          <a:blip r:embed="rId11">
+            <a:extLst>
+              <a:ext uri="{96DAC541-7B7A-43D3-8B79-37D633B846F1}">
+                <asvg:svgBlip xmlns:asvg="http://schemas.microsoft.com/office/drawing/2016/SVG/main" r:embed="rId12"/>
+              </a:ext>
+            </a:extLst>
+          </a:blip>
+          <a:stretch>
+            <a:fillRect/>
+          </a:stretch>
+        </p:blipFill>
+        <p:spPr>
+          <a:xfrm>
+            <a:off x="4285607" y="2496050"/>
+            <a:ext cx="457671" cy="457671"/>
+          </a:xfrm>
+          <a:prstGeom prst="rect">
+            <a:avLst/>
+          </a:prstGeom>
+        </p:spPr>
+      </p:pic>
+    </p:spTree>
+    <p:extLst>
+      <p:ext uri="{BB962C8B-B14F-4D97-AF65-F5344CB8AC3E}">
+        <p14:creationId xmlns:p14="http://schemas.microsoft.com/office/powerpoint/2010/main" val="428941546"/>
+      </p:ext>
+    </p:extLst>
+  </p:cSld>
+  <p:clrMapOvr>
+    <a:masterClrMapping/>
+  </p:clrMapOvr>
+  <p:timing>
+    <p:tnLst>
+      <p:par>
+        <p:cTn id="1" dur="indefinite" restart="never" nodeType="tmRoot">
+          <p:childTnLst>
+            <p:seq concurrent="1" nextAc="seek">
+              <p:cTn id="2" dur="indefinite" nodeType="mainSeq">
+                <p:childTnLst>
+                  <p:par>
+                    <p:cTn id="3" fill="hold">
                       <p:stCondLst>
                         <p:cond delay="indefinite"/>
                       </p:stCondLst>
-                      <p:endCondLst>
-                        <p:cond evt="onStopAudio" delay="0">
-                          <p:tgtEl>
-                            <p:sldTgt/>
-                          </p:tgtEl>
-                        </p:cond>
-                        <p:cond evt="onNext" delay="0">
-                          <p:tgtEl>
-                            <p:sldTgt/>
-                          </p:tgtEl>
-                        </p:cond>
-                      </p:endCondLst>
+                      <p:childTnLst>
+                        <p:par>
+                          <p:cTn id="4" fill="hold">
+                            <p:stCondLst>
+                              <p:cond delay="0"/>
+                            </p:stCondLst>
+                            <p:childTnLst>
+                              <p:par>
+                                <p:cTn id="5" presetID="1" presetClass="entr" presetSubtype="0" fill="hold" nodeType="clickEffect">
+                                  <p:stCondLst>
+                                    <p:cond delay="0"/>
+                                  </p:stCondLst>
+                                  <p:childTnLst>
+                                    <p:set>
+                                      <p:cBhvr>
+                                        <p:cTn id="6" dur="1" fill="hold">
+                                          <p:stCondLst>
+                                            <p:cond delay="0"/>
+                                          </p:stCondLst>
+                                        </p:cTn>
+                                        <p:tgtEl>
+                                          <p:spTgt spid="8"/>
+                                        </p:tgtEl>
+                                        <p:attrNameLst>
+                                          <p:attrName>style.visibility</p:attrName>
+                                        </p:attrNameLst>
+                                      </p:cBhvr>
+                                      <p:to>
+                                        <p:strVal val="visible"/>
+                                      </p:to>
+                                    </p:set>
+                                  </p:childTnLst>
+                                </p:cTn>
+                              </p:par>
+                            </p:childTnLst>
+                          </p:cTn>
+                        </p:par>
+                        <p:par>
+                          <p:cTn id="7" fill="hold">
+                            <p:stCondLst>
+                              <p:cond delay="0"/>
+                            </p:stCondLst>
+                            <p:childTnLst>
+                              <p:par>
+                                <p:cTn id="8" presetID="0" presetClass="path" presetSubtype="0" accel="50000" decel="50000" fill="hold" nodeType="afterEffect">
+                                  <p:stCondLst>
+                                    <p:cond delay="0"/>
+                                  </p:stCondLst>
+                                  <p:childTnLst>
+                                    <p:animMotion origin="layout" path="M -0.00039 -0.00856 L -0.00039 -0.00856 C 0.00378 -0.01389 0.00729 -0.02153 0.01224 -0.02453 L 0.0237 -0.03125 L 0.03138 -0.03588 L 0.03516 -0.03796 C 0.03646 -0.03958 0.03763 -0.04143 0.03893 -0.04259 C 0.04011 -0.04375 0.04154 -0.04375 0.04271 -0.04491 C 0.05586 -0.05787 0.04558 -0.05092 0.05417 -0.05602 C 0.05547 -0.05764 0.05664 -0.05949 0.05808 -0.06065 C 0.06042 -0.0625 0.06563 -0.06504 0.06563 -0.06504 C 0.07435 -0.07546 0.07032 -0.07245 0.07709 -0.07639 C 0.08308 -0.08703 0.07943 -0.08148 0.08854 -0.09236 C 0.08985 -0.09375 0.09089 -0.09583 0.09232 -0.09676 L 0.1 -0.10139 C 0.10599 -0.10856 0.10235 -0.10486 0.11133 -0.11041 L 0.11524 -0.1125 C 0.11654 -0.11342 0.11784 -0.11366 0.11901 -0.11481 C 0.12396 -0.1206 0.12136 -0.11852 0.1267 -0.12153 L 0.14193 -0.10347 L 0.14571 -0.09907 C 0.14701 -0.09745 0.14805 -0.09537 0.14948 -0.09444 L 0.15716 -0.09004 C 0.15847 -0.08935 0.1599 -0.08912 0.16094 -0.08773 L 0.16862 -0.0787 C 0.16992 -0.07731 0.17097 -0.075 0.1724 -0.0743 L 0.18008 -0.06967 C 0.18255 -0.06666 0.18477 -0.06227 0.18763 -0.06065 C 0.19584 -0.05578 0.19336 -0.05949 0.19662 -0.05393 " pathEditMode="relative" ptsTypes="AAAAAAAAAAAAAAAAAAAAAAAAAAAAA">
+                                      <p:cBhvr>
+                                        <p:cTn id="9" dur="1000" fill="hold"/>
+                                        <p:tgtEl>
+                                          <p:spTgt spid="8"/>
+                                        </p:tgtEl>
+                                        <p:attrNameLst>
+                                          <p:attrName>ppt_x</p:attrName>
+                                          <p:attrName>ppt_y</p:attrName>
+                                        </p:attrNameLst>
+                                      </p:cBhvr>
+                                    </p:animMotion>
+                                  </p:childTnLst>
+                                </p:cTn>
+                              </p:par>
+                            </p:childTnLst>
+                          </p:cTn>
+                        </p:par>
+                        <p:par>
+                          <p:cTn id="10" fill="hold">
+                            <p:stCondLst>
+                              <p:cond delay="1000"/>
+                            </p:stCondLst>
+                            <p:childTnLst>
+                              <p:par>
+                                <p:cTn id="11" presetID="1" presetClass="exit" presetSubtype="0" fill="hold" nodeType="afterEffect">
+                                  <p:stCondLst>
+                                    <p:cond delay="0"/>
+                                  </p:stCondLst>
+                                  <p:childTnLst>
+                                    <p:set>
+                                      <p:cBhvr>
+                                        <p:cTn id="12" dur="1" fill="hold">
+                                          <p:stCondLst>
+                                            <p:cond delay="0"/>
+                                          </p:stCondLst>
+                                        </p:cTn>
+                                        <p:tgtEl>
+                                          <p:spTgt spid="8"/>
+                                        </p:tgtEl>
+                                        <p:attrNameLst>
+                                          <p:attrName>style.visibility</p:attrName>
+                                        </p:attrNameLst>
+                                      </p:cBhvr>
+                                      <p:to>
+                                        <p:strVal val="hidden"/>
+                                      </p:to>
+                                    </p:set>
+                                  </p:childTnLst>
+                                </p:cTn>
+                              </p:par>
+                            </p:childTnLst>
+                          </p:cTn>
+                        </p:par>
+                        <p:par>
+                          <p:cTn id="13" fill="hold">
+                            <p:stCondLst>
+                              <p:cond delay="1000"/>
+                            </p:stCondLst>
+                            <p:childTnLst>
+                              <p:par>
+                                <p:cTn id="14" presetID="1" presetClass="entr" presetSubtype="0" fill="hold" nodeType="afterEffect">
+                                  <p:stCondLst>
+                                    <p:cond delay="0"/>
+                                  </p:stCondLst>
+                                  <p:childTnLst>
+                                    <p:set>
+                                      <p:cBhvr>
+                                        <p:cTn id="15" dur="1" fill="hold">
+                                          <p:stCondLst>
+                                            <p:cond delay="0"/>
+                                          </p:stCondLst>
+                                        </p:cTn>
+                                        <p:tgtEl>
+                                          <p:spTgt spid="6"/>
+                                        </p:tgtEl>
+                                        <p:attrNameLst>
+                                          <p:attrName>style.visibility</p:attrName>
+                                        </p:attrNameLst>
+                                      </p:cBhvr>
+                                      <p:to>
+                                        <p:strVal val="visible"/>
+                                      </p:to>
+                                    </p:set>
+                                  </p:childTnLst>
+                                </p:cTn>
+                              </p:par>
+                            </p:childTnLst>
+                          </p:cTn>
+                        </p:par>
+                        <p:par>
+                          <p:cTn id="16" fill="hold">
+                            <p:stCondLst>
+                              <p:cond delay="1000"/>
+                            </p:stCondLst>
+                            <p:childTnLst>
+                              <p:par>
+                                <p:cTn id="17" presetID="0" presetClass="path" presetSubtype="0" accel="50000" decel="50000" fill="hold" nodeType="afterEffect">
+                                  <p:stCondLst>
+                                    <p:cond delay="0"/>
+                                  </p:stCondLst>
+                                  <p:childTnLst>
+                                    <p:animMotion origin="layout" path="M 0.00274 0.00625 L 0.00274 0.00625 C -0.00156 0.00093 -0.00638 -0.003 -0.01003 -0.00949 L -0.02526 -0.0368 C -0.02656 -0.03888 -0.02734 -0.04236 -0.02904 -0.04351 C -0.03034 -0.04421 -0.03177 -0.04467 -0.03294 -0.04583 C -0.04596 -0.05879 -0.03568 -0.05185 -0.0444 -0.05694 C -0.04557 -0.05856 -0.04674 -0.06041 -0.04818 -0.06157 C -0.05065 -0.06342 -0.05351 -0.06342 -0.05573 -0.06597 C -0.05703 -0.06759 -0.0582 -0.06944 -0.05963 -0.0706 C -0.06198 -0.07245 -0.06719 -0.075 -0.06719 -0.075 C -0.06979 -0.0743 -0.0724 -0.0743 -0.07487 -0.07291 C -0.0763 -0.07199 -0.07734 -0.06944 -0.07865 -0.06828 C -0.07982 -0.06736 -0.08125 -0.06689 -0.08242 -0.06597 C -0.08372 -0.06458 -0.0849 -0.06273 -0.08633 -0.06157 C -0.0875 -0.06041 -0.08893 -0.06041 -0.0901 -0.05925 C -0.09271 -0.05671 -0.09479 -0.05208 -0.09766 -0.05023 C -0.09896 -0.04953 -0.10039 -0.04907 -0.10156 -0.04791 C -0.11458 -0.03495 -0.1043 -0.04189 -0.11289 -0.0368 C -0.12174 -0.02638 -0.11771 -0.02939 -0.12435 -0.02546 L -0.13203 -0.01643 C -0.13333 -0.01481 -0.13476 -0.01365 -0.13581 -0.0118 C -0.13711 -0.00949 -0.13815 -0.00694 -0.13958 -0.00509 C -0.14206 -0.00162 -0.14505 0.00024 -0.14726 0.00394 C -0.15195 0.0125 -0.14935 0.00973 -0.15482 0.01297 L -0.17773 0.04005 C -0.17904 0.04167 -0.18008 0.04375 -0.18151 0.04468 L -0.18919 0.04908 L -0.19674 0.05834 " pathEditMode="relative" ptsTypes="AAAAAAAAAAAAAAAAAAAAAAAAAAAAA">
+                                      <p:cBhvr>
+                                        <p:cTn id="18" dur="1000" fill="hold"/>
+                                        <p:tgtEl>
+                                          <p:spTgt spid="6"/>
+                                        </p:tgtEl>
+                                        <p:attrNameLst>
+                                          <p:attrName>ppt_x</p:attrName>
+                                          <p:attrName>ppt_y</p:attrName>
+                                        </p:attrNameLst>
+                                      </p:cBhvr>
+                                    </p:animMotion>
+                                  </p:childTnLst>
+                                </p:cTn>
+                              </p:par>
+                            </p:childTnLst>
+                          </p:cTn>
+                        </p:par>
+                        <p:par>
+                          <p:cTn id="19" fill="hold">
+                            <p:stCondLst>
+                              <p:cond delay="2000"/>
+                            </p:stCondLst>
+                            <p:childTnLst>
+                              <p:par>
+                                <p:cTn id="20" presetID="1" presetClass="exit" presetSubtype="0" fill="hold" nodeType="afterEffect">
+                                  <p:stCondLst>
+                                    <p:cond delay="0"/>
+                                  </p:stCondLst>
+                                  <p:childTnLst>
+                                    <p:set>
+                                      <p:cBhvr>
+                                        <p:cTn id="21" dur="1" fill="hold">
+                                          <p:stCondLst>
+                                            <p:cond delay="0"/>
+                                          </p:stCondLst>
+                                        </p:cTn>
+                                        <p:tgtEl>
+                                          <p:spTgt spid="6"/>
+                                        </p:tgtEl>
+                                        <p:attrNameLst>
+                                          <p:attrName>style.visibility</p:attrName>
+                                        </p:attrNameLst>
+                                      </p:cBhvr>
+                                      <p:to>
+                                        <p:strVal val="hidden"/>
+                                      </p:to>
+                                    </p:set>
+                                  </p:childTnLst>
+                                </p:cTn>
+                              </p:par>
+                            </p:childTnLst>
+                          </p:cTn>
+                        </p:par>
+                      </p:childTnLst>
                     </p:cTn>
-                    <p:tgtEl>
-                      <p:spTgt spid="13"/>
-                    </p:tgtEl>
-                  </p:cMediaNode>
-                </p:audio>
-              </p:childTnLst>
-            </p:cTn>
-          </p:par>
-        </p:tnLst>
-      </p:timing>
-    </mc:Fallback>
-  </mc:AlternateContent>
+                  </p:par>
+                </p:childTnLst>
+              </p:cTn>
+              <p:prevCondLst>
+                <p:cond evt="onPrev" delay="0">
+                  <p:tgtEl>
+                    <p:sldTgt/>
+                  </p:tgtEl>
+                </p:cond>
+              </p:prevCondLst>
+              <p:nextCondLst>
+                <p:cond evt="onNext" delay="0">
+                  <p:tgtEl>
+                    <p:sldTgt/>
+                  </p:tgtEl>
+                </p:cond>
+              </p:nextCondLst>
+            </p:seq>
+          </p:childTnLst>
+        </p:cTn>
+      </p:par>
+    </p:tnLst>
+  </p:timing>
+</p:sld>
+</file>
+
+<file path=ppt/slides/slide24.xml><?xml version="1.0" encoding="utf-8"?>
+<p:sld xmlns:a="http://schemas.openxmlformats.org/drawingml/2006/main" xmlns:r="http://schemas.openxmlformats.org/officeDocument/2006/relationships" xmlns:p="http://schemas.openxmlformats.org/presentationml/2006/main">
+  <p:cSld>
+    <p:spTree>
+      <p:nvGrpSpPr>
+        <p:cNvPr id="1" name=""/>
+        <p:cNvGrpSpPr/>
+        <p:nvPr/>
+      </p:nvGrpSpPr>
+      <p:grpSpPr>
+        <a:xfrm>
+          <a:off x="0" y="0"/>
+          <a:ext cx="0" cy="0"/>
+          <a:chOff x="0" y="0"/>
+          <a:chExt cx="0" cy="0"/>
+        </a:xfrm>
+      </p:grpSpPr>
+      <p:pic>
+        <p:nvPicPr>
+          <p:cNvPr id="5" name="Picture 4">
+            <a:extLst>
+              <a:ext uri="{FF2B5EF4-FFF2-40B4-BE49-F238E27FC236}">
+                <a16:creationId xmlns:a16="http://schemas.microsoft.com/office/drawing/2014/main" id="{BF1C3891-4C34-4943-B756-142B614DB025}"/>
+              </a:ext>
+            </a:extLst>
+          </p:cNvPr>
+          <p:cNvPicPr>
+            <a:picLocks noChangeAspect="1"/>
+          </p:cNvPicPr>
+          <p:nvPr/>
+        </p:nvPicPr>
+        <p:blipFill>
+          <a:blip r:embed="rId2"/>
+          <a:stretch>
+            <a:fillRect/>
+          </a:stretch>
+        </p:blipFill>
+        <p:spPr>
+          <a:xfrm>
+            <a:off x="2403941" y="1781074"/>
+            <a:ext cx="6721728" cy="4587846"/>
+          </a:xfrm>
+          <a:prstGeom prst="rect">
+            <a:avLst/>
+          </a:prstGeom>
+        </p:spPr>
+      </p:pic>
+      <p:pic>
+        <p:nvPicPr>
+          <p:cNvPr id="15" name="Picture 14">
+            <a:extLst>
+              <a:ext uri="{FF2B5EF4-FFF2-40B4-BE49-F238E27FC236}">
+                <a16:creationId xmlns:a16="http://schemas.microsoft.com/office/drawing/2014/main" id="{12445B90-F3BB-C94E-B35C-DA619D0A91EA}"/>
+              </a:ext>
+            </a:extLst>
+          </p:cNvPr>
+          <p:cNvPicPr>
+            <a:picLocks noChangeAspect="1"/>
+          </p:cNvPicPr>
+          <p:nvPr/>
+        </p:nvPicPr>
+        <p:blipFill>
+          <a:blip r:embed="rId3"/>
+          <a:stretch>
+            <a:fillRect/>
+          </a:stretch>
+        </p:blipFill>
+        <p:spPr>
+          <a:xfrm>
+            <a:off x="6872755" y="2462963"/>
+            <a:ext cx="209860" cy="228109"/>
+          </a:xfrm>
+          <a:prstGeom prst="rect">
+            <a:avLst/>
+          </a:prstGeom>
+        </p:spPr>
+      </p:pic>
+      <p:pic>
+        <p:nvPicPr>
+          <p:cNvPr id="16" name="Picture 15">
+            <a:extLst>
+              <a:ext uri="{FF2B5EF4-FFF2-40B4-BE49-F238E27FC236}">
+                <a16:creationId xmlns:a16="http://schemas.microsoft.com/office/drawing/2014/main" id="{0213F761-8D20-774B-A736-622557DC9AC9}"/>
+              </a:ext>
+            </a:extLst>
+          </p:cNvPr>
+          <p:cNvPicPr>
+            <a:picLocks noChangeAspect="1"/>
+          </p:cNvPicPr>
+          <p:nvPr/>
+        </p:nvPicPr>
+        <p:blipFill>
+          <a:blip r:embed="rId4"/>
+          <a:stretch>
+            <a:fillRect/>
+          </a:stretch>
+        </p:blipFill>
+        <p:spPr>
+          <a:xfrm>
+            <a:off x="7082615" y="2577018"/>
+            <a:ext cx="209860" cy="228109"/>
+          </a:xfrm>
+          <a:prstGeom prst="rect">
+            <a:avLst/>
+          </a:prstGeom>
+        </p:spPr>
+      </p:pic>
+      <p:cxnSp>
+        <p:nvCxnSpPr>
+          <p:cNvPr id="10" name="Straight Connector 9">
+            <a:extLst>
+              <a:ext uri="{FF2B5EF4-FFF2-40B4-BE49-F238E27FC236}">
+                <a16:creationId xmlns:a16="http://schemas.microsoft.com/office/drawing/2014/main" id="{8704A948-76D0-B242-BEB4-2AC67301109D}"/>
+              </a:ext>
+            </a:extLst>
+          </p:cNvPr>
+          <p:cNvCxnSpPr>
+            <a:cxnSpLocks/>
+          </p:cNvCxnSpPr>
+          <p:nvPr/>
+        </p:nvCxnSpPr>
+        <p:spPr>
+          <a:xfrm>
+            <a:off x="3560327" y="2758532"/>
+            <a:ext cx="690635" cy="364836"/>
+          </a:xfrm>
+          <a:prstGeom prst="line">
+            <a:avLst/>
+          </a:prstGeom>
+          <a:ln w="12700">
+            <a:solidFill>
+              <a:srgbClr val="FF0000"/>
+            </a:solidFill>
+          </a:ln>
+        </p:spPr>
+        <p:style>
+          <a:lnRef idx="1">
+            <a:schemeClr val="accent1"/>
+          </a:lnRef>
+          <a:fillRef idx="0">
+            <a:schemeClr val="accent1"/>
+          </a:fillRef>
+          <a:effectRef idx="0">
+            <a:schemeClr val="accent1"/>
+          </a:effectRef>
+          <a:fontRef idx="minor">
+            <a:schemeClr val="tx1"/>
+          </a:fontRef>
+        </p:style>
+      </p:cxnSp>
+      <p:cxnSp>
+        <p:nvCxnSpPr>
+          <p:cNvPr id="19" name="Straight Connector 18">
+            <a:extLst>
+              <a:ext uri="{FF2B5EF4-FFF2-40B4-BE49-F238E27FC236}">
+                <a16:creationId xmlns:a16="http://schemas.microsoft.com/office/drawing/2014/main" id="{3F05DA07-0306-1B4A-A486-A33071584EED}"/>
+              </a:ext>
+            </a:extLst>
+          </p:cNvPr>
+          <p:cNvCxnSpPr>
+            <a:cxnSpLocks/>
+          </p:cNvCxnSpPr>
+          <p:nvPr/>
+        </p:nvCxnSpPr>
+        <p:spPr>
+          <a:xfrm>
+            <a:off x="6842227" y="4797196"/>
+            <a:ext cx="690635" cy="364836"/>
+          </a:xfrm>
+          <a:prstGeom prst="line">
+            <a:avLst/>
+          </a:prstGeom>
+          <a:ln w="12700">
+            <a:solidFill>
+              <a:srgbClr val="FF0000"/>
+            </a:solidFill>
+          </a:ln>
+        </p:spPr>
+        <p:style>
+          <a:lnRef idx="1">
+            <a:schemeClr val="accent1"/>
+          </a:lnRef>
+          <a:fillRef idx="0">
+            <a:schemeClr val="accent1"/>
+          </a:fillRef>
+          <a:effectRef idx="0">
+            <a:schemeClr val="accent1"/>
+          </a:effectRef>
+          <a:fontRef idx="minor">
+            <a:schemeClr val="tx1"/>
+          </a:fontRef>
+        </p:style>
+      </p:cxnSp>
+      <p:grpSp>
+        <p:nvGrpSpPr>
+          <p:cNvPr id="11" name="Group 10">
+            <a:extLst>
+              <a:ext uri="{FF2B5EF4-FFF2-40B4-BE49-F238E27FC236}">
+                <a16:creationId xmlns:a16="http://schemas.microsoft.com/office/drawing/2014/main" id="{D2142EB4-B5C8-D146-873C-C50E79275674}"/>
+              </a:ext>
+            </a:extLst>
+          </p:cNvPr>
+          <p:cNvGrpSpPr/>
+          <p:nvPr/>
+        </p:nvGrpSpPr>
+        <p:grpSpPr>
+          <a:xfrm>
+            <a:off x="4593289" y="3558761"/>
+            <a:ext cx="202750" cy="253436"/>
+            <a:chOff x="3886796" y="1428973"/>
+            <a:chExt cx="328366" cy="519866"/>
+          </a:xfrm>
+        </p:grpSpPr>
+        <p:pic>
+          <p:nvPicPr>
+            <p:cNvPr id="12" name="Picture 11">
+              <a:extLst>
+                <a:ext uri="{FF2B5EF4-FFF2-40B4-BE49-F238E27FC236}">
+                  <a16:creationId xmlns:a16="http://schemas.microsoft.com/office/drawing/2014/main" id="{997AA0CD-B4A2-9D4B-B1CC-05021EEF7784}"/>
+                </a:ext>
+              </a:extLst>
+            </p:cNvPr>
+            <p:cNvPicPr>
+              <a:picLocks noChangeAspect="1"/>
+            </p:cNvPicPr>
+            <p:nvPr/>
+          </p:nvPicPr>
+          <p:blipFill>
+            <a:blip r:embed="rId5"/>
+            <a:stretch>
+              <a:fillRect/>
+            </a:stretch>
+          </p:blipFill>
+          <p:spPr>
+            <a:xfrm>
+              <a:off x="3886796" y="1428973"/>
+              <a:ext cx="250306" cy="519866"/>
+            </a:xfrm>
+            <a:prstGeom prst="rect">
+              <a:avLst/>
+            </a:prstGeom>
+          </p:spPr>
+        </p:pic>
+        <p:pic>
+          <p:nvPicPr>
+            <p:cNvPr id="17" name="Picture 16">
+              <a:extLst>
+                <a:ext uri="{FF2B5EF4-FFF2-40B4-BE49-F238E27FC236}">
+                  <a16:creationId xmlns:a16="http://schemas.microsoft.com/office/drawing/2014/main" id="{43F75FF4-305A-A242-9FE3-D1D4E09F9B58}"/>
+                </a:ext>
+              </a:extLst>
+            </p:cNvPr>
+            <p:cNvPicPr>
+              <a:picLocks noChangeAspect="1"/>
+            </p:cNvPicPr>
+            <p:nvPr/>
+          </p:nvPicPr>
+          <p:blipFill>
+            <a:blip r:embed="rId6"/>
+            <a:stretch>
+              <a:fillRect/>
+            </a:stretch>
+          </p:blipFill>
+          <p:spPr>
+            <a:xfrm>
+              <a:off x="4092498" y="1764052"/>
+              <a:ext cx="122664" cy="167856"/>
+            </a:xfrm>
+            <a:prstGeom prst="rect">
+              <a:avLst/>
+            </a:prstGeom>
+          </p:spPr>
+        </p:pic>
+      </p:grpSp>
+      <p:grpSp>
+        <p:nvGrpSpPr>
+          <p:cNvPr id="21" name="Group 20">
+            <a:extLst>
+              <a:ext uri="{FF2B5EF4-FFF2-40B4-BE49-F238E27FC236}">
+                <a16:creationId xmlns:a16="http://schemas.microsoft.com/office/drawing/2014/main" id="{6E3DB72D-5505-1648-A959-F19C24FE454F}"/>
+              </a:ext>
+            </a:extLst>
+          </p:cNvPr>
+          <p:cNvGrpSpPr/>
+          <p:nvPr/>
+        </p:nvGrpSpPr>
+        <p:grpSpPr>
+          <a:xfrm>
+            <a:off x="7961351" y="5543585"/>
+            <a:ext cx="170963" cy="278746"/>
+            <a:chOff x="9788059" y="1412042"/>
+            <a:chExt cx="316138" cy="519866"/>
+          </a:xfrm>
+        </p:grpSpPr>
+        <p:pic>
+          <p:nvPicPr>
+            <p:cNvPr id="22" name="Picture 21">
+              <a:extLst>
+                <a:ext uri="{FF2B5EF4-FFF2-40B4-BE49-F238E27FC236}">
+                  <a16:creationId xmlns:a16="http://schemas.microsoft.com/office/drawing/2014/main" id="{47F7FAC6-4C2E-D64F-9B4B-E0024C8AF2BF}"/>
+                </a:ext>
+              </a:extLst>
+            </p:cNvPr>
+            <p:cNvPicPr>
+              <a:picLocks noChangeAspect="1"/>
+            </p:cNvPicPr>
+            <p:nvPr/>
+          </p:nvPicPr>
+          <p:blipFill>
+            <a:blip r:embed="rId7"/>
+            <a:stretch>
+              <a:fillRect/>
+            </a:stretch>
+          </p:blipFill>
+          <p:spPr>
+            <a:xfrm>
+              <a:off x="9788059" y="1412042"/>
+              <a:ext cx="250306" cy="519866"/>
+            </a:xfrm>
+            <a:prstGeom prst="rect">
+              <a:avLst/>
+            </a:prstGeom>
+          </p:spPr>
+        </p:pic>
+        <p:pic>
+          <p:nvPicPr>
+            <p:cNvPr id="23" name="Picture 22">
+              <a:extLst>
+                <a:ext uri="{FF2B5EF4-FFF2-40B4-BE49-F238E27FC236}">
+                  <a16:creationId xmlns:a16="http://schemas.microsoft.com/office/drawing/2014/main" id="{D3C2BAC6-0EA8-A447-B9CB-57D25178211D}"/>
+                </a:ext>
+              </a:extLst>
+            </p:cNvPr>
+            <p:cNvPicPr>
+              <a:picLocks noChangeAspect="1"/>
+            </p:cNvPicPr>
+            <p:nvPr/>
+          </p:nvPicPr>
+          <p:blipFill>
+            <a:blip r:embed="rId8"/>
+            <a:stretch>
+              <a:fillRect/>
+            </a:stretch>
+          </p:blipFill>
+          <p:spPr>
+            <a:xfrm>
+              <a:off x="9967672" y="1744662"/>
+              <a:ext cx="136525" cy="186824"/>
+            </a:xfrm>
+            <a:prstGeom prst="rect">
+              <a:avLst/>
+            </a:prstGeom>
+          </p:spPr>
+        </p:pic>
+      </p:grpSp>
+      <p:pic>
+        <p:nvPicPr>
+          <p:cNvPr id="26" name="Picture 25">
+            <a:extLst>
+              <a:ext uri="{FF2B5EF4-FFF2-40B4-BE49-F238E27FC236}">
+                <a16:creationId xmlns:a16="http://schemas.microsoft.com/office/drawing/2014/main" id="{659C8BBA-A6C3-1F47-BE68-91DABCD3EDF3}"/>
+              </a:ext>
+            </a:extLst>
+          </p:cNvPr>
+          <p:cNvPicPr>
+            <a:picLocks noChangeAspect="1"/>
+          </p:cNvPicPr>
+          <p:nvPr/>
+        </p:nvPicPr>
+        <p:blipFill>
+          <a:blip r:embed="rId5"/>
+          <a:stretch>
+            <a:fillRect/>
+          </a:stretch>
+        </p:blipFill>
+        <p:spPr>
+          <a:xfrm>
+            <a:off x="6939050" y="2724886"/>
+            <a:ext cx="77269" cy="160482"/>
+          </a:xfrm>
+          <a:prstGeom prst="rect">
+            <a:avLst/>
+          </a:prstGeom>
+        </p:spPr>
+      </p:pic>
+      <p:pic>
+        <p:nvPicPr>
+          <p:cNvPr id="27" name="Picture 26">
+            <a:extLst>
+              <a:ext uri="{FF2B5EF4-FFF2-40B4-BE49-F238E27FC236}">
+                <a16:creationId xmlns:a16="http://schemas.microsoft.com/office/drawing/2014/main" id="{1CB4A070-D041-4C4E-91F4-09916818AC8A}"/>
+              </a:ext>
+            </a:extLst>
+          </p:cNvPr>
+          <p:cNvPicPr>
+            <a:picLocks noChangeAspect="1"/>
+          </p:cNvPicPr>
+          <p:nvPr/>
+        </p:nvPicPr>
+        <p:blipFill>
+          <a:blip r:embed="rId7"/>
+          <a:stretch>
+            <a:fillRect/>
+          </a:stretch>
+        </p:blipFill>
+        <p:spPr>
+          <a:xfrm>
+            <a:off x="7138141" y="2816577"/>
+            <a:ext cx="98805" cy="205210"/>
+          </a:xfrm>
+          <a:prstGeom prst="rect">
+            <a:avLst/>
+          </a:prstGeom>
+        </p:spPr>
+      </p:pic>
+      <p:sp>
+        <p:nvSpPr>
+          <p:cNvPr id="20" name="TextBox 19">
+            <a:extLst>
+              <a:ext uri="{FF2B5EF4-FFF2-40B4-BE49-F238E27FC236}">
+                <a16:creationId xmlns:a16="http://schemas.microsoft.com/office/drawing/2014/main" id="{B3F21F26-F996-1D42-BB9B-905DE2529413}"/>
+              </a:ext>
+            </a:extLst>
+          </p:cNvPr>
+          <p:cNvSpPr txBox="1"/>
+          <p:nvPr/>
+        </p:nvSpPr>
+        <p:spPr>
+          <a:xfrm>
+            <a:off x="4560260" y="3024730"/>
+            <a:ext cx="689612" cy="261610"/>
+          </a:xfrm>
+          <a:prstGeom prst="rect">
+            <a:avLst/>
+          </a:prstGeom>
+          <a:noFill/>
+        </p:spPr>
+        <p:txBody>
+          <a:bodyPr wrap="none" rtlCol="0">
+            <a:spAutoFit/>
+          </a:bodyPr>
+          <a:lstStyle/>
+          <a:p>
+            <a:r>
+              <a:rPr lang="en-US" sz="1100" b="1" dirty="0">
+                <a:solidFill>
+                  <a:schemeClr val="bg1"/>
+                </a:solidFill>
+              </a:rPr>
+              <a:t>1009287</a:t>
+            </a:r>
+          </a:p>
+        </p:txBody>
+      </p:sp>
+      <p:sp>
+        <p:nvSpPr>
+          <p:cNvPr id="24" name="TextBox 23">
+            <a:extLst>
+              <a:ext uri="{FF2B5EF4-FFF2-40B4-BE49-F238E27FC236}">
+                <a16:creationId xmlns:a16="http://schemas.microsoft.com/office/drawing/2014/main" id="{D63B2800-0A3C-474F-9517-EFEEAE1322A0}"/>
+              </a:ext>
+            </a:extLst>
+          </p:cNvPr>
+          <p:cNvSpPr txBox="1"/>
+          <p:nvPr/>
+        </p:nvSpPr>
+        <p:spPr>
+          <a:xfrm>
+            <a:off x="7750592" y="5057096"/>
+            <a:ext cx="689612" cy="261610"/>
+          </a:xfrm>
+          <a:prstGeom prst="rect">
+            <a:avLst/>
+          </a:prstGeom>
+          <a:noFill/>
+        </p:spPr>
+        <p:txBody>
+          <a:bodyPr wrap="none" rtlCol="0">
+            <a:spAutoFit/>
+          </a:bodyPr>
+          <a:lstStyle/>
+          <a:p>
+            <a:r>
+              <a:rPr lang="en-US" sz="1100" b="1" dirty="0">
+                <a:solidFill>
+                  <a:schemeClr val="bg1"/>
+                </a:solidFill>
+              </a:rPr>
+              <a:t>1339500</a:t>
+            </a:r>
+          </a:p>
+        </p:txBody>
+      </p:sp>
+      <p:sp>
+        <p:nvSpPr>
+          <p:cNvPr id="28" name="TextBox 27">
+            <a:extLst>
+              <a:ext uri="{FF2B5EF4-FFF2-40B4-BE49-F238E27FC236}">
+                <a16:creationId xmlns:a16="http://schemas.microsoft.com/office/drawing/2014/main" id="{165B2BF9-37A1-654F-A756-4C2C7B986690}"/>
+              </a:ext>
+            </a:extLst>
+          </p:cNvPr>
+          <p:cNvSpPr txBox="1"/>
+          <p:nvPr/>
+        </p:nvSpPr>
+        <p:spPr>
+          <a:xfrm>
+            <a:off x="0" y="482505"/>
+            <a:ext cx="2632772" cy="461665"/>
+          </a:xfrm>
+          <a:prstGeom prst="rect">
+            <a:avLst/>
+          </a:prstGeom>
+          <a:noFill/>
+        </p:spPr>
+        <p:txBody>
+          <a:bodyPr wrap="none" rtlCol="0">
+            <a:spAutoFit/>
+          </a:bodyPr>
+          <a:lstStyle/>
+          <a:p>
+            <a:r>
+              <a:rPr lang="en-US" sz="2400" dirty="0">
+                <a:solidFill>
+                  <a:schemeClr val="bg1"/>
+                </a:solidFill>
+              </a:rPr>
+              <a:t>RECEIVE MESSAGES</a:t>
+            </a:r>
+          </a:p>
+        </p:txBody>
+      </p:sp>
+      <p:sp>
+        <p:nvSpPr>
+          <p:cNvPr id="29" name="TextBox 28">
+            <a:extLst>
+              <a:ext uri="{FF2B5EF4-FFF2-40B4-BE49-F238E27FC236}">
+                <a16:creationId xmlns:a16="http://schemas.microsoft.com/office/drawing/2014/main" id="{F46B668A-A047-544C-815F-F61CA45B1304}"/>
+              </a:ext>
+            </a:extLst>
+          </p:cNvPr>
+          <p:cNvSpPr txBox="1"/>
+          <p:nvPr/>
+        </p:nvSpPr>
+        <p:spPr>
+          <a:xfrm>
+            <a:off x="0" y="15498"/>
+            <a:ext cx="3681521" cy="461665"/>
+          </a:xfrm>
+          <a:prstGeom prst="rect">
+            <a:avLst/>
+          </a:prstGeom>
+          <a:noFill/>
+        </p:spPr>
+        <p:txBody>
+          <a:bodyPr wrap="none" rtlCol="0">
+            <a:spAutoFit/>
+          </a:bodyPr>
+          <a:lstStyle/>
+          <a:p>
+            <a:r>
+              <a:rPr lang="en-US" sz="2400" dirty="0">
+                <a:solidFill>
+                  <a:schemeClr val="bg1"/>
+                </a:solidFill>
+              </a:rPr>
+              <a:t>MESSAGE PASSING PROJECT</a:t>
+            </a:r>
+          </a:p>
+        </p:txBody>
+      </p:sp>
+      <p:pic>
+        <p:nvPicPr>
+          <p:cNvPr id="6" name="Graphic 5" descr="Marketing">
+            <a:extLst>
+              <a:ext uri="{FF2B5EF4-FFF2-40B4-BE49-F238E27FC236}">
+                <a16:creationId xmlns:a16="http://schemas.microsoft.com/office/drawing/2014/main" id="{A95A875C-C4CB-8341-929B-A3D3E403738D}"/>
+              </a:ext>
+            </a:extLst>
+          </p:cNvPr>
+          <p:cNvPicPr>
+            <a:picLocks noChangeAspect="1"/>
+          </p:cNvPicPr>
+          <p:nvPr/>
+        </p:nvPicPr>
+        <p:blipFill>
+          <a:blip r:embed="rId9">
+            <a:extLst>
+              <a:ext uri="{96DAC541-7B7A-43D3-8B79-37D633B846F1}">
+                <asvg:svgBlip xmlns:asvg="http://schemas.microsoft.com/office/drawing/2016/SVG/main" r:embed="rId10"/>
+              </a:ext>
+            </a:extLst>
+          </a:blip>
+          <a:stretch>
+            <a:fillRect/>
+          </a:stretch>
+        </p:blipFill>
+        <p:spPr>
+          <a:xfrm flipH="1">
+            <a:off x="6642936" y="2166622"/>
+            <a:ext cx="439679" cy="478627"/>
+          </a:xfrm>
+          <a:prstGeom prst="rect">
+            <a:avLst/>
+          </a:prstGeom>
+        </p:spPr>
+      </p:pic>
+      <p:pic>
+        <p:nvPicPr>
+          <p:cNvPr id="8" name="Graphic 7" descr="Question mark">
+            <a:extLst>
+              <a:ext uri="{FF2B5EF4-FFF2-40B4-BE49-F238E27FC236}">
+                <a16:creationId xmlns:a16="http://schemas.microsoft.com/office/drawing/2014/main" id="{73C5FE55-DD48-4D43-A93E-28E6890BF1B5}"/>
+              </a:ext>
+            </a:extLst>
+          </p:cNvPr>
+          <p:cNvPicPr>
+            <a:picLocks noChangeAspect="1"/>
+          </p:cNvPicPr>
+          <p:nvPr/>
+        </p:nvPicPr>
+        <p:blipFill>
+          <a:blip r:embed="rId11">
+            <a:extLst>
+              <a:ext uri="{96DAC541-7B7A-43D3-8B79-37D633B846F1}">
+                <asvg:svgBlip xmlns:asvg="http://schemas.microsoft.com/office/drawing/2016/SVG/main" r:embed="rId12"/>
+              </a:ext>
+            </a:extLst>
+          </a:blip>
+          <a:stretch>
+            <a:fillRect/>
+          </a:stretch>
+        </p:blipFill>
+        <p:spPr>
+          <a:xfrm>
+            <a:off x="4285607" y="2496050"/>
+            <a:ext cx="457671" cy="457671"/>
+          </a:xfrm>
+          <a:prstGeom prst="rect">
+            <a:avLst/>
+          </a:prstGeom>
+        </p:spPr>
+      </p:pic>
+    </p:spTree>
+    <p:extLst>
+      <p:ext uri="{BB962C8B-B14F-4D97-AF65-F5344CB8AC3E}">
+        <p14:creationId xmlns:p14="http://schemas.microsoft.com/office/powerpoint/2010/main" val="3419921091"/>
+      </p:ext>
+    </p:extLst>
+  </p:cSld>
+  <p:clrMapOvr>
+    <a:masterClrMapping/>
+  </p:clrMapOvr>
+  <p:timing>
+    <p:tnLst>
+      <p:par>
+        <p:cTn id="1" dur="indefinite" restart="never" nodeType="tmRoot">
+          <p:childTnLst>
+            <p:seq concurrent="1" nextAc="seek">
+              <p:cTn id="2" dur="indefinite" nodeType="mainSeq">
+                <p:childTnLst>
+                  <p:par>
+                    <p:cTn id="3" fill="hold">
+                      <p:stCondLst>
+                        <p:cond delay="indefinite"/>
+                      </p:stCondLst>
+                      <p:childTnLst>
+                        <p:par>
+                          <p:cTn id="4" fill="hold">
+                            <p:stCondLst>
+                              <p:cond delay="0"/>
+                            </p:stCondLst>
+                            <p:childTnLst>
+                              <p:par>
+                                <p:cTn id="5" presetID="1" presetClass="entr" presetSubtype="0" fill="hold" nodeType="clickEffect">
+                                  <p:stCondLst>
+                                    <p:cond delay="0"/>
+                                  </p:stCondLst>
+                                  <p:childTnLst>
+                                    <p:set>
+                                      <p:cBhvr>
+                                        <p:cTn id="6" dur="1" fill="hold">
+                                          <p:stCondLst>
+                                            <p:cond delay="0"/>
+                                          </p:stCondLst>
+                                        </p:cTn>
+                                        <p:tgtEl>
+                                          <p:spTgt spid="8"/>
+                                        </p:tgtEl>
+                                        <p:attrNameLst>
+                                          <p:attrName>style.visibility</p:attrName>
+                                        </p:attrNameLst>
+                                      </p:cBhvr>
+                                      <p:to>
+                                        <p:strVal val="visible"/>
+                                      </p:to>
+                                    </p:set>
+                                  </p:childTnLst>
+                                </p:cTn>
+                              </p:par>
+                            </p:childTnLst>
+                          </p:cTn>
+                        </p:par>
+                        <p:par>
+                          <p:cTn id="7" fill="hold">
+                            <p:stCondLst>
+                              <p:cond delay="0"/>
+                            </p:stCondLst>
+                            <p:childTnLst>
+                              <p:par>
+                                <p:cTn id="8" presetID="0" presetClass="path" presetSubtype="0" accel="50000" decel="50000" fill="hold" nodeType="afterEffect">
+                                  <p:stCondLst>
+                                    <p:cond delay="0"/>
+                                  </p:stCondLst>
+                                  <p:childTnLst>
+                                    <p:animMotion origin="layout" path="M -0.00039 -0.00856 L -0.00039 -0.00856 C 0.00378 -0.01389 0.00729 -0.02153 0.01224 -0.02453 L 0.0237 -0.03125 L 0.03138 -0.03588 L 0.03516 -0.03796 C 0.03646 -0.03958 0.03763 -0.04143 0.03893 -0.04259 C 0.04011 -0.04375 0.04154 -0.04375 0.04271 -0.04491 C 0.05586 -0.05787 0.04558 -0.05092 0.05417 -0.05602 C 0.05547 -0.05764 0.05664 -0.05949 0.05808 -0.06065 C 0.06042 -0.0625 0.06563 -0.06504 0.06563 -0.06504 C 0.07435 -0.07546 0.07032 -0.07245 0.07709 -0.07639 C 0.08308 -0.08703 0.07943 -0.08148 0.08854 -0.09236 C 0.08985 -0.09375 0.09089 -0.09583 0.09232 -0.09676 L 0.1 -0.10139 C 0.10599 -0.10856 0.10235 -0.10486 0.11133 -0.11041 L 0.11524 -0.1125 C 0.11654 -0.11342 0.11784 -0.11366 0.11901 -0.11481 C 0.12396 -0.1206 0.12136 -0.11852 0.1267 -0.12153 L 0.14193 -0.10347 L 0.14571 -0.09907 C 0.14701 -0.09745 0.14805 -0.09537 0.14948 -0.09444 L 0.15716 -0.09004 C 0.15847 -0.08935 0.1599 -0.08912 0.16094 -0.08773 L 0.16862 -0.0787 C 0.16992 -0.07731 0.17097 -0.075 0.1724 -0.0743 L 0.18008 -0.06967 C 0.18255 -0.06666 0.18477 -0.06227 0.18763 -0.06065 C 0.19584 -0.05578 0.19336 -0.05949 0.19662 -0.05393 " pathEditMode="relative" ptsTypes="AAAAAAAAAAAAAAAAAAAAAAAAAAAAA">
+                                      <p:cBhvr>
+                                        <p:cTn id="9" dur="1000" fill="hold"/>
+                                        <p:tgtEl>
+                                          <p:spTgt spid="8"/>
+                                        </p:tgtEl>
+                                        <p:attrNameLst>
+                                          <p:attrName>ppt_x</p:attrName>
+                                          <p:attrName>ppt_y</p:attrName>
+                                        </p:attrNameLst>
+                                      </p:cBhvr>
+                                    </p:animMotion>
+                                  </p:childTnLst>
+                                </p:cTn>
+                              </p:par>
+                            </p:childTnLst>
+                          </p:cTn>
+                        </p:par>
+                        <p:par>
+                          <p:cTn id="10" fill="hold">
+                            <p:stCondLst>
+                              <p:cond delay="1000"/>
+                            </p:stCondLst>
+                            <p:childTnLst>
+                              <p:par>
+                                <p:cTn id="11" presetID="1" presetClass="exit" presetSubtype="0" fill="hold" nodeType="afterEffect">
+                                  <p:stCondLst>
+                                    <p:cond delay="0"/>
+                                  </p:stCondLst>
+                                  <p:childTnLst>
+                                    <p:set>
+                                      <p:cBhvr>
+                                        <p:cTn id="12" dur="1" fill="hold">
+                                          <p:stCondLst>
+                                            <p:cond delay="0"/>
+                                          </p:stCondLst>
+                                        </p:cTn>
+                                        <p:tgtEl>
+                                          <p:spTgt spid="8"/>
+                                        </p:tgtEl>
+                                        <p:attrNameLst>
+                                          <p:attrName>style.visibility</p:attrName>
+                                        </p:attrNameLst>
+                                      </p:cBhvr>
+                                      <p:to>
+                                        <p:strVal val="hidden"/>
+                                      </p:to>
+                                    </p:set>
+                                  </p:childTnLst>
+                                </p:cTn>
+                              </p:par>
+                            </p:childTnLst>
+                          </p:cTn>
+                        </p:par>
+                        <p:par>
+                          <p:cTn id="13" fill="hold">
+                            <p:stCondLst>
+                              <p:cond delay="1000"/>
+                            </p:stCondLst>
+                            <p:childTnLst>
+                              <p:par>
+                                <p:cTn id="14" presetID="1" presetClass="entr" presetSubtype="0" fill="hold" nodeType="afterEffect">
+                                  <p:stCondLst>
+                                    <p:cond delay="0"/>
+                                  </p:stCondLst>
+                                  <p:childTnLst>
+                                    <p:set>
+                                      <p:cBhvr>
+                                        <p:cTn id="15" dur="1" fill="hold">
+                                          <p:stCondLst>
+                                            <p:cond delay="0"/>
+                                          </p:stCondLst>
+                                        </p:cTn>
+                                        <p:tgtEl>
+                                          <p:spTgt spid="6"/>
+                                        </p:tgtEl>
+                                        <p:attrNameLst>
+                                          <p:attrName>style.visibility</p:attrName>
+                                        </p:attrNameLst>
+                                      </p:cBhvr>
+                                      <p:to>
+                                        <p:strVal val="visible"/>
+                                      </p:to>
+                                    </p:set>
+                                  </p:childTnLst>
+                                </p:cTn>
+                              </p:par>
+                            </p:childTnLst>
+                          </p:cTn>
+                        </p:par>
+                        <p:par>
+                          <p:cTn id="16" fill="hold">
+                            <p:stCondLst>
+                              <p:cond delay="1000"/>
+                            </p:stCondLst>
+                            <p:childTnLst>
+                              <p:par>
+                                <p:cTn id="17" presetID="0" presetClass="path" presetSubtype="0" accel="50000" decel="50000" fill="hold" nodeType="afterEffect">
+                                  <p:stCondLst>
+                                    <p:cond delay="0"/>
+                                  </p:stCondLst>
+                                  <p:childTnLst>
+                                    <p:animMotion origin="layout" path="M 0.00274 0.00625 L 0.00274 0.00625 C -0.00156 0.00093 -0.00638 -0.003 -0.01003 -0.00949 L -0.02526 -0.0368 C -0.02656 -0.03888 -0.02734 -0.04236 -0.02904 -0.04351 C -0.03034 -0.04421 -0.03177 -0.04467 -0.03294 -0.04583 C -0.04596 -0.05879 -0.03568 -0.05185 -0.0444 -0.05694 C -0.04557 -0.05856 -0.04674 -0.06041 -0.04818 -0.06157 C -0.05065 -0.06342 -0.05351 -0.06342 -0.05573 -0.06597 C -0.05703 -0.06759 -0.0582 -0.06944 -0.05963 -0.0706 C -0.06198 -0.07245 -0.06719 -0.075 -0.06719 -0.075 C -0.06979 -0.0743 -0.0724 -0.0743 -0.07487 -0.07291 C -0.0763 -0.07199 -0.07734 -0.06944 -0.07865 -0.06828 C -0.07982 -0.06736 -0.08125 -0.06689 -0.08242 -0.06597 C -0.08372 -0.06458 -0.0849 -0.06273 -0.08633 -0.06157 C -0.0875 -0.06041 -0.08893 -0.06041 -0.0901 -0.05925 C -0.09271 -0.05671 -0.09479 -0.05208 -0.09766 -0.05023 C -0.09896 -0.04953 -0.10039 -0.04907 -0.10156 -0.04791 C -0.11458 -0.03495 -0.1043 -0.04189 -0.11289 -0.0368 C -0.12174 -0.02638 -0.11771 -0.02939 -0.12435 -0.02546 L -0.13203 -0.01643 C -0.13333 -0.01481 -0.13476 -0.01365 -0.13581 -0.0118 C -0.13711 -0.00949 -0.13815 -0.00694 -0.13958 -0.00509 C -0.14206 -0.00162 -0.14505 0.00024 -0.14726 0.00394 C -0.15195 0.0125 -0.14935 0.00973 -0.15482 0.01297 L -0.17773 0.04005 C -0.17904 0.04167 -0.18008 0.04375 -0.18151 0.04468 L -0.18919 0.04908 L -0.19674 0.05834 " pathEditMode="relative" ptsTypes="AAAAAAAAAAAAAAAAAAAAAAAAAAAAA">
+                                      <p:cBhvr>
+                                        <p:cTn id="18" dur="1000" fill="hold"/>
+                                        <p:tgtEl>
+                                          <p:spTgt spid="6"/>
+                                        </p:tgtEl>
+                                        <p:attrNameLst>
+                                          <p:attrName>ppt_x</p:attrName>
+                                          <p:attrName>ppt_y</p:attrName>
+                                        </p:attrNameLst>
+                                      </p:cBhvr>
+                                    </p:animMotion>
+                                  </p:childTnLst>
+                                </p:cTn>
+                              </p:par>
+                            </p:childTnLst>
+                          </p:cTn>
+                        </p:par>
+                        <p:par>
+                          <p:cTn id="19" fill="hold">
+                            <p:stCondLst>
+                              <p:cond delay="2000"/>
+                            </p:stCondLst>
+                            <p:childTnLst>
+                              <p:par>
+                                <p:cTn id="20" presetID="1" presetClass="exit" presetSubtype="0" fill="hold" nodeType="afterEffect">
+                                  <p:stCondLst>
+                                    <p:cond delay="0"/>
+                                  </p:stCondLst>
+                                  <p:childTnLst>
+                                    <p:set>
+                                      <p:cBhvr>
+                                        <p:cTn id="21" dur="1" fill="hold">
+                                          <p:stCondLst>
+                                            <p:cond delay="0"/>
+                                          </p:stCondLst>
+                                        </p:cTn>
+                                        <p:tgtEl>
+                                          <p:spTgt spid="6"/>
+                                        </p:tgtEl>
+                                        <p:attrNameLst>
+                                          <p:attrName>style.visibility</p:attrName>
+                                        </p:attrNameLst>
+                                      </p:cBhvr>
+                                      <p:to>
+                                        <p:strVal val="hidden"/>
+                                      </p:to>
+                                    </p:set>
+                                  </p:childTnLst>
+                                </p:cTn>
+                              </p:par>
+                            </p:childTnLst>
+                          </p:cTn>
+                        </p:par>
+                      </p:childTnLst>
+                    </p:cTn>
+                  </p:par>
+                </p:childTnLst>
+              </p:cTn>
+              <p:prevCondLst>
+                <p:cond evt="onPrev" delay="0">
+                  <p:tgtEl>
+                    <p:sldTgt/>
+                  </p:tgtEl>
+                </p:cond>
+              </p:prevCondLst>
+              <p:nextCondLst>
+                <p:cond evt="onNext" delay="0">
+                  <p:tgtEl>
+                    <p:sldTgt/>
+                  </p:tgtEl>
+                </p:cond>
+              </p:nextCondLst>
+            </p:seq>
+          </p:childTnLst>
+        </p:cTn>
+      </p:par>
+    </p:tnLst>
+  </p:timing>
+</p:sld>
+</file>
+
+<file path=ppt/slides/slide25.xml><?xml version="1.0" encoding="utf-8"?>
+<p:sld xmlns:a="http://schemas.openxmlformats.org/drawingml/2006/main" xmlns:r="http://schemas.openxmlformats.org/officeDocument/2006/relationships" xmlns:p="http://schemas.openxmlformats.org/presentationml/2006/main">
+  <p:cSld>
+    <p:spTree>
+      <p:nvGrpSpPr>
+        <p:cNvPr id="1" name=""/>
+        <p:cNvGrpSpPr/>
+        <p:nvPr/>
+      </p:nvGrpSpPr>
+      <p:grpSpPr>
+        <a:xfrm>
+          <a:off x="0" y="0"/>
+          <a:ext cx="0" cy="0"/>
+          <a:chOff x="0" y="0"/>
+          <a:chExt cx="0" cy="0"/>
+        </a:xfrm>
+      </p:grpSpPr>
+      <p:pic>
+        <p:nvPicPr>
+          <p:cNvPr id="5" name="Picture 4">
+            <a:extLst>
+              <a:ext uri="{FF2B5EF4-FFF2-40B4-BE49-F238E27FC236}">
+                <a16:creationId xmlns:a16="http://schemas.microsoft.com/office/drawing/2014/main" id="{BF1C3891-4C34-4943-B756-142B614DB025}"/>
+              </a:ext>
+            </a:extLst>
+          </p:cNvPr>
+          <p:cNvPicPr>
+            <a:picLocks noChangeAspect="1"/>
+          </p:cNvPicPr>
+          <p:nvPr/>
+        </p:nvPicPr>
+        <p:blipFill>
+          <a:blip r:embed="rId2"/>
+          <a:stretch>
+            <a:fillRect/>
+          </a:stretch>
+        </p:blipFill>
+        <p:spPr>
+          <a:xfrm>
+            <a:off x="2403941" y="1781074"/>
+            <a:ext cx="6721728" cy="4587846"/>
+          </a:xfrm>
+          <a:prstGeom prst="rect">
+            <a:avLst/>
+          </a:prstGeom>
+        </p:spPr>
+      </p:pic>
+      <p:pic>
+        <p:nvPicPr>
+          <p:cNvPr id="15" name="Picture 14">
+            <a:extLst>
+              <a:ext uri="{FF2B5EF4-FFF2-40B4-BE49-F238E27FC236}">
+                <a16:creationId xmlns:a16="http://schemas.microsoft.com/office/drawing/2014/main" id="{12445B90-F3BB-C94E-B35C-DA619D0A91EA}"/>
+              </a:ext>
+            </a:extLst>
+          </p:cNvPr>
+          <p:cNvPicPr>
+            <a:picLocks noChangeAspect="1"/>
+          </p:cNvPicPr>
+          <p:nvPr/>
+        </p:nvPicPr>
+        <p:blipFill>
+          <a:blip r:embed="rId3"/>
+          <a:stretch>
+            <a:fillRect/>
+          </a:stretch>
+        </p:blipFill>
+        <p:spPr>
+          <a:xfrm>
+            <a:off x="6872755" y="2462963"/>
+            <a:ext cx="209860" cy="228109"/>
+          </a:xfrm>
+          <a:prstGeom prst="rect">
+            <a:avLst/>
+          </a:prstGeom>
+        </p:spPr>
+      </p:pic>
+      <p:pic>
+        <p:nvPicPr>
+          <p:cNvPr id="16" name="Picture 15">
+            <a:extLst>
+              <a:ext uri="{FF2B5EF4-FFF2-40B4-BE49-F238E27FC236}">
+                <a16:creationId xmlns:a16="http://schemas.microsoft.com/office/drawing/2014/main" id="{0213F761-8D20-774B-A736-622557DC9AC9}"/>
+              </a:ext>
+            </a:extLst>
+          </p:cNvPr>
+          <p:cNvPicPr>
+            <a:picLocks noChangeAspect="1"/>
+          </p:cNvPicPr>
+          <p:nvPr/>
+        </p:nvPicPr>
+        <p:blipFill>
+          <a:blip r:embed="rId4"/>
+          <a:stretch>
+            <a:fillRect/>
+          </a:stretch>
+        </p:blipFill>
+        <p:spPr>
+          <a:xfrm>
+            <a:off x="7082615" y="2577018"/>
+            <a:ext cx="209860" cy="228109"/>
+          </a:xfrm>
+          <a:prstGeom prst="rect">
+            <a:avLst/>
+          </a:prstGeom>
+        </p:spPr>
+      </p:pic>
+      <p:cxnSp>
+        <p:nvCxnSpPr>
+          <p:cNvPr id="10" name="Straight Connector 9">
+            <a:extLst>
+              <a:ext uri="{FF2B5EF4-FFF2-40B4-BE49-F238E27FC236}">
+                <a16:creationId xmlns:a16="http://schemas.microsoft.com/office/drawing/2014/main" id="{8704A948-76D0-B242-BEB4-2AC67301109D}"/>
+              </a:ext>
+            </a:extLst>
+          </p:cNvPr>
+          <p:cNvCxnSpPr>
+            <a:cxnSpLocks/>
+          </p:cNvCxnSpPr>
+          <p:nvPr/>
+        </p:nvCxnSpPr>
+        <p:spPr>
+          <a:xfrm>
+            <a:off x="3560327" y="2758532"/>
+            <a:ext cx="690635" cy="364836"/>
+          </a:xfrm>
+          <a:prstGeom prst="line">
+            <a:avLst/>
+          </a:prstGeom>
+          <a:ln w="12700">
+            <a:solidFill>
+              <a:srgbClr val="FF0000"/>
+            </a:solidFill>
+          </a:ln>
+        </p:spPr>
+        <p:style>
+          <a:lnRef idx="1">
+            <a:schemeClr val="accent1"/>
+          </a:lnRef>
+          <a:fillRef idx="0">
+            <a:schemeClr val="accent1"/>
+          </a:fillRef>
+          <a:effectRef idx="0">
+            <a:schemeClr val="accent1"/>
+          </a:effectRef>
+          <a:fontRef idx="minor">
+            <a:schemeClr val="tx1"/>
+          </a:fontRef>
+        </p:style>
+      </p:cxnSp>
+      <p:cxnSp>
+        <p:nvCxnSpPr>
+          <p:cNvPr id="19" name="Straight Connector 18">
+            <a:extLst>
+              <a:ext uri="{FF2B5EF4-FFF2-40B4-BE49-F238E27FC236}">
+                <a16:creationId xmlns:a16="http://schemas.microsoft.com/office/drawing/2014/main" id="{3F05DA07-0306-1B4A-A486-A33071584EED}"/>
+              </a:ext>
+            </a:extLst>
+          </p:cNvPr>
+          <p:cNvCxnSpPr>
+            <a:cxnSpLocks/>
+          </p:cNvCxnSpPr>
+          <p:nvPr/>
+        </p:nvCxnSpPr>
+        <p:spPr>
+          <a:xfrm>
+            <a:off x="6842227" y="4797196"/>
+            <a:ext cx="690635" cy="364836"/>
+          </a:xfrm>
+          <a:prstGeom prst="line">
+            <a:avLst/>
+          </a:prstGeom>
+          <a:ln w="12700">
+            <a:solidFill>
+              <a:srgbClr val="FF0000"/>
+            </a:solidFill>
+          </a:ln>
+        </p:spPr>
+        <p:style>
+          <a:lnRef idx="1">
+            <a:schemeClr val="accent1"/>
+          </a:lnRef>
+          <a:fillRef idx="0">
+            <a:schemeClr val="accent1"/>
+          </a:fillRef>
+          <a:effectRef idx="0">
+            <a:schemeClr val="accent1"/>
+          </a:effectRef>
+          <a:fontRef idx="minor">
+            <a:schemeClr val="tx1"/>
+          </a:fontRef>
+        </p:style>
+      </p:cxnSp>
+      <p:grpSp>
+        <p:nvGrpSpPr>
+          <p:cNvPr id="11" name="Group 10">
+            <a:extLst>
+              <a:ext uri="{FF2B5EF4-FFF2-40B4-BE49-F238E27FC236}">
+                <a16:creationId xmlns:a16="http://schemas.microsoft.com/office/drawing/2014/main" id="{D2142EB4-B5C8-D146-873C-C50E79275674}"/>
+              </a:ext>
+            </a:extLst>
+          </p:cNvPr>
+          <p:cNvGrpSpPr/>
+          <p:nvPr/>
+        </p:nvGrpSpPr>
+        <p:grpSpPr>
+          <a:xfrm>
+            <a:off x="4593289" y="3558761"/>
+            <a:ext cx="202750" cy="253436"/>
+            <a:chOff x="3886796" y="1428973"/>
+            <a:chExt cx="328366" cy="519866"/>
+          </a:xfrm>
+        </p:grpSpPr>
+        <p:pic>
+          <p:nvPicPr>
+            <p:cNvPr id="12" name="Picture 11">
+              <a:extLst>
+                <a:ext uri="{FF2B5EF4-FFF2-40B4-BE49-F238E27FC236}">
+                  <a16:creationId xmlns:a16="http://schemas.microsoft.com/office/drawing/2014/main" id="{997AA0CD-B4A2-9D4B-B1CC-05021EEF7784}"/>
+                </a:ext>
+              </a:extLst>
+            </p:cNvPr>
+            <p:cNvPicPr>
+              <a:picLocks noChangeAspect="1"/>
+            </p:cNvPicPr>
+            <p:nvPr/>
+          </p:nvPicPr>
+          <p:blipFill>
+            <a:blip r:embed="rId5"/>
+            <a:stretch>
+              <a:fillRect/>
+            </a:stretch>
+          </p:blipFill>
+          <p:spPr>
+            <a:xfrm>
+              <a:off x="3886796" y="1428973"/>
+              <a:ext cx="250306" cy="519866"/>
+            </a:xfrm>
+            <a:prstGeom prst="rect">
+              <a:avLst/>
+            </a:prstGeom>
+          </p:spPr>
+        </p:pic>
+        <p:pic>
+          <p:nvPicPr>
+            <p:cNvPr id="17" name="Picture 16">
+              <a:extLst>
+                <a:ext uri="{FF2B5EF4-FFF2-40B4-BE49-F238E27FC236}">
+                  <a16:creationId xmlns:a16="http://schemas.microsoft.com/office/drawing/2014/main" id="{43F75FF4-305A-A242-9FE3-D1D4E09F9B58}"/>
+                </a:ext>
+              </a:extLst>
+            </p:cNvPr>
+            <p:cNvPicPr>
+              <a:picLocks noChangeAspect="1"/>
+            </p:cNvPicPr>
+            <p:nvPr/>
+          </p:nvPicPr>
+          <p:blipFill>
+            <a:blip r:embed="rId6"/>
+            <a:stretch>
+              <a:fillRect/>
+            </a:stretch>
+          </p:blipFill>
+          <p:spPr>
+            <a:xfrm>
+              <a:off x="4092498" y="1764052"/>
+              <a:ext cx="122664" cy="167856"/>
+            </a:xfrm>
+            <a:prstGeom prst="rect">
+              <a:avLst/>
+            </a:prstGeom>
+          </p:spPr>
+        </p:pic>
+      </p:grpSp>
+      <p:grpSp>
+        <p:nvGrpSpPr>
+          <p:cNvPr id="21" name="Group 20">
+            <a:extLst>
+              <a:ext uri="{FF2B5EF4-FFF2-40B4-BE49-F238E27FC236}">
+                <a16:creationId xmlns:a16="http://schemas.microsoft.com/office/drawing/2014/main" id="{6E3DB72D-5505-1648-A959-F19C24FE454F}"/>
+              </a:ext>
+            </a:extLst>
+          </p:cNvPr>
+          <p:cNvGrpSpPr/>
+          <p:nvPr/>
+        </p:nvGrpSpPr>
+        <p:grpSpPr>
+          <a:xfrm>
+            <a:off x="7961351" y="5543585"/>
+            <a:ext cx="170963" cy="278746"/>
+            <a:chOff x="9788059" y="1412042"/>
+            <a:chExt cx="316138" cy="519866"/>
+          </a:xfrm>
+        </p:grpSpPr>
+        <p:pic>
+          <p:nvPicPr>
+            <p:cNvPr id="22" name="Picture 21">
+              <a:extLst>
+                <a:ext uri="{FF2B5EF4-FFF2-40B4-BE49-F238E27FC236}">
+                  <a16:creationId xmlns:a16="http://schemas.microsoft.com/office/drawing/2014/main" id="{47F7FAC6-4C2E-D64F-9B4B-E0024C8AF2BF}"/>
+                </a:ext>
+              </a:extLst>
+            </p:cNvPr>
+            <p:cNvPicPr>
+              <a:picLocks noChangeAspect="1"/>
+            </p:cNvPicPr>
+            <p:nvPr/>
+          </p:nvPicPr>
+          <p:blipFill>
+            <a:blip r:embed="rId7"/>
+            <a:stretch>
+              <a:fillRect/>
+            </a:stretch>
+          </p:blipFill>
+          <p:spPr>
+            <a:xfrm>
+              <a:off x="9788059" y="1412042"/>
+              <a:ext cx="250306" cy="519866"/>
+            </a:xfrm>
+            <a:prstGeom prst="rect">
+              <a:avLst/>
+            </a:prstGeom>
+          </p:spPr>
+        </p:pic>
+        <p:pic>
+          <p:nvPicPr>
+            <p:cNvPr id="23" name="Picture 22">
+              <a:extLst>
+                <a:ext uri="{FF2B5EF4-FFF2-40B4-BE49-F238E27FC236}">
+                  <a16:creationId xmlns:a16="http://schemas.microsoft.com/office/drawing/2014/main" id="{D3C2BAC6-0EA8-A447-B9CB-57D25178211D}"/>
+                </a:ext>
+              </a:extLst>
+            </p:cNvPr>
+            <p:cNvPicPr>
+              <a:picLocks noChangeAspect="1"/>
+            </p:cNvPicPr>
+            <p:nvPr/>
+          </p:nvPicPr>
+          <p:blipFill>
+            <a:blip r:embed="rId8"/>
+            <a:stretch>
+              <a:fillRect/>
+            </a:stretch>
+          </p:blipFill>
+          <p:spPr>
+            <a:xfrm>
+              <a:off x="9967672" y="1744662"/>
+              <a:ext cx="136525" cy="186824"/>
+            </a:xfrm>
+            <a:prstGeom prst="rect">
+              <a:avLst/>
+            </a:prstGeom>
+          </p:spPr>
+        </p:pic>
+      </p:grpSp>
+      <p:pic>
+        <p:nvPicPr>
+          <p:cNvPr id="26" name="Picture 25">
+            <a:extLst>
+              <a:ext uri="{FF2B5EF4-FFF2-40B4-BE49-F238E27FC236}">
+                <a16:creationId xmlns:a16="http://schemas.microsoft.com/office/drawing/2014/main" id="{659C8BBA-A6C3-1F47-BE68-91DABCD3EDF3}"/>
+              </a:ext>
+            </a:extLst>
+          </p:cNvPr>
+          <p:cNvPicPr>
+            <a:picLocks noChangeAspect="1"/>
+          </p:cNvPicPr>
+          <p:nvPr/>
+        </p:nvPicPr>
+        <p:blipFill>
+          <a:blip r:embed="rId5"/>
+          <a:stretch>
+            <a:fillRect/>
+          </a:stretch>
+        </p:blipFill>
+        <p:spPr>
+          <a:xfrm>
+            <a:off x="6939050" y="2724886"/>
+            <a:ext cx="77269" cy="160482"/>
+          </a:xfrm>
+          <a:prstGeom prst="rect">
+            <a:avLst/>
+          </a:prstGeom>
+        </p:spPr>
+      </p:pic>
+      <p:pic>
+        <p:nvPicPr>
+          <p:cNvPr id="27" name="Picture 26">
+            <a:extLst>
+              <a:ext uri="{FF2B5EF4-FFF2-40B4-BE49-F238E27FC236}">
+                <a16:creationId xmlns:a16="http://schemas.microsoft.com/office/drawing/2014/main" id="{1CB4A070-D041-4C4E-91F4-09916818AC8A}"/>
+              </a:ext>
+            </a:extLst>
+          </p:cNvPr>
+          <p:cNvPicPr>
+            <a:picLocks noChangeAspect="1"/>
+          </p:cNvPicPr>
+          <p:nvPr/>
+        </p:nvPicPr>
+        <p:blipFill>
+          <a:blip r:embed="rId7"/>
+          <a:stretch>
+            <a:fillRect/>
+          </a:stretch>
+        </p:blipFill>
+        <p:spPr>
+          <a:xfrm>
+            <a:off x="7138141" y="2816577"/>
+            <a:ext cx="98805" cy="205210"/>
+          </a:xfrm>
+          <a:prstGeom prst="rect">
+            <a:avLst/>
+          </a:prstGeom>
+        </p:spPr>
+      </p:pic>
+      <p:sp>
+        <p:nvSpPr>
+          <p:cNvPr id="20" name="TextBox 19">
+            <a:extLst>
+              <a:ext uri="{FF2B5EF4-FFF2-40B4-BE49-F238E27FC236}">
+                <a16:creationId xmlns:a16="http://schemas.microsoft.com/office/drawing/2014/main" id="{B3F21F26-F996-1D42-BB9B-905DE2529413}"/>
+              </a:ext>
+            </a:extLst>
+          </p:cNvPr>
+          <p:cNvSpPr txBox="1"/>
+          <p:nvPr/>
+        </p:nvSpPr>
+        <p:spPr>
+          <a:xfrm>
+            <a:off x="4560260" y="3024730"/>
+            <a:ext cx="689612" cy="261610"/>
+          </a:xfrm>
+          <a:prstGeom prst="rect">
+            <a:avLst/>
+          </a:prstGeom>
+          <a:noFill/>
+        </p:spPr>
+        <p:txBody>
+          <a:bodyPr wrap="none" rtlCol="0">
+            <a:spAutoFit/>
+          </a:bodyPr>
+          <a:lstStyle/>
+          <a:p>
+            <a:r>
+              <a:rPr lang="en-US" sz="1100" b="1" dirty="0">
+                <a:solidFill>
+                  <a:schemeClr val="bg1"/>
+                </a:solidFill>
+              </a:rPr>
+              <a:t>1009287</a:t>
+            </a:r>
+          </a:p>
+        </p:txBody>
+      </p:sp>
+      <p:sp>
+        <p:nvSpPr>
+          <p:cNvPr id="24" name="TextBox 23">
+            <a:extLst>
+              <a:ext uri="{FF2B5EF4-FFF2-40B4-BE49-F238E27FC236}">
+                <a16:creationId xmlns:a16="http://schemas.microsoft.com/office/drawing/2014/main" id="{D63B2800-0A3C-474F-9517-EFEEAE1322A0}"/>
+              </a:ext>
+            </a:extLst>
+          </p:cNvPr>
+          <p:cNvSpPr txBox="1"/>
+          <p:nvPr/>
+        </p:nvSpPr>
+        <p:spPr>
+          <a:xfrm>
+            <a:off x="7750592" y="5057096"/>
+            <a:ext cx="689612" cy="261610"/>
+          </a:xfrm>
+          <a:prstGeom prst="rect">
+            <a:avLst/>
+          </a:prstGeom>
+          <a:noFill/>
+        </p:spPr>
+        <p:txBody>
+          <a:bodyPr wrap="none" rtlCol="0">
+            <a:spAutoFit/>
+          </a:bodyPr>
+          <a:lstStyle/>
+          <a:p>
+            <a:r>
+              <a:rPr lang="en-US" sz="1100" b="1" dirty="0">
+                <a:solidFill>
+                  <a:schemeClr val="bg1"/>
+                </a:solidFill>
+              </a:rPr>
+              <a:t>1339500</a:t>
+            </a:r>
+          </a:p>
+        </p:txBody>
+      </p:sp>
+      <p:sp>
+        <p:nvSpPr>
+          <p:cNvPr id="28" name="TextBox 27">
+            <a:extLst>
+              <a:ext uri="{FF2B5EF4-FFF2-40B4-BE49-F238E27FC236}">
+                <a16:creationId xmlns:a16="http://schemas.microsoft.com/office/drawing/2014/main" id="{165B2BF9-37A1-654F-A756-4C2C7B986690}"/>
+              </a:ext>
+            </a:extLst>
+          </p:cNvPr>
+          <p:cNvSpPr txBox="1"/>
+          <p:nvPr/>
+        </p:nvSpPr>
+        <p:spPr>
+          <a:xfrm>
+            <a:off x="0" y="482505"/>
+            <a:ext cx="2632772" cy="461665"/>
+          </a:xfrm>
+          <a:prstGeom prst="rect">
+            <a:avLst/>
+          </a:prstGeom>
+          <a:noFill/>
+        </p:spPr>
+        <p:txBody>
+          <a:bodyPr wrap="none" rtlCol="0">
+            <a:spAutoFit/>
+          </a:bodyPr>
+          <a:lstStyle/>
+          <a:p>
+            <a:r>
+              <a:rPr lang="en-US" sz="2400" dirty="0">
+                <a:solidFill>
+                  <a:schemeClr val="bg1"/>
+                </a:solidFill>
+              </a:rPr>
+              <a:t>RECEIVE MESSAGES</a:t>
+            </a:r>
+          </a:p>
+        </p:txBody>
+      </p:sp>
+      <p:sp>
+        <p:nvSpPr>
+          <p:cNvPr id="29" name="TextBox 28">
+            <a:extLst>
+              <a:ext uri="{FF2B5EF4-FFF2-40B4-BE49-F238E27FC236}">
+                <a16:creationId xmlns:a16="http://schemas.microsoft.com/office/drawing/2014/main" id="{F46B668A-A047-544C-815F-F61CA45B1304}"/>
+              </a:ext>
+            </a:extLst>
+          </p:cNvPr>
+          <p:cNvSpPr txBox="1"/>
+          <p:nvPr/>
+        </p:nvSpPr>
+        <p:spPr>
+          <a:xfrm>
+            <a:off x="0" y="15498"/>
+            <a:ext cx="3681521" cy="461665"/>
+          </a:xfrm>
+          <a:prstGeom prst="rect">
+            <a:avLst/>
+          </a:prstGeom>
+          <a:noFill/>
+        </p:spPr>
+        <p:txBody>
+          <a:bodyPr wrap="none" rtlCol="0">
+            <a:spAutoFit/>
+          </a:bodyPr>
+          <a:lstStyle/>
+          <a:p>
+            <a:r>
+              <a:rPr lang="en-US" sz="2400" dirty="0">
+                <a:solidFill>
+                  <a:schemeClr val="bg1"/>
+                </a:solidFill>
+              </a:rPr>
+              <a:t>MESSAGE PASSING PROJECT</a:t>
+            </a:r>
+          </a:p>
+        </p:txBody>
+      </p:sp>
+      <p:pic>
+        <p:nvPicPr>
+          <p:cNvPr id="6" name="Graphic 5" descr="Marketing">
+            <a:extLst>
+              <a:ext uri="{FF2B5EF4-FFF2-40B4-BE49-F238E27FC236}">
+                <a16:creationId xmlns:a16="http://schemas.microsoft.com/office/drawing/2014/main" id="{A95A875C-C4CB-8341-929B-A3D3E403738D}"/>
+              </a:ext>
+            </a:extLst>
+          </p:cNvPr>
+          <p:cNvPicPr>
+            <a:picLocks noChangeAspect="1"/>
+          </p:cNvPicPr>
+          <p:nvPr/>
+        </p:nvPicPr>
+        <p:blipFill>
+          <a:blip r:embed="rId9">
+            <a:extLst>
+              <a:ext uri="{96DAC541-7B7A-43D3-8B79-37D633B846F1}">
+                <asvg:svgBlip xmlns:asvg="http://schemas.microsoft.com/office/drawing/2016/SVG/main" r:embed="rId10"/>
+              </a:ext>
+            </a:extLst>
+          </a:blip>
+          <a:stretch>
+            <a:fillRect/>
+          </a:stretch>
+        </p:blipFill>
+        <p:spPr>
+          <a:xfrm flipH="1">
+            <a:off x="6642936" y="2166622"/>
+            <a:ext cx="439679" cy="478627"/>
+          </a:xfrm>
+          <a:prstGeom prst="rect">
+            <a:avLst/>
+          </a:prstGeom>
+        </p:spPr>
+      </p:pic>
+      <p:pic>
+        <p:nvPicPr>
+          <p:cNvPr id="8" name="Graphic 7" descr="Question mark">
+            <a:extLst>
+              <a:ext uri="{FF2B5EF4-FFF2-40B4-BE49-F238E27FC236}">
+                <a16:creationId xmlns:a16="http://schemas.microsoft.com/office/drawing/2014/main" id="{73C5FE55-DD48-4D43-A93E-28E6890BF1B5}"/>
+              </a:ext>
+            </a:extLst>
+          </p:cNvPr>
+          <p:cNvPicPr>
+            <a:picLocks noChangeAspect="1"/>
+          </p:cNvPicPr>
+          <p:nvPr/>
+        </p:nvPicPr>
+        <p:blipFill>
+          <a:blip r:embed="rId11">
+            <a:extLst>
+              <a:ext uri="{96DAC541-7B7A-43D3-8B79-37D633B846F1}">
+                <asvg:svgBlip xmlns:asvg="http://schemas.microsoft.com/office/drawing/2016/SVG/main" r:embed="rId12"/>
+              </a:ext>
+            </a:extLst>
+          </a:blip>
+          <a:stretch>
+            <a:fillRect/>
+          </a:stretch>
+        </p:blipFill>
+        <p:spPr>
+          <a:xfrm>
+            <a:off x="4285607" y="2496050"/>
+            <a:ext cx="457671" cy="457671"/>
+          </a:xfrm>
+          <a:prstGeom prst="rect">
+            <a:avLst/>
+          </a:prstGeom>
+        </p:spPr>
+      </p:pic>
+    </p:spTree>
+    <p:extLst>
+      <p:ext uri="{BB962C8B-B14F-4D97-AF65-F5344CB8AC3E}">
+        <p14:creationId xmlns:p14="http://schemas.microsoft.com/office/powerpoint/2010/main" val="2472952875"/>
+      </p:ext>
+    </p:extLst>
+  </p:cSld>
+  <p:clrMapOvr>
+    <a:masterClrMapping/>
+  </p:clrMapOvr>
+  <p:timing>
+    <p:tnLst>
+      <p:par>
+        <p:cTn id="1" dur="indefinite" restart="never" nodeType="tmRoot">
+          <p:childTnLst>
+            <p:seq concurrent="1" nextAc="seek">
+              <p:cTn id="2" dur="indefinite" nodeType="mainSeq">
+                <p:childTnLst>
+                  <p:par>
+                    <p:cTn id="3" fill="hold">
+                      <p:stCondLst>
+                        <p:cond delay="indefinite"/>
+                      </p:stCondLst>
+                      <p:childTnLst>
+                        <p:par>
+                          <p:cTn id="4" fill="hold">
+                            <p:stCondLst>
+                              <p:cond delay="0"/>
+                            </p:stCondLst>
+                            <p:childTnLst>
+                              <p:par>
+                                <p:cTn id="5" presetID="1" presetClass="entr" presetSubtype="0" fill="hold" nodeType="clickEffect">
+                                  <p:stCondLst>
+                                    <p:cond delay="0"/>
+                                  </p:stCondLst>
+                                  <p:childTnLst>
+                                    <p:set>
+                                      <p:cBhvr>
+                                        <p:cTn id="6" dur="1" fill="hold">
+                                          <p:stCondLst>
+                                            <p:cond delay="0"/>
+                                          </p:stCondLst>
+                                        </p:cTn>
+                                        <p:tgtEl>
+                                          <p:spTgt spid="8"/>
+                                        </p:tgtEl>
+                                        <p:attrNameLst>
+                                          <p:attrName>style.visibility</p:attrName>
+                                        </p:attrNameLst>
+                                      </p:cBhvr>
+                                      <p:to>
+                                        <p:strVal val="visible"/>
+                                      </p:to>
+                                    </p:set>
+                                  </p:childTnLst>
+                                </p:cTn>
+                              </p:par>
+                            </p:childTnLst>
+                          </p:cTn>
+                        </p:par>
+                        <p:par>
+                          <p:cTn id="7" fill="hold">
+                            <p:stCondLst>
+                              <p:cond delay="0"/>
+                            </p:stCondLst>
+                            <p:childTnLst>
+                              <p:par>
+                                <p:cTn id="8" presetID="0" presetClass="path" presetSubtype="0" accel="50000" decel="50000" fill="hold" nodeType="afterEffect">
+                                  <p:stCondLst>
+                                    <p:cond delay="0"/>
+                                  </p:stCondLst>
+                                  <p:childTnLst>
+                                    <p:animMotion origin="layout" path="M -0.00039 -0.00856 L -0.00039 -0.00856 C 0.00378 -0.01389 0.00729 -0.02153 0.01224 -0.02453 L 0.0237 -0.03125 L 0.03138 -0.03588 L 0.03516 -0.03796 C 0.03646 -0.03958 0.03763 -0.04143 0.03893 -0.04259 C 0.04011 -0.04375 0.04154 -0.04375 0.04271 -0.04491 C 0.05586 -0.05787 0.04558 -0.05092 0.05417 -0.05602 C 0.05547 -0.05764 0.05664 -0.05949 0.05808 -0.06065 C 0.06042 -0.0625 0.06563 -0.06504 0.06563 -0.06504 C 0.07435 -0.07546 0.07032 -0.07245 0.07709 -0.07639 C 0.08308 -0.08703 0.07943 -0.08148 0.08854 -0.09236 C 0.08985 -0.09375 0.09089 -0.09583 0.09232 -0.09676 L 0.1 -0.10139 C 0.10599 -0.10856 0.10235 -0.10486 0.11133 -0.11041 L 0.11524 -0.1125 C 0.11654 -0.11342 0.11784 -0.11366 0.11901 -0.11481 C 0.12396 -0.1206 0.12136 -0.11852 0.1267 -0.12153 L 0.14193 -0.10347 L 0.14571 -0.09907 C 0.14701 -0.09745 0.14805 -0.09537 0.14948 -0.09444 L 0.15716 -0.09004 C 0.15847 -0.08935 0.1599 -0.08912 0.16094 -0.08773 L 0.16862 -0.0787 C 0.16992 -0.07731 0.17097 -0.075 0.1724 -0.0743 L 0.18008 -0.06967 C 0.18255 -0.06666 0.18477 -0.06227 0.18763 -0.06065 C 0.19584 -0.05578 0.19336 -0.05949 0.19662 -0.05393 " pathEditMode="relative" ptsTypes="AAAAAAAAAAAAAAAAAAAAAAAAAAAAA">
+                                      <p:cBhvr>
+                                        <p:cTn id="9" dur="1000" fill="hold"/>
+                                        <p:tgtEl>
+                                          <p:spTgt spid="8"/>
+                                        </p:tgtEl>
+                                        <p:attrNameLst>
+                                          <p:attrName>ppt_x</p:attrName>
+                                          <p:attrName>ppt_y</p:attrName>
+                                        </p:attrNameLst>
+                                      </p:cBhvr>
+                                    </p:animMotion>
+                                  </p:childTnLst>
+                                </p:cTn>
+                              </p:par>
+                            </p:childTnLst>
+                          </p:cTn>
+                        </p:par>
+                        <p:par>
+                          <p:cTn id="10" fill="hold">
+                            <p:stCondLst>
+                              <p:cond delay="1000"/>
+                            </p:stCondLst>
+                            <p:childTnLst>
+                              <p:par>
+                                <p:cTn id="11" presetID="1" presetClass="exit" presetSubtype="0" fill="hold" nodeType="afterEffect">
+                                  <p:stCondLst>
+                                    <p:cond delay="0"/>
+                                  </p:stCondLst>
+                                  <p:childTnLst>
+                                    <p:set>
+                                      <p:cBhvr>
+                                        <p:cTn id="12" dur="1" fill="hold">
+                                          <p:stCondLst>
+                                            <p:cond delay="0"/>
+                                          </p:stCondLst>
+                                        </p:cTn>
+                                        <p:tgtEl>
+                                          <p:spTgt spid="8"/>
+                                        </p:tgtEl>
+                                        <p:attrNameLst>
+                                          <p:attrName>style.visibility</p:attrName>
+                                        </p:attrNameLst>
+                                      </p:cBhvr>
+                                      <p:to>
+                                        <p:strVal val="hidden"/>
+                                      </p:to>
+                                    </p:set>
+                                  </p:childTnLst>
+                                </p:cTn>
+                              </p:par>
+                            </p:childTnLst>
+                          </p:cTn>
+                        </p:par>
+                        <p:par>
+                          <p:cTn id="13" fill="hold">
+                            <p:stCondLst>
+                              <p:cond delay="1000"/>
+                            </p:stCondLst>
+                            <p:childTnLst>
+                              <p:par>
+                                <p:cTn id="14" presetID="1" presetClass="entr" presetSubtype="0" fill="hold" nodeType="afterEffect">
+                                  <p:stCondLst>
+                                    <p:cond delay="0"/>
+                                  </p:stCondLst>
+                                  <p:childTnLst>
+                                    <p:set>
+                                      <p:cBhvr>
+                                        <p:cTn id="15" dur="1" fill="hold">
+                                          <p:stCondLst>
+                                            <p:cond delay="0"/>
+                                          </p:stCondLst>
+                                        </p:cTn>
+                                        <p:tgtEl>
+                                          <p:spTgt spid="6"/>
+                                        </p:tgtEl>
+                                        <p:attrNameLst>
+                                          <p:attrName>style.visibility</p:attrName>
+                                        </p:attrNameLst>
+                                      </p:cBhvr>
+                                      <p:to>
+                                        <p:strVal val="visible"/>
+                                      </p:to>
+                                    </p:set>
+                                  </p:childTnLst>
+                                </p:cTn>
+                              </p:par>
+                            </p:childTnLst>
+                          </p:cTn>
+                        </p:par>
+                        <p:par>
+                          <p:cTn id="16" fill="hold">
+                            <p:stCondLst>
+                              <p:cond delay="1000"/>
+                            </p:stCondLst>
+                            <p:childTnLst>
+                              <p:par>
+                                <p:cTn id="17" presetID="0" presetClass="path" presetSubtype="0" accel="50000" decel="50000" fill="hold" nodeType="afterEffect">
+                                  <p:stCondLst>
+                                    <p:cond delay="0"/>
+                                  </p:stCondLst>
+                                  <p:childTnLst>
+                                    <p:animMotion origin="layout" path="M 0.00274 0.00625 L 0.00274 0.00625 C -0.00156 0.00093 -0.00638 -0.003 -0.01003 -0.00949 L -0.02526 -0.0368 C -0.02656 -0.03888 -0.02734 -0.04236 -0.02904 -0.04351 C -0.03034 -0.04421 -0.03177 -0.04467 -0.03294 -0.04583 C -0.04596 -0.05879 -0.03568 -0.05185 -0.0444 -0.05694 C -0.04557 -0.05856 -0.04674 -0.06041 -0.04818 -0.06157 C -0.05065 -0.06342 -0.05351 -0.06342 -0.05573 -0.06597 C -0.05703 -0.06759 -0.0582 -0.06944 -0.05963 -0.0706 C -0.06198 -0.07245 -0.06719 -0.075 -0.06719 -0.075 C -0.06979 -0.0743 -0.0724 -0.0743 -0.07487 -0.07291 C -0.0763 -0.07199 -0.07734 -0.06944 -0.07865 -0.06828 C -0.07982 -0.06736 -0.08125 -0.06689 -0.08242 -0.06597 C -0.08372 -0.06458 -0.0849 -0.06273 -0.08633 -0.06157 C -0.0875 -0.06041 -0.08893 -0.06041 -0.0901 -0.05925 C -0.09271 -0.05671 -0.09479 -0.05208 -0.09766 -0.05023 C -0.09896 -0.04953 -0.10039 -0.04907 -0.10156 -0.04791 C -0.11458 -0.03495 -0.1043 -0.04189 -0.11289 -0.0368 C -0.12174 -0.02638 -0.11771 -0.02939 -0.12435 -0.02546 L -0.13203 -0.01643 C -0.13333 -0.01481 -0.13476 -0.01365 -0.13581 -0.0118 C -0.13711 -0.00949 -0.13815 -0.00694 -0.13958 -0.00509 C -0.14206 -0.00162 -0.14505 0.00024 -0.14726 0.00394 C -0.15195 0.0125 -0.14935 0.00973 -0.15482 0.01297 L -0.17773 0.04005 C -0.17904 0.04167 -0.18008 0.04375 -0.18151 0.04468 L -0.18919 0.04908 L -0.19674 0.05834 " pathEditMode="relative" ptsTypes="AAAAAAAAAAAAAAAAAAAAAAAAAAAAA">
+                                      <p:cBhvr>
+                                        <p:cTn id="18" dur="1000" fill="hold"/>
+                                        <p:tgtEl>
+                                          <p:spTgt spid="6"/>
+                                        </p:tgtEl>
+                                        <p:attrNameLst>
+                                          <p:attrName>ppt_x</p:attrName>
+                                          <p:attrName>ppt_y</p:attrName>
+                                        </p:attrNameLst>
+                                      </p:cBhvr>
+                                    </p:animMotion>
+                                  </p:childTnLst>
+                                </p:cTn>
+                              </p:par>
+                            </p:childTnLst>
+                          </p:cTn>
+                        </p:par>
+                        <p:par>
+                          <p:cTn id="19" fill="hold">
+                            <p:stCondLst>
+                              <p:cond delay="2000"/>
+                            </p:stCondLst>
+                            <p:childTnLst>
+                              <p:par>
+                                <p:cTn id="20" presetID="1" presetClass="exit" presetSubtype="0" fill="hold" nodeType="afterEffect">
+                                  <p:stCondLst>
+                                    <p:cond delay="0"/>
+                                  </p:stCondLst>
+                                  <p:childTnLst>
+                                    <p:set>
+                                      <p:cBhvr>
+                                        <p:cTn id="21" dur="1" fill="hold">
+                                          <p:stCondLst>
+                                            <p:cond delay="0"/>
+                                          </p:stCondLst>
+                                        </p:cTn>
+                                        <p:tgtEl>
+                                          <p:spTgt spid="6"/>
+                                        </p:tgtEl>
+                                        <p:attrNameLst>
+                                          <p:attrName>style.visibility</p:attrName>
+                                        </p:attrNameLst>
+                                      </p:cBhvr>
+                                      <p:to>
+                                        <p:strVal val="hidden"/>
+                                      </p:to>
+                                    </p:set>
+                                  </p:childTnLst>
+                                </p:cTn>
+                              </p:par>
+                            </p:childTnLst>
+                          </p:cTn>
+                        </p:par>
+                      </p:childTnLst>
+                    </p:cTn>
+                  </p:par>
+                </p:childTnLst>
+              </p:cTn>
+              <p:prevCondLst>
+                <p:cond evt="onPrev" delay="0">
+                  <p:tgtEl>
+                    <p:sldTgt/>
+                  </p:tgtEl>
+                </p:cond>
+              </p:prevCondLst>
+              <p:nextCondLst>
+                <p:cond evt="onNext" delay="0">
+                  <p:tgtEl>
+                    <p:sldTgt/>
+                  </p:tgtEl>
+                </p:cond>
+              </p:nextCondLst>
+            </p:seq>
+          </p:childTnLst>
+        </p:cTn>
+      </p:par>
+    </p:tnLst>
+  </p:timing>
+</p:sld>
+</file>
+
+<file path=ppt/slides/slide26.xml><?xml version="1.0" encoding="utf-8"?>
+<p:sld xmlns:a="http://schemas.openxmlformats.org/drawingml/2006/main" xmlns:r="http://schemas.openxmlformats.org/officeDocument/2006/relationships" xmlns:p="http://schemas.openxmlformats.org/presentationml/2006/main">
+  <p:cSld>
+    <p:spTree>
+      <p:nvGrpSpPr>
+        <p:cNvPr id="1" name=""/>
+        <p:cNvGrpSpPr/>
+        <p:nvPr/>
+      </p:nvGrpSpPr>
+      <p:grpSpPr>
+        <a:xfrm>
+          <a:off x="0" y="0"/>
+          <a:ext cx="0" cy="0"/>
+          <a:chOff x="0" y="0"/>
+          <a:chExt cx="0" cy="0"/>
+        </a:xfrm>
+      </p:grpSpPr>
+      <p:pic>
+        <p:nvPicPr>
+          <p:cNvPr id="5" name="Picture 4">
+            <a:extLst>
+              <a:ext uri="{FF2B5EF4-FFF2-40B4-BE49-F238E27FC236}">
+                <a16:creationId xmlns:a16="http://schemas.microsoft.com/office/drawing/2014/main" id="{BF1C3891-4C34-4943-B756-142B614DB025}"/>
+              </a:ext>
+            </a:extLst>
+          </p:cNvPr>
+          <p:cNvPicPr>
+            <a:picLocks noChangeAspect="1"/>
+          </p:cNvPicPr>
+          <p:nvPr/>
+        </p:nvPicPr>
+        <p:blipFill>
+          <a:blip r:embed="rId2"/>
+          <a:stretch>
+            <a:fillRect/>
+          </a:stretch>
+        </p:blipFill>
+        <p:spPr>
+          <a:xfrm>
+            <a:off x="2403941" y="1781074"/>
+            <a:ext cx="6721728" cy="4587846"/>
+          </a:xfrm>
+          <a:prstGeom prst="rect">
+            <a:avLst/>
+          </a:prstGeom>
+        </p:spPr>
+      </p:pic>
+      <p:pic>
+        <p:nvPicPr>
+          <p:cNvPr id="15" name="Picture 14">
+            <a:extLst>
+              <a:ext uri="{FF2B5EF4-FFF2-40B4-BE49-F238E27FC236}">
+                <a16:creationId xmlns:a16="http://schemas.microsoft.com/office/drawing/2014/main" id="{12445B90-F3BB-C94E-B35C-DA619D0A91EA}"/>
+              </a:ext>
+            </a:extLst>
+          </p:cNvPr>
+          <p:cNvPicPr>
+            <a:picLocks noChangeAspect="1"/>
+          </p:cNvPicPr>
+          <p:nvPr/>
+        </p:nvPicPr>
+        <p:blipFill>
+          <a:blip r:embed="rId3"/>
+          <a:stretch>
+            <a:fillRect/>
+          </a:stretch>
+        </p:blipFill>
+        <p:spPr>
+          <a:xfrm>
+            <a:off x="6872755" y="2462963"/>
+            <a:ext cx="209860" cy="228109"/>
+          </a:xfrm>
+          <a:prstGeom prst="rect">
+            <a:avLst/>
+          </a:prstGeom>
+        </p:spPr>
+      </p:pic>
+      <p:pic>
+        <p:nvPicPr>
+          <p:cNvPr id="16" name="Picture 15">
+            <a:extLst>
+              <a:ext uri="{FF2B5EF4-FFF2-40B4-BE49-F238E27FC236}">
+                <a16:creationId xmlns:a16="http://schemas.microsoft.com/office/drawing/2014/main" id="{0213F761-8D20-774B-A736-622557DC9AC9}"/>
+              </a:ext>
+            </a:extLst>
+          </p:cNvPr>
+          <p:cNvPicPr>
+            <a:picLocks noChangeAspect="1"/>
+          </p:cNvPicPr>
+          <p:nvPr/>
+        </p:nvPicPr>
+        <p:blipFill>
+          <a:blip r:embed="rId4"/>
+          <a:stretch>
+            <a:fillRect/>
+          </a:stretch>
+        </p:blipFill>
+        <p:spPr>
+          <a:xfrm>
+            <a:off x="7082615" y="2577018"/>
+            <a:ext cx="209860" cy="228109"/>
+          </a:xfrm>
+          <a:prstGeom prst="rect">
+            <a:avLst/>
+          </a:prstGeom>
+        </p:spPr>
+      </p:pic>
+      <p:cxnSp>
+        <p:nvCxnSpPr>
+          <p:cNvPr id="10" name="Straight Connector 9">
+            <a:extLst>
+              <a:ext uri="{FF2B5EF4-FFF2-40B4-BE49-F238E27FC236}">
+                <a16:creationId xmlns:a16="http://schemas.microsoft.com/office/drawing/2014/main" id="{8704A948-76D0-B242-BEB4-2AC67301109D}"/>
+              </a:ext>
+            </a:extLst>
+          </p:cNvPr>
+          <p:cNvCxnSpPr>
+            <a:cxnSpLocks/>
+          </p:cNvCxnSpPr>
+          <p:nvPr/>
+        </p:nvCxnSpPr>
+        <p:spPr>
+          <a:xfrm>
+            <a:off x="3560327" y="2758532"/>
+            <a:ext cx="690635" cy="364836"/>
+          </a:xfrm>
+          <a:prstGeom prst="line">
+            <a:avLst/>
+          </a:prstGeom>
+          <a:ln w="12700">
+            <a:solidFill>
+              <a:srgbClr val="FF0000"/>
+            </a:solidFill>
+          </a:ln>
+        </p:spPr>
+        <p:style>
+          <a:lnRef idx="1">
+            <a:schemeClr val="accent1"/>
+          </a:lnRef>
+          <a:fillRef idx="0">
+            <a:schemeClr val="accent1"/>
+          </a:fillRef>
+          <a:effectRef idx="0">
+            <a:schemeClr val="accent1"/>
+          </a:effectRef>
+          <a:fontRef idx="minor">
+            <a:schemeClr val="tx1"/>
+          </a:fontRef>
+        </p:style>
+      </p:cxnSp>
+      <p:cxnSp>
+        <p:nvCxnSpPr>
+          <p:cNvPr id="19" name="Straight Connector 18">
+            <a:extLst>
+              <a:ext uri="{FF2B5EF4-FFF2-40B4-BE49-F238E27FC236}">
+                <a16:creationId xmlns:a16="http://schemas.microsoft.com/office/drawing/2014/main" id="{3F05DA07-0306-1B4A-A486-A33071584EED}"/>
+              </a:ext>
+            </a:extLst>
+          </p:cNvPr>
+          <p:cNvCxnSpPr>
+            <a:cxnSpLocks/>
+          </p:cNvCxnSpPr>
+          <p:nvPr/>
+        </p:nvCxnSpPr>
+        <p:spPr>
+          <a:xfrm>
+            <a:off x="6842227" y="4797196"/>
+            <a:ext cx="690635" cy="364836"/>
+          </a:xfrm>
+          <a:prstGeom prst="line">
+            <a:avLst/>
+          </a:prstGeom>
+          <a:ln w="12700">
+            <a:solidFill>
+              <a:srgbClr val="FF0000"/>
+            </a:solidFill>
+          </a:ln>
+        </p:spPr>
+        <p:style>
+          <a:lnRef idx="1">
+            <a:schemeClr val="accent1"/>
+          </a:lnRef>
+          <a:fillRef idx="0">
+            <a:schemeClr val="accent1"/>
+          </a:fillRef>
+          <a:effectRef idx="0">
+            <a:schemeClr val="accent1"/>
+          </a:effectRef>
+          <a:fontRef idx="minor">
+            <a:schemeClr val="tx1"/>
+          </a:fontRef>
+        </p:style>
+      </p:cxnSp>
+      <p:grpSp>
+        <p:nvGrpSpPr>
+          <p:cNvPr id="11" name="Group 10">
+            <a:extLst>
+              <a:ext uri="{FF2B5EF4-FFF2-40B4-BE49-F238E27FC236}">
+                <a16:creationId xmlns:a16="http://schemas.microsoft.com/office/drawing/2014/main" id="{D2142EB4-B5C8-D146-873C-C50E79275674}"/>
+              </a:ext>
+            </a:extLst>
+          </p:cNvPr>
+          <p:cNvGrpSpPr/>
+          <p:nvPr/>
+        </p:nvGrpSpPr>
+        <p:grpSpPr>
+          <a:xfrm>
+            <a:off x="4593289" y="3558761"/>
+            <a:ext cx="202750" cy="253436"/>
+            <a:chOff x="3886796" y="1428973"/>
+            <a:chExt cx="328366" cy="519866"/>
+          </a:xfrm>
+        </p:grpSpPr>
+        <p:pic>
+          <p:nvPicPr>
+            <p:cNvPr id="12" name="Picture 11">
+              <a:extLst>
+                <a:ext uri="{FF2B5EF4-FFF2-40B4-BE49-F238E27FC236}">
+                  <a16:creationId xmlns:a16="http://schemas.microsoft.com/office/drawing/2014/main" id="{997AA0CD-B4A2-9D4B-B1CC-05021EEF7784}"/>
+                </a:ext>
+              </a:extLst>
+            </p:cNvPr>
+            <p:cNvPicPr>
+              <a:picLocks noChangeAspect="1"/>
+            </p:cNvPicPr>
+            <p:nvPr/>
+          </p:nvPicPr>
+          <p:blipFill>
+            <a:blip r:embed="rId5"/>
+            <a:stretch>
+              <a:fillRect/>
+            </a:stretch>
+          </p:blipFill>
+          <p:spPr>
+            <a:xfrm>
+              <a:off x="3886796" y="1428973"/>
+              <a:ext cx="250306" cy="519866"/>
+            </a:xfrm>
+            <a:prstGeom prst="rect">
+              <a:avLst/>
+            </a:prstGeom>
+          </p:spPr>
+        </p:pic>
+        <p:pic>
+          <p:nvPicPr>
+            <p:cNvPr id="17" name="Picture 16">
+              <a:extLst>
+                <a:ext uri="{FF2B5EF4-FFF2-40B4-BE49-F238E27FC236}">
+                  <a16:creationId xmlns:a16="http://schemas.microsoft.com/office/drawing/2014/main" id="{43F75FF4-305A-A242-9FE3-D1D4E09F9B58}"/>
+                </a:ext>
+              </a:extLst>
+            </p:cNvPr>
+            <p:cNvPicPr>
+              <a:picLocks noChangeAspect="1"/>
+            </p:cNvPicPr>
+            <p:nvPr/>
+          </p:nvPicPr>
+          <p:blipFill>
+            <a:blip r:embed="rId6"/>
+            <a:stretch>
+              <a:fillRect/>
+            </a:stretch>
+          </p:blipFill>
+          <p:spPr>
+            <a:xfrm>
+              <a:off x="4092498" y="1764052"/>
+              <a:ext cx="122664" cy="167856"/>
+            </a:xfrm>
+            <a:prstGeom prst="rect">
+              <a:avLst/>
+            </a:prstGeom>
+          </p:spPr>
+        </p:pic>
+      </p:grpSp>
+      <p:grpSp>
+        <p:nvGrpSpPr>
+          <p:cNvPr id="21" name="Group 20">
+            <a:extLst>
+              <a:ext uri="{FF2B5EF4-FFF2-40B4-BE49-F238E27FC236}">
+                <a16:creationId xmlns:a16="http://schemas.microsoft.com/office/drawing/2014/main" id="{6E3DB72D-5505-1648-A959-F19C24FE454F}"/>
+              </a:ext>
+            </a:extLst>
+          </p:cNvPr>
+          <p:cNvGrpSpPr/>
+          <p:nvPr/>
+        </p:nvGrpSpPr>
+        <p:grpSpPr>
+          <a:xfrm>
+            <a:off x="7961351" y="5543585"/>
+            <a:ext cx="170963" cy="278746"/>
+            <a:chOff x="9788059" y="1412042"/>
+            <a:chExt cx="316138" cy="519866"/>
+          </a:xfrm>
+        </p:grpSpPr>
+        <p:pic>
+          <p:nvPicPr>
+            <p:cNvPr id="22" name="Picture 21">
+              <a:extLst>
+                <a:ext uri="{FF2B5EF4-FFF2-40B4-BE49-F238E27FC236}">
+                  <a16:creationId xmlns:a16="http://schemas.microsoft.com/office/drawing/2014/main" id="{47F7FAC6-4C2E-D64F-9B4B-E0024C8AF2BF}"/>
+                </a:ext>
+              </a:extLst>
+            </p:cNvPr>
+            <p:cNvPicPr>
+              <a:picLocks noChangeAspect="1"/>
+            </p:cNvPicPr>
+            <p:nvPr/>
+          </p:nvPicPr>
+          <p:blipFill>
+            <a:blip r:embed="rId7"/>
+            <a:stretch>
+              <a:fillRect/>
+            </a:stretch>
+          </p:blipFill>
+          <p:spPr>
+            <a:xfrm>
+              <a:off x="9788059" y="1412042"/>
+              <a:ext cx="250306" cy="519866"/>
+            </a:xfrm>
+            <a:prstGeom prst="rect">
+              <a:avLst/>
+            </a:prstGeom>
+          </p:spPr>
+        </p:pic>
+        <p:pic>
+          <p:nvPicPr>
+            <p:cNvPr id="23" name="Picture 22">
+              <a:extLst>
+                <a:ext uri="{FF2B5EF4-FFF2-40B4-BE49-F238E27FC236}">
+                  <a16:creationId xmlns:a16="http://schemas.microsoft.com/office/drawing/2014/main" id="{D3C2BAC6-0EA8-A447-B9CB-57D25178211D}"/>
+                </a:ext>
+              </a:extLst>
+            </p:cNvPr>
+            <p:cNvPicPr>
+              <a:picLocks noChangeAspect="1"/>
+            </p:cNvPicPr>
+            <p:nvPr/>
+          </p:nvPicPr>
+          <p:blipFill>
+            <a:blip r:embed="rId8"/>
+            <a:stretch>
+              <a:fillRect/>
+            </a:stretch>
+          </p:blipFill>
+          <p:spPr>
+            <a:xfrm>
+              <a:off x="9967672" y="1744662"/>
+              <a:ext cx="136525" cy="186824"/>
+            </a:xfrm>
+            <a:prstGeom prst="rect">
+              <a:avLst/>
+            </a:prstGeom>
+          </p:spPr>
+        </p:pic>
+      </p:grpSp>
+      <p:pic>
+        <p:nvPicPr>
+          <p:cNvPr id="26" name="Picture 25">
+            <a:extLst>
+              <a:ext uri="{FF2B5EF4-FFF2-40B4-BE49-F238E27FC236}">
+                <a16:creationId xmlns:a16="http://schemas.microsoft.com/office/drawing/2014/main" id="{659C8BBA-A6C3-1F47-BE68-91DABCD3EDF3}"/>
+              </a:ext>
+            </a:extLst>
+          </p:cNvPr>
+          <p:cNvPicPr>
+            <a:picLocks noChangeAspect="1"/>
+          </p:cNvPicPr>
+          <p:nvPr/>
+        </p:nvPicPr>
+        <p:blipFill>
+          <a:blip r:embed="rId5"/>
+          <a:stretch>
+            <a:fillRect/>
+          </a:stretch>
+        </p:blipFill>
+        <p:spPr>
+          <a:xfrm>
+            <a:off x="6939050" y="2724886"/>
+            <a:ext cx="77269" cy="160482"/>
+          </a:xfrm>
+          <a:prstGeom prst="rect">
+            <a:avLst/>
+          </a:prstGeom>
+        </p:spPr>
+      </p:pic>
+      <p:pic>
+        <p:nvPicPr>
+          <p:cNvPr id="27" name="Picture 26">
+            <a:extLst>
+              <a:ext uri="{FF2B5EF4-FFF2-40B4-BE49-F238E27FC236}">
+                <a16:creationId xmlns:a16="http://schemas.microsoft.com/office/drawing/2014/main" id="{1CB4A070-D041-4C4E-91F4-09916818AC8A}"/>
+              </a:ext>
+            </a:extLst>
+          </p:cNvPr>
+          <p:cNvPicPr>
+            <a:picLocks noChangeAspect="1"/>
+          </p:cNvPicPr>
+          <p:nvPr/>
+        </p:nvPicPr>
+        <p:blipFill>
+          <a:blip r:embed="rId7"/>
+          <a:stretch>
+            <a:fillRect/>
+          </a:stretch>
+        </p:blipFill>
+        <p:spPr>
+          <a:xfrm>
+            <a:off x="7138141" y="2816577"/>
+            <a:ext cx="98805" cy="205210"/>
+          </a:xfrm>
+          <a:prstGeom prst="rect">
+            <a:avLst/>
+          </a:prstGeom>
+        </p:spPr>
+      </p:pic>
+      <p:sp>
+        <p:nvSpPr>
+          <p:cNvPr id="20" name="TextBox 19">
+            <a:extLst>
+              <a:ext uri="{FF2B5EF4-FFF2-40B4-BE49-F238E27FC236}">
+                <a16:creationId xmlns:a16="http://schemas.microsoft.com/office/drawing/2014/main" id="{B3F21F26-F996-1D42-BB9B-905DE2529413}"/>
+              </a:ext>
+            </a:extLst>
+          </p:cNvPr>
+          <p:cNvSpPr txBox="1"/>
+          <p:nvPr/>
+        </p:nvSpPr>
+        <p:spPr>
+          <a:xfrm>
+            <a:off x="4560260" y="3024730"/>
+            <a:ext cx="689612" cy="261610"/>
+          </a:xfrm>
+          <a:prstGeom prst="rect">
+            <a:avLst/>
+          </a:prstGeom>
+          <a:noFill/>
+        </p:spPr>
+        <p:txBody>
+          <a:bodyPr wrap="none" rtlCol="0">
+            <a:spAutoFit/>
+          </a:bodyPr>
+          <a:lstStyle/>
+          <a:p>
+            <a:r>
+              <a:rPr lang="en-US" sz="1100" b="1" dirty="0">
+                <a:solidFill>
+                  <a:schemeClr val="bg1"/>
+                </a:solidFill>
+              </a:rPr>
+              <a:t>1009287</a:t>
+            </a:r>
+          </a:p>
+        </p:txBody>
+      </p:sp>
+      <p:sp>
+        <p:nvSpPr>
+          <p:cNvPr id="24" name="TextBox 23">
+            <a:extLst>
+              <a:ext uri="{FF2B5EF4-FFF2-40B4-BE49-F238E27FC236}">
+                <a16:creationId xmlns:a16="http://schemas.microsoft.com/office/drawing/2014/main" id="{D63B2800-0A3C-474F-9517-EFEEAE1322A0}"/>
+              </a:ext>
+            </a:extLst>
+          </p:cNvPr>
+          <p:cNvSpPr txBox="1"/>
+          <p:nvPr/>
+        </p:nvSpPr>
+        <p:spPr>
+          <a:xfrm>
+            <a:off x="7750592" y="5057096"/>
+            <a:ext cx="689612" cy="261610"/>
+          </a:xfrm>
+          <a:prstGeom prst="rect">
+            <a:avLst/>
+          </a:prstGeom>
+          <a:noFill/>
+        </p:spPr>
+        <p:txBody>
+          <a:bodyPr wrap="none" rtlCol="0">
+            <a:spAutoFit/>
+          </a:bodyPr>
+          <a:lstStyle/>
+          <a:p>
+            <a:r>
+              <a:rPr lang="en-US" sz="1100" b="1" dirty="0">
+                <a:solidFill>
+                  <a:schemeClr val="bg1"/>
+                </a:solidFill>
+              </a:rPr>
+              <a:t>1339500</a:t>
+            </a:r>
+          </a:p>
+        </p:txBody>
+      </p:sp>
+      <p:sp>
+        <p:nvSpPr>
+          <p:cNvPr id="28" name="TextBox 27">
+            <a:extLst>
+              <a:ext uri="{FF2B5EF4-FFF2-40B4-BE49-F238E27FC236}">
+                <a16:creationId xmlns:a16="http://schemas.microsoft.com/office/drawing/2014/main" id="{165B2BF9-37A1-654F-A756-4C2C7B986690}"/>
+              </a:ext>
+            </a:extLst>
+          </p:cNvPr>
+          <p:cNvSpPr txBox="1"/>
+          <p:nvPr/>
+        </p:nvSpPr>
+        <p:spPr>
+          <a:xfrm>
+            <a:off x="0" y="482505"/>
+            <a:ext cx="2632772" cy="461665"/>
+          </a:xfrm>
+          <a:prstGeom prst="rect">
+            <a:avLst/>
+          </a:prstGeom>
+          <a:noFill/>
+        </p:spPr>
+        <p:txBody>
+          <a:bodyPr wrap="none" rtlCol="0">
+            <a:spAutoFit/>
+          </a:bodyPr>
+          <a:lstStyle/>
+          <a:p>
+            <a:r>
+              <a:rPr lang="en-US" sz="2400" dirty="0">
+                <a:solidFill>
+                  <a:schemeClr val="bg1"/>
+                </a:solidFill>
+              </a:rPr>
+              <a:t>RECEIVE MESSAGES</a:t>
+            </a:r>
+          </a:p>
+        </p:txBody>
+      </p:sp>
+      <p:sp>
+        <p:nvSpPr>
+          <p:cNvPr id="29" name="TextBox 28">
+            <a:extLst>
+              <a:ext uri="{FF2B5EF4-FFF2-40B4-BE49-F238E27FC236}">
+                <a16:creationId xmlns:a16="http://schemas.microsoft.com/office/drawing/2014/main" id="{F46B668A-A047-544C-815F-F61CA45B1304}"/>
+              </a:ext>
+            </a:extLst>
+          </p:cNvPr>
+          <p:cNvSpPr txBox="1"/>
+          <p:nvPr/>
+        </p:nvSpPr>
+        <p:spPr>
+          <a:xfrm>
+            <a:off x="0" y="15498"/>
+            <a:ext cx="3681521" cy="461665"/>
+          </a:xfrm>
+          <a:prstGeom prst="rect">
+            <a:avLst/>
+          </a:prstGeom>
+          <a:noFill/>
+        </p:spPr>
+        <p:txBody>
+          <a:bodyPr wrap="none" rtlCol="0">
+            <a:spAutoFit/>
+          </a:bodyPr>
+          <a:lstStyle/>
+          <a:p>
+            <a:r>
+              <a:rPr lang="en-US" sz="2400" dirty="0">
+                <a:solidFill>
+                  <a:schemeClr val="bg1"/>
+                </a:solidFill>
+              </a:rPr>
+              <a:t>MESSAGE PASSING PROJECT</a:t>
+            </a:r>
+          </a:p>
+        </p:txBody>
+      </p:sp>
+      <p:pic>
+        <p:nvPicPr>
+          <p:cNvPr id="6" name="Graphic 5" descr="Marketing">
+            <a:extLst>
+              <a:ext uri="{FF2B5EF4-FFF2-40B4-BE49-F238E27FC236}">
+                <a16:creationId xmlns:a16="http://schemas.microsoft.com/office/drawing/2014/main" id="{A95A875C-C4CB-8341-929B-A3D3E403738D}"/>
+              </a:ext>
+            </a:extLst>
+          </p:cNvPr>
+          <p:cNvPicPr>
+            <a:picLocks noChangeAspect="1"/>
+          </p:cNvPicPr>
+          <p:nvPr/>
+        </p:nvPicPr>
+        <p:blipFill>
+          <a:blip r:embed="rId9">
+            <a:extLst>
+              <a:ext uri="{96DAC541-7B7A-43D3-8B79-37D633B846F1}">
+                <asvg:svgBlip xmlns:asvg="http://schemas.microsoft.com/office/drawing/2016/SVG/main" r:embed="rId10"/>
+              </a:ext>
+            </a:extLst>
+          </a:blip>
+          <a:stretch>
+            <a:fillRect/>
+          </a:stretch>
+        </p:blipFill>
+        <p:spPr>
+          <a:xfrm flipH="1">
+            <a:off x="6642936" y="2166622"/>
+            <a:ext cx="439679" cy="478627"/>
+          </a:xfrm>
+          <a:prstGeom prst="rect">
+            <a:avLst/>
+          </a:prstGeom>
+        </p:spPr>
+      </p:pic>
+      <p:pic>
+        <p:nvPicPr>
+          <p:cNvPr id="8" name="Graphic 7" descr="Question mark">
+            <a:extLst>
+              <a:ext uri="{FF2B5EF4-FFF2-40B4-BE49-F238E27FC236}">
+                <a16:creationId xmlns:a16="http://schemas.microsoft.com/office/drawing/2014/main" id="{73C5FE55-DD48-4D43-A93E-28E6890BF1B5}"/>
+              </a:ext>
+            </a:extLst>
+          </p:cNvPr>
+          <p:cNvPicPr>
+            <a:picLocks noChangeAspect="1"/>
+          </p:cNvPicPr>
+          <p:nvPr/>
+        </p:nvPicPr>
+        <p:blipFill>
+          <a:blip r:embed="rId11">
+            <a:extLst>
+              <a:ext uri="{96DAC541-7B7A-43D3-8B79-37D633B846F1}">
+                <asvg:svgBlip xmlns:asvg="http://schemas.microsoft.com/office/drawing/2016/SVG/main" r:embed="rId12"/>
+              </a:ext>
+            </a:extLst>
+          </a:blip>
+          <a:stretch>
+            <a:fillRect/>
+          </a:stretch>
+        </p:blipFill>
+        <p:spPr>
+          <a:xfrm>
+            <a:off x="4285607" y="2496050"/>
+            <a:ext cx="457671" cy="457671"/>
+          </a:xfrm>
+          <a:prstGeom prst="rect">
+            <a:avLst/>
+          </a:prstGeom>
+        </p:spPr>
+      </p:pic>
+    </p:spTree>
+    <p:extLst>
+      <p:ext uri="{BB962C8B-B14F-4D97-AF65-F5344CB8AC3E}">
+        <p14:creationId xmlns:p14="http://schemas.microsoft.com/office/powerpoint/2010/main" val="160263184"/>
+      </p:ext>
+    </p:extLst>
+  </p:cSld>
+  <p:clrMapOvr>
+    <a:masterClrMapping/>
+  </p:clrMapOvr>
+  <p:timing>
+    <p:tnLst>
+      <p:par>
+        <p:cTn id="1" dur="indefinite" restart="never" nodeType="tmRoot">
+          <p:childTnLst>
+            <p:seq concurrent="1" nextAc="seek">
+              <p:cTn id="2" dur="indefinite" nodeType="mainSeq">
+                <p:childTnLst>
+                  <p:par>
+                    <p:cTn id="3" fill="hold">
+                      <p:stCondLst>
+                        <p:cond delay="indefinite"/>
+                      </p:stCondLst>
+                      <p:childTnLst>
+                        <p:par>
+                          <p:cTn id="4" fill="hold">
+                            <p:stCondLst>
+                              <p:cond delay="0"/>
+                            </p:stCondLst>
+                            <p:childTnLst>
+                              <p:par>
+                                <p:cTn id="5" presetID="1" presetClass="entr" presetSubtype="0" fill="hold" nodeType="clickEffect">
+                                  <p:stCondLst>
+                                    <p:cond delay="0"/>
+                                  </p:stCondLst>
+                                  <p:childTnLst>
+                                    <p:set>
+                                      <p:cBhvr>
+                                        <p:cTn id="6" dur="1" fill="hold">
+                                          <p:stCondLst>
+                                            <p:cond delay="0"/>
+                                          </p:stCondLst>
+                                        </p:cTn>
+                                        <p:tgtEl>
+                                          <p:spTgt spid="8"/>
+                                        </p:tgtEl>
+                                        <p:attrNameLst>
+                                          <p:attrName>style.visibility</p:attrName>
+                                        </p:attrNameLst>
+                                      </p:cBhvr>
+                                      <p:to>
+                                        <p:strVal val="visible"/>
+                                      </p:to>
+                                    </p:set>
+                                  </p:childTnLst>
+                                </p:cTn>
+                              </p:par>
+                            </p:childTnLst>
+                          </p:cTn>
+                        </p:par>
+                        <p:par>
+                          <p:cTn id="7" fill="hold">
+                            <p:stCondLst>
+                              <p:cond delay="0"/>
+                            </p:stCondLst>
+                            <p:childTnLst>
+                              <p:par>
+                                <p:cTn id="8" presetID="0" presetClass="path" presetSubtype="0" accel="50000" decel="50000" fill="hold" nodeType="afterEffect">
+                                  <p:stCondLst>
+                                    <p:cond delay="0"/>
+                                  </p:stCondLst>
+                                  <p:childTnLst>
+                                    <p:animMotion origin="layout" path="M -0.00039 -0.00856 L -0.00039 -0.00856 C 0.00378 -0.01389 0.00729 -0.02153 0.01224 -0.02453 L 0.0237 -0.03125 L 0.03138 -0.03588 L 0.03516 -0.03796 C 0.03646 -0.03958 0.03763 -0.04143 0.03893 -0.04259 C 0.04011 -0.04375 0.04154 -0.04375 0.04271 -0.04491 C 0.05586 -0.05787 0.04558 -0.05092 0.05417 -0.05602 C 0.05547 -0.05764 0.05664 -0.05949 0.05808 -0.06065 C 0.06042 -0.0625 0.06563 -0.06504 0.06563 -0.06504 C 0.07435 -0.07546 0.07032 -0.07245 0.07709 -0.07639 C 0.08308 -0.08703 0.07943 -0.08148 0.08854 -0.09236 C 0.08985 -0.09375 0.09089 -0.09583 0.09232 -0.09676 L 0.1 -0.10139 C 0.10599 -0.10856 0.10235 -0.10486 0.11133 -0.11041 L 0.11524 -0.1125 C 0.11654 -0.11342 0.11784 -0.11366 0.11901 -0.11481 C 0.12396 -0.1206 0.12136 -0.11852 0.1267 -0.12153 L 0.14193 -0.10347 L 0.14571 -0.09907 C 0.14701 -0.09745 0.14805 -0.09537 0.14948 -0.09444 L 0.15716 -0.09004 C 0.15847 -0.08935 0.1599 -0.08912 0.16094 -0.08773 L 0.16862 -0.0787 C 0.16992 -0.07731 0.17097 -0.075 0.1724 -0.0743 L 0.18008 -0.06967 C 0.18255 -0.06666 0.18477 -0.06227 0.18763 -0.06065 C 0.19584 -0.05578 0.19336 -0.05949 0.19662 -0.05393 " pathEditMode="relative" ptsTypes="AAAAAAAAAAAAAAAAAAAAAAAAAAAAA">
+                                      <p:cBhvr>
+                                        <p:cTn id="9" dur="1000" fill="hold"/>
+                                        <p:tgtEl>
+                                          <p:spTgt spid="8"/>
+                                        </p:tgtEl>
+                                        <p:attrNameLst>
+                                          <p:attrName>ppt_x</p:attrName>
+                                          <p:attrName>ppt_y</p:attrName>
+                                        </p:attrNameLst>
+                                      </p:cBhvr>
+                                    </p:animMotion>
+                                  </p:childTnLst>
+                                </p:cTn>
+                              </p:par>
+                            </p:childTnLst>
+                          </p:cTn>
+                        </p:par>
+                        <p:par>
+                          <p:cTn id="10" fill="hold">
+                            <p:stCondLst>
+                              <p:cond delay="1000"/>
+                            </p:stCondLst>
+                            <p:childTnLst>
+                              <p:par>
+                                <p:cTn id="11" presetID="1" presetClass="exit" presetSubtype="0" fill="hold" nodeType="afterEffect">
+                                  <p:stCondLst>
+                                    <p:cond delay="0"/>
+                                  </p:stCondLst>
+                                  <p:childTnLst>
+                                    <p:set>
+                                      <p:cBhvr>
+                                        <p:cTn id="12" dur="1" fill="hold">
+                                          <p:stCondLst>
+                                            <p:cond delay="0"/>
+                                          </p:stCondLst>
+                                        </p:cTn>
+                                        <p:tgtEl>
+                                          <p:spTgt spid="8"/>
+                                        </p:tgtEl>
+                                        <p:attrNameLst>
+                                          <p:attrName>style.visibility</p:attrName>
+                                        </p:attrNameLst>
+                                      </p:cBhvr>
+                                      <p:to>
+                                        <p:strVal val="hidden"/>
+                                      </p:to>
+                                    </p:set>
+                                  </p:childTnLst>
+                                </p:cTn>
+                              </p:par>
+                            </p:childTnLst>
+                          </p:cTn>
+                        </p:par>
+                        <p:par>
+                          <p:cTn id="13" fill="hold">
+                            <p:stCondLst>
+                              <p:cond delay="1000"/>
+                            </p:stCondLst>
+                            <p:childTnLst>
+                              <p:par>
+                                <p:cTn id="14" presetID="1" presetClass="entr" presetSubtype="0" fill="hold" nodeType="afterEffect">
+                                  <p:stCondLst>
+                                    <p:cond delay="0"/>
+                                  </p:stCondLst>
+                                  <p:childTnLst>
+                                    <p:set>
+                                      <p:cBhvr>
+                                        <p:cTn id="15" dur="1" fill="hold">
+                                          <p:stCondLst>
+                                            <p:cond delay="0"/>
+                                          </p:stCondLst>
+                                        </p:cTn>
+                                        <p:tgtEl>
+                                          <p:spTgt spid="6"/>
+                                        </p:tgtEl>
+                                        <p:attrNameLst>
+                                          <p:attrName>style.visibility</p:attrName>
+                                        </p:attrNameLst>
+                                      </p:cBhvr>
+                                      <p:to>
+                                        <p:strVal val="visible"/>
+                                      </p:to>
+                                    </p:set>
+                                  </p:childTnLst>
+                                </p:cTn>
+                              </p:par>
+                            </p:childTnLst>
+                          </p:cTn>
+                        </p:par>
+                        <p:par>
+                          <p:cTn id="16" fill="hold">
+                            <p:stCondLst>
+                              <p:cond delay="1000"/>
+                            </p:stCondLst>
+                            <p:childTnLst>
+                              <p:par>
+                                <p:cTn id="17" presetID="0" presetClass="path" presetSubtype="0" accel="50000" decel="50000" fill="hold" nodeType="afterEffect">
+                                  <p:stCondLst>
+                                    <p:cond delay="0"/>
+                                  </p:stCondLst>
+                                  <p:childTnLst>
+                                    <p:animMotion origin="layout" path="M 0.00274 0.00625 L 0.00274 0.00625 C -0.00156 0.00093 -0.00638 -0.003 -0.01003 -0.00949 L -0.02526 -0.0368 C -0.02656 -0.03888 -0.02734 -0.04236 -0.02904 -0.04351 C -0.03034 -0.04421 -0.03177 -0.04467 -0.03294 -0.04583 C -0.04596 -0.05879 -0.03568 -0.05185 -0.0444 -0.05694 C -0.04557 -0.05856 -0.04674 -0.06041 -0.04818 -0.06157 C -0.05065 -0.06342 -0.05351 -0.06342 -0.05573 -0.06597 C -0.05703 -0.06759 -0.0582 -0.06944 -0.05963 -0.0706 C -0.06198 -0.07245 -0.06719 -0.075 -0.06719 -0.075 C -0.06979 -0.0743 -0.0724 -0.0743 -0.07487 -0.07291 C -0.0763 -0.07199 -0.07734 -0.06944 -0.07865 -0.06828 C -0.07982 -0.06736 -0.08125 -0.06689 -0.08242 -0.06597 C -0.08372 -0.06458 -0.0849 -0.06273 -0.08633 -0.06157 C -0.0875 -0.06041 -0.08893 -0.06041 -0.0901 -0.05925 C -0.09271 -0.05671 -0.09479 -0.05208 -0.09766 -0.05023 C -0.09896 -0.04953 -0.10039 -0.04907 -0.10156 -0.04791 C -0.11458 -0.03495 -0.1043 -0.04189 -0.11289 -0.0368 C -0.12174 -0.02638 -0.11771 -0.02939 -0.12435 -0.02546 L -0.13203 -0.01643 C -0.13333 -0.01481 -0.13476 -0.01365 -0.13581 -0.0118 C -0.13711 -0.00949 -0.13815 -0.00694 -0.13958 -0.00509 C -0.14206 -0.00162 -0.14505 0.00024 -0.14726 0.00394 C -0.15195 0.0125 -0.14935 0.00973 -0.15482 0.01297 L -0.17773 0.04005 C -0.17904 0.04167 -0.18008 0.04375 -0.18151 0.04468 L -0.18919 0.04908 L -0.19674 0.05834 " pathEditMode="relative" ptsTypes="AAAAAAAAAAAAAAAAAAAAAAAAAAAAA">
+                                      <p:cBhvr>
+                                        <p:cTn id="18" dur="1000" fill="hold"/>
+                                        <p:tgtEl>
+                                          <p:spTgt spid="6"/>
+                                        </p:tgtEl>
+                                        <p:attrNameLst>
+                                          <p:attrName>ppt_x</p:attrName>
+                                          <p:attrName>ppt_y</p:attrName>
+                                        </p:attrNameLst>
+                                      </p:cBhvr>
+                                    </p:animMotion>
+                                  </p:childTnLst>
+                                </p:cTn>
+                              </p:par>
+                            </p:childTnLst>
+                          </p:cTn>
+                        </p:par>
+                        <p:par>
+                          <p:cTn id="19" fill="hold">
+                            <p:stCondLst>
+                              <p:cond delay="2000"/>
+                            </p:stCondLst>
+                            <p:childTnLst>
+                              <p:par>
+                                <p:cTn id="20" presetID="1" presetClass="exit" presetSubtype="0" fill="hold" nodeType="afterEffect">
+                                  <p:stCondLst>
+                                    <p:cond delay="0"/>
+                                  </p:stCondLst>
+                                  <p:childTnLst>
+                                    <p:set>
+                                      <p:cBhvr>
+                                        <p:cTn id="21" dur="1" fill="hold">
+                                          <p:stCondLst>
+                                            <p:cond delay="0"/>
+                                          </p:stCondLst>
+                                        </p:cTn>
+                                        <p:tgtEl>
+                                          <p:spTgt spid="6"/>
+                                        </p:tgtEl>
+                                        <p:attrNameLst>
+                                          <p:attrName>style.visibility</p:attrName>
+                                        </p:attrNameLst>
+                                      </p:cBhvr>
+                                      <p:to>
+                                        <p:strVal val="hidden"/>
+                                      </p:to>
+                                    </p:set>
+                                  </p:childTnLst>
+                                </p:cTn>
+                              </p:par>
+                            </p:childTnLst>
+                          </p:cTn>
+                        </p:par>
+                      </p:childTnLst>
+                    </p:cTn>
+                  </p:par>
+                </p:childTnLst>
+              </p:cTn>
+              <p:prevCondLst>
+                <p:cond evt="onPrev" delay="0">
+                  <p:tgtEl>
+                    <p:sldTgt/>
+                  </p:tgtEl>
+                </p:cond>
+              </p:prevCondLst>
+              <p:nextCondLst>
+                <p:cond evt="onNext" delay="0">
+                  <p:tgtEl>
+                    <p:sldTgt/>
+                  </p:tgtEl>
+                </p:cond>
+              </p:nextCondLst>
+            </p:seq>
+          </p:childTnLst>
+        </p:cTn>
+      </p:par>
+    </p:tnLst>
+  </p:timing>
 </p:sld>
 </file>
 
@@ -27005,6 +30775,62 @@
           </a:p>
         </p:txBody>
       </p:sp>
+      <p:sp>
+        <p:nvSpPr>
+          <p:cNvPr id="2" name="TextBox 1">
+            <a:extLst>
+              <a:ext uri="{FF2B5EF4-FFF2-40B4-BE49-F238E27FC236}">
+                <a16:creationId xmlns:a16="http://schemas.microsoft.com/office/drawing/2014/main" id="{895FF730-781A-1749-827F-05A9C16047FD}"/>
+              </a:ext>
+            </a:extLst>
+          </p:cNvPr>
+          <p:cNvSpPr txBox="1"/>
+          <p:nvPr/>
+        </p:nvSpPr>
+        <p:spPr>
+          <a:xfrm>
+            <a:off x="155111" y="4671152"/>
+            <a:ext cx="2433853" cy="923330"/>
+          </a:xfrm>
+          <a:prstGeom prst="rect">
+            <a:avLst/>
+          </a:prstGeom>
+          <a:noFill/>
+        </p:spPr>
+        <p:txBody>
+          <a:bodyPr wrap="square" rtlCol="0">
+            <a:spAutoFit/>
+          </a:bodyPr>
+          <a:lstStyle/>
+          <a:p>
+            <a:r>
+              <a:rPr lang="en-US" dirty="0">
+                <a:solidFill>
+                  <a:schemeClr val="bg1"/>
+                </a:solidFill>
+              </a:rPr>
+              <a:t>API call: None</a:t>
+            </a:r>
+          </a:p>
+          <a:p>
+            <a:endParaRPr lang="en-US" dirty="0">
+              <a:solidFill>
+                <a:schemeClr val="bg1"/>
+              </a:solidFill>
+            </a:endParaRPr>
+          </a:p>
+          <a:p>
+            <a:r>
+              <a:rPr lang="en-US" dirty="0">
+                <a:solidFill>
+                  <a:schemeClr val="bg1"/>
+                </a:solidFill>
+              </a:rPr>
+              <a:t>Uses local crypto class</a:t>
+            </a:r>
+          </a:p>
+        </p:txBody>
+      </p:sp>
     </p:spTree>
     <p:extLst>
       <p:ext uri="{BB962C8B-B14F-4D97-AF65-F5344CB8AC3E}">
@@ -27588,6 +31414,62 @@
                 </a:solidFill>
               </a:rPr>
               <a:t>MESSAGE PASSING PROJECT</a:t>
+            </a:r>
+          </a:p>
+        </p:txBody>
+      </p:sp>
+      <p:sp>
+        <p:nvSpPr>
+          <p:cNvPr id="11" name="TextBox 10">
+            <a:extLst>
+              <a:ext uri="{FF2B5EF4-FFF2-40B4-BE49-F238E27FC236}">
+                <a16:creationId xmlns:a16="http://schemas.microsoft.com/office/drawing/2014/main" id="{25A3891C-7A00-994A-9BAF-6DE5939C9297}"/>
+              </a:ext>
+            </a:extLst>
+          </p:cNvPr>
+          <p:cNvSpPr txBox="1"/>
+          <p:nvPr/>
+        </p:nvSpPr>
+        <p:spPr>
+          <a:xfrm>
+            <a:off x="155111" y="4671152"/>
+            <a:ext cx="2433853" cy="923330"/>
+          </a:xfrm>
+          <a:prstGeom prst="rect">
+            <a:avLst/>
+          </a:prstGeom>
+          <a:noFill/>
+        </p:spPr>
+        <p:txBody>
+          <a:bodyPr wrap="square" rtlCol="0">
+            <a:spAutoFit/>
+          </a:bodyPr>
+          <a:lstStyle/>
+          <a:p>
+            <a:r>
+              <a:rPr lang="en-US" dirty="0">
+                <a:solidFill>
+                  <a:schemeClr val="bg1"/>
+                </a:solidFill>
+              </a:rPr>
+              <a:t>API call: None</a:t>
+            </a:r>
+          </a:p>
+          <a:p>
+            <a:endParaRPr lang="en-US" dirty="0">
+              <a:solidFill>
+                <a:schemeClr val="bg1"/>
+              </a:solidFill>
+            </a:endParaRPr>
+          </a:p>
+          <a:p>
+            <a:r>
+              <a:rPr lang="en-US" dirty="0">
+                <a:solidFill>
+                  <a:schemeClr val="bg1"/>
+                </a:solidFill>
+              </a:rPr>
+              <a:t>Uses local crypto class</a:t>
             </a:r>
           </a:p>
         </p:txBody>
